--- a/HWpre-Final.pptx
+++ b/HWpre-Final.pptx
@@ -9,14 +9,17 @@
   <p:notesMasterIdLst>
     <p:notesMasterId r:id="rId13"/>
   </p:notesMasterIdLst>
+  <p:handoutMasterIdLst>
+    <p:handoutMasterId r:id="rId32"/>
+  </p:handoutMasterIdLst>
   <p:sldIdLst>
     <p:sldId id="328" r:id="rId5"/>
     <p:sldId id="419" r:id="rId6"/>
     <p:sldId id="330" r:id="rId7"/>
     <p:sldId id="332" r:id="rId8"/>
-    <p:sldId id="420" r:id="rId9"/>
-    <p:sldId id="421" r:id="rId10"/>
-    <p:sldId id="343" r:id="rId11"/>
+    <p:sldId id="421" r:id="rId9"/>
+    <p:sldId id="343" r:id="rId10"/>
+    <p:sldId id="420" r:id="rId11"/>
     <p:sldId id="344" r:id="rId12"/>
     <p:sldId id="345" r:id="rId14"/>
     <p:sldId id="346" r:id="rId15"/>
@@ -26,26 +29,21 @@
     <p:sldId id="377" r:id="rId19"/>
     <p:sldId id="425" r:id="rId20"/>
     <p:sldId id="351" r:id="rId21"/>
-    <p:sldId id="428" r:id="rId22"/>
-    <p:sldId id="429" r:id="rId23"/>
-    <p:sldId id="430" r:id="rId24"/>
+    <p:sldId id="429" r:id="rId22"/>
+    <p:sldId id="443" r:id="rId23"/>
+    <p:sldId id="444" r:id="rId24"/>
     <p:sldId id="426" r:id="rId25"/>
     <p:sldId id="431" r:id="rId26"/>
     <p:sldId id="438" r:id="rId27"/>
     <p:sldId id="432" r:id="rId28"/>
-    <p:sldId id="439" r:id="rId29"/>
-    <p:sldId id="427" r:id="rId30"/>
-    <p:sldId id="433" r:id="rId31"/>
-    <p:sldId id="434" r:id="rId32"/>
-    <p:sldId id="435" r:id="rId33"/>
-    <p:sldId id="436" r:id="rId34"/>
-    <p:sldId id="437" r:id="rId35"/>
-    <p:sldId id="336" r:id="rId36"/>
+    <p:sldId id="427" r:id="rId29"/>
+    <p:sldId id="433" r:id="rId30"/>
+    <p:sldId id="336" r:id="rId31"/>
   </p:sldIdLst>
   <p:sldSz cx="12192000" cy="6858000"/>
   <p:notesSz cx="6858000" cy="9144000"/>
   <p:custDataLst>
-    <p:tags r:id="rId41"/>
+    <p:tags r:id="rId37"/>
   </p:custDataLst>
   <p:defaultTextStyle>
     <a:defPPr>
@@ -150,6 +148,164 @@
   <p:cmAuthor id="1" name="幸全" initials="幸全" lastIdx="1" clrIdx="0"/>
   <p:cmAuthor id="2" name="作者" initials="A" lastIdx="0" clrIdx="1"/>
 </p:cmAuthorLst>
+</file>
+
+<file path=ppt/handoutMasters/handoutMaster1.xml><?xml version="1.0" encoding="utf-8"?>
+<p:handoutMaster xmlns:a="http://schemas.openxmlformats.org/drawingml/2006/main" xmlns:r="http://schemas.openxmlformats.org/officeDocument/2006/relationships" xmlns:p="http://schemas.openxmlformats.org/presentationml/2006/main">
+  <p:cSld>
+    <p:bg>
+      <p:bgRef idx="1001">
+        <a:schemeClr val="bg1"/>
+      </p:bgRef>
+    </p:bg>
+    <p:spTree>
+      <p:nvGrpSpPr>
+        <p:cNvPr id="1" name=""/>
+        <p:cNvGrpSpPr/>
+        <p:nvPr/>
+      </p:nvGrpSpPr>
+      <p:grpSpPr>
+        <a:xfrm>
+          <a:off x="0" y="0"/>
+          <a:ext cx="0" cy="0"/>
+          <a:chOff x="0" y="0"/>
+          <a:chExt cx="0" cy="0"/>
+        </a:xfrm>
+      </p:grpSpPr>
+      <p:sp>
+        <p:nvSpPr>
+          <p:cNvPr id="2" name="页眉占位符 1"/>
+          <p:cNvSpPr>
+            <a:spLocks noGrp="1"/>
+          </p:cNvSpPr>
+          <p:nvPr>
+            <p:ph type="hdr" sz="quarter"/>
+          </p:nvPr>
+        </p:nvSpPr>
+        <p:spPr>
+          <a:xfrm>
+            <a:off x="0" y="0"/>
+            <a:ext cx="2971800" cy="458788"/>
+          </a:xfrm>
+          <a:prstGeom prst="rect">
+            <a:avLst/>
+          </a:prstGeom>
+        </p:spPr>
+        <p:txBody>
+          <a:bodyPr vert="horz" lIns="91440" tIns="45720" rIns="91440" bIns="45720" rtlCol="0"/>
+          <a:lstStyle>
+            <a:lvl1pPr algn="l">
+              <a:defRPr sz="1200"/>
+            </a:lvl1pPr>
+          </a:lstStyle>
+          <a:p>
+            <a:endParaRPr lang="zh-CN" altLang="en-US"/>
+          </a:p>
+        </p:txBody>
+      </p:sp>
+      <p:sp>
+        <p:nvSpPr>
+          <p:cNvPr id="3" name="日期占位符 2"/>
+          <p:cNvSpPr>
+            <a:spLocks noGrp="1"/>
+          </p:cNvSpPr>
+          <p:nvPr>
+            <p:ph type="dt" sz="quarter" idx="1"/>
+          </p:nvPr>
+        </p:nvSpPr>
+        <p:spPr>
+          <a:xfrm>
+            <a:off x="3884613" y="0"/>
+            <a:ext cx="2971800" cy="458788"/>
+          </a:xfrm>
+          <a:prstGeom prst="rect">
+            <a:avLst/>
+          </a:prstGeom>
+        </p:spPr>
+        <p:txBody>
+          <a:bodyPr vert="horz" lIns="91440" tIns="45720" rIns="91440" bIns="45720" rtlCol="0"/>
+          <a:lstStyle>
+            <a:lvl1pPr algn="r">
+              <a:defRPr sz="1200"/>
+            </a:lvl1pPr>
+          </a:lstStyle>
+          <a:p>
+            <a:fld id="{0F9B84EA-7D68-4D60-9CB1-D50884785D1C}" type="datetimeFigureOut">
+              <a:rPr lang="zh-CN" altLang="en-US" smtClean="0"/>
+            </a:fld>
+            <a:endParaRPr lang="zh-CN" altLang="en-US"/>
+          </a:p>
+        </p:txBody>
+      </p:sp>
+      <p:sp>
+        <p:nvSpPr>
+          <p:cNvPr id="4" name="页脚占位符 3"/>
+          <p:cNvSpPr>
+            <a:spLocks noGrp="1"/>
+          </p:cNvSpPr>
+          <p:nvPr>
+            <p:ph type="ftr" sz="quarter" idx="2"/>
+          </p:nvPr>
+        </p:nvSpPr>
+        <p:spPr>
+          <a:xfrm>
+            <a:off x="0" y="8685213"/>
+            <a:ext cx="2971800" cy="458787"/>
+          </a:xfrm>
+          <a:prstGeom prst="rect">
+            <a:avLst/>
+          </a:prstGeom>
+        </p:spPr>
+        <p:txBody>
+          <a:bodyPr vert="horz" lIns="91440" tIns="45720" rIns="91440" bIns="45720" rtlCol="0" anchor="b"/>
+          <a:lstStyle>
+            <a:lvl1pPr algn="l">
+              <a:defRPr sz="1200"/>
+            </a:lvl1pPr>
+          </a:lstStyle>
+          <a:p>
+            <a:endParaRPr lang="zh-CN" altLang="en-US"/>
+          </a:p>
+        </p:txBody>
+      </p:sp>
+      <p:sp>
+        <p:nvSpPr>
+          <p:cNvPr id="5" name="灯片编号占位符 4"/>
+          <p:cNvSpPr>
+            <a:spLocks noGrp="1"/>
+          </p:cNvSpPr>
+          <p:nvPr>
+            <p:ph type="sldNum" sz="quarter" idx="3"/>
+          </p:nvPr>
+        </p:nvSpPr>
+        <p:spPr>
+          <a:xfrm>
+            <a:off x="3884613" y="8685213"/>
+            <a:ext cx="2971800" cy="458787"/>
+          </a:xfrm>
+          <a:prstGeom prst="rect">
+            <a:avLst/>
+          </a:prstGeom>
+        </p:spPr>
+        <p:txBody>
+          <a:bodyPr vert="horz" lIns="91440" tIns="45720" rIns="91440" bIns="45720" rtlCol="0" anchor="b"/>
+          <a:lstStyle>
+            <a:lvl1pPr algn="r">
+              <a:defRPr sz="1200"/>
+            </a:lvl1pPr>
+          </a:lstStyle>
+          <a:p>
+            <a:fld id="{8D4E0FC9-F1F8-4FAE-9988-3BA365CFD46F}" type="slidenum">
+              <a:rPr lang="zh-CN" altLang="en-US" smtClean="0"/>
+            </a:fld>
+            <a:endParaRPr lang="zh-CN" altLang="en-US"/>
+          </a:p>
+        </p:txBody>
+      </p:sp>
+    </p:spTree>
+  </p:cSld>
+  <p:clrMap bg1="lt1" tx1="dk1" bg2="lt2" tx2="dk2" accent1="accent1" accent2="accent2" accent3="accent3" accent4="accent4" accent5="accent5" accent6="accent6" hlink="hlink" folHlink="folHlink"/>
+</p:handoutMaster>
 </file>
 
 <file path=ppt/notesMasters/notesMaster1.xml><?xml version="1.0" encoding="utf-8"?>
@@ -12835,8 +12991,8 @@
         </p:blipFill>
         <p:spPr>
           <a:xfrm>
-            <a:off x="660400" y="1569403"/>
-            <a:ext cx="4095750" cy="1710055"/>
+            <a:off x="741680" y="974725"/>
+            <a:ext cx="4403725" cy="1838325"/>
           </a:xfrm>
           <a:prstGeom prst="rect">
             <a:avLst/>
@@ -12867,8 +13023,8 @@
         </p:blipFill>
         <p:spPr>
           <a:xfrm>
-            <a:off x="660083" y="4388803"/>
-            <a:ext cx="5266055" cy="1630045"/>
+            <a:off x="741680" y="3366135"/>
+            <a:ext cx="7516495" cy="2326640"/>
           </a:xfrm>
           <a:prstGeom prst="rect">
             <a:avLst/>
@@ -12899,8 +13055,8 @@
         </p:blipFill>
         <p:spPr>
           <a:xfrm>
-            <a:off x="7547610" y="2136140"/>
-            <a:ext cx="3162300" cy="2252980"/>
+            <a:off x="7750810" y="398780"/>
+            <a:ext cx="3954145" cy="2816860"/>
           </a:xfrm>
           <a:prstGeom prst="rect">
             <a:avLst/>
@@ -12911,9 +13067,104 @@
           </a:ln>
         </p:spPr>
       </p:pic>
+      <p:sp>
+        <p:nvSpPr>
+          <p:cNvPr id="2" name="文本框 1"/>
+          <p:cNvSpPr txBox="1"/>
+          <p:nvPr/>
+        </p:nvSpPr>
+        <p:spPr>
+          <a:xfrm>
+            <a:off x="2181225" y="2948940"/>
+            <a:ext cx="1216660" cy="368300"/>
+          </a:xfrm>
+          <a:prstGeom prst="rect">
+            <a:avLst/>
+          </a:prstGeom>
+          <a:noFill/>
+        </p:spPr>
+        <p:txBody>
+          <a:bodyPr wrap="square" rtlCol="0">
+            <a:spAutoFit/>
+          </a:bodyPr>
+          <a:p>
+            <a:r>
+              <a:rPr lang="zh-CN" altLang="en-US"/>
+              <a:t>请求样例</a:t>
+            </a:r>
+            <a:endParaRPr lang="zh-CN" altLang="en-US"/>
+          </a:p>
+        </p:txBody>
+      </p:sp>
+      <p:sp>
+        <p:nvSpPr>
+          <p:cNvPr id="4" name="文本框 3"/>
+          <p:cNvSpPr txBox="1"/>
+          <p:nvPr>
+            <p:custDataLst>
+              <p:tags r:id="rId8"/>
+            </p:custDataLst>
+          </p:nvPr>
+        </p:nvSpPr>
+        <p:spPr>
+          <a:xfrm>
+            <a:off x="2378075" y="5962015"/>
+            <a:ext cx="1216660" cy="368300"/>
+          </a:xfrm>
+          <a:prstGeom prst="rect">
+            <a:avLst/>
+          </a:prstGeom>
+          <a:noFill/>
+        </p:spPr>
+        <p:txBody>
+          <a:bodyPr wrap="square" rtlCol="0">
+            <a:spAutoFit/>
+          </a:bodyPr>
+          <a:p>
+            <a:r>
+              <a:rPr lang="zh-CN" altLang="en-US"/>
+              <a:t>返回样例</a:t>
+            </a:r>
+            <a:endParaRPr lang="zh-CN" altLang="en-US"/>
+          </a:p>
+        </p:txBody>
+      </p:sp>
+      <p:sp>
+        <p:nvSpPr>
+          <p:cNvPr id="5" name="文本框 4"/>
+          <p:cNvSpPr txBox="1"/>
+          <p:nvPr>
+            <p:custDataLst>
+              <p:tags r:id="rId9"/>
+            </p:custDataLst>
+          </p:nvPr>
+        </p:nvSpPr>
+        <p:spPr>
+          <a:xfrm>
+            <a:off x="9251950" y="3317240"/>
+            <a:ext cx="1216660" cy="368300"/>
+          </a:xfrm>
+          <a:prstGeom prst="rect">
+            <a:avLst/>
+          </a:prstGeom>
+          <a:noFill/>
+        </p:spPr>
+        <p:txBody>
+          <a:bodyPr wrap="square" rtlCol="0">
+            <a:spAutoFit/>
+          </a:bodyPr>
+          <a:p>
+            <a:r>
+              <a:rPr lang="zh-CN" altLang="en-US"/>
+              <a:t>异常样例</a:t>
+            </a:r>
+            <a:endParaRPr lang="zh-CN" altLang="en-US"/>
+          </a:p>
+        </p:txBody>
+      </p:sp>
     </p:spTree>
     <p:custDataLst>
-      <p:tags r:id="rId8"/>
+      <p:tags r:id="rId10"/>
     </p:custDataLst>
   </p:cSld>
   <p:clrMapOvr>
@@ -12993,8 +13244,8 @@
         </p:blipFill>
         <p:spPr>
           <a:xfrm>
-            <a:off x="524828" y="1024573"/>
-            <a:ext cx="5255895" cy="2949575"/>
+            <a:off x="2233930" y="589915"/>
+            <a:ext cx="9484995" cy="5323205"/>
           </a:xfrm>
           <a:prstGeom prst="rect">
             <a:avLst/>
@@ -13005,41 +13256,42 @@
           </a:ln>
         </p:spPr>
       </p:pic>
-      <p:pic>
-        <p:nvPicPr>
-          <p:cNvPr id="15" name="图片 3"/>
-          <p:cNvPicPr>
-            <a:picLocks noChangeAspect="1"/>
-          </p:cNvPicPr>
+      <p:sp>
+        <p:nvSpPr>
+          <p:cNvPr id="2" name="文本框 1"/>
+          <p:cNvSpPr txBox="1"/>
           <p:nvPr>
             <p:custDataLst>
               <p:tags r:id="rId4"/>
             </p:custDataLst>
           </p:nvPr>
-        </p:nvPicPr>
-        <p:blipFill>
-          <a:blip r:embed="rId5"/>
-          <a:stretch>
-            <a:fillRect/>
-          </a:stretch>
-        </p:blipFill>
+        </p:nvSpPr>
         <p:spPr>
           <a:xfrm>
-            <a:off x="6541135" y="3792538"/>
-            <a:ext cx="5264150" cy="2681605"/>
+            <a:off x="5767070" y="5948680"/>
+            <a:ext cx="3093720" cy="368300"/>
           </a:xfrm>
           <a:prstGeom prst="rect">
             <a:avLst/>
           </a:prstGeom>
           <a:noFill/>
-          <a:ln>
-            <a:noFill/>
-          </a:ln>
         </p:spPr>
-      </p:pic>
+        <p:txBody>
+          <a:bodyPr wrap="square" rtlCol="0">
+            <a:spAutoFit/>
+          </a:bodyPr>
+          <a:p>
+            <a:r>
+              <a:rPr lang="zh-CN" altLang="en-US"/>
+              <a:t>获取具体用户信息</a:t>
+            </a:r>
+            <a:endParaRPr lang="zh-CN" altLang="en-US"/>
+          </a:p>
+        </p:txBody>
+      </p:sp>
     </p:spTree>
     <p:custDataLst>
-      <p:tags r:id="rId6"/>
+      <p:tags r:id="rId5"/>
     </p:custDataLst>
   </p:cSld>
   <p:clrMapOvr>
@@ -13100,7 +13352,7 @@
       </p:sp>
       <p:pic>
         <p:nvPicPr>
-          <p:cNvPr id="13" name="图片 2"/>
+          <p:cNvPr id="17" name="图片 4"/>
           <p:cNvPicPr>
             <a:picLocks noChangeAspect="1"/>
           </p:cNvPicPr>
@@ -13118,8 +13370,8 @@
         </p:blipFill>
         <p:spPr>
           <a:xfrm>
-            <a:off x="6351588" y="333058"/>
-            <a:ext cx="5268595" cy="3013075"/>
+            <a:off x="2271395" y="502920"/>
+            <a:ext cx="9404985" cy="5445125"/>
           </a:xfrm>
           <a:prstGeom prst="rect">
             <a:avLst/>
@@ -13130,41 +13382,38 @@
           </a:ln>
         </p:spPr>
       </p:pic>
-      <p:pic>
-        <p:nvPicPr>
-          <p:cNvPr id="17" name="图片 4"/>
-          <p:cNvPicPr>
-            <a:picLocks noChangeAspect="1"/>
-          </p:cNvPicPr>
-          <p:nvPr>
-            <p:custDataLst>
-              <p:tags r:id="rId4"/>
-            </p:custDataLst>
-          </p:nvPr>
-        </p:nvPicPr>
-        <p:blipFill>
-          <a:blip r:embed="rId5"/>
-          <a:stretch>
-            <a:fillRect/>
-          </a:stretch>
-        </p:blipFill>
+      <p:sp>
+        <p:nvSpPr>
+          <p:cNvPr id="4" name="文本框 3"/>
+          <p:cNvSpPr txBox="1"/>
+          <p:nvPr/>
+        </p:nvSpPr>
         <p:spPr>
           <a:xfrm>
-            <a:off x="564515" y="3346133"/>
-            <a:ext cx="5264150" cy="3047365"/>
+            <a:off x="5894705" y="6101715"/>
+            <a:ext cx="2677795" cy="368300"/>
           </a:xfrm>
           <a:prstGeom prst="rect">
             <a:avLst/>
           </a:prstGeom>
           <a:noFill/>
-          <a:ln>
-            <a:noFill/>
-          </a:ln>
         </p:spPr>
-      </p:pic>
+        <p:txBody>
+          <a:bodyPr wrap="square" rtlCol="0">
+            <a:spAutoFit/>
+          </a:bodyPr>
+          <a:p>
+            <a:r>
+              <a:rPr lang="zh-CN" altLang="en-US"/>
+              <a:t>获取用户情绪数据</a:t>
+            </a:r>
+            <a:endParaRPr lang="zh-CN" altLang="en-US"/>
+          </a:p>
+        </p:txBody>
+      </p:sp>
     </p:spTree>
     <p:custDataLst>
-      <p:tags r:id="rId6"/>
+      <p:tags r:id="rId4"/>
     </p:custDataLst>
   </p:cSld>
   <p:clrMapOvr>
@@ -13458,6 +13707,35 @@
           </a:prstGeom>
         </p:spPr>
       </p:pic>
+      <p:sp>
+        <p:nvSpPr>
+          <p:cNvPr id="3" name="文本框 2"/>
+          <p:cNvSpPr txBox="1"/>
+          <p:nvPr/>
+        </p:nvSpPr>
+        <p:spPr>
+          <a:xfrm>
+            <a:off x="4944110" y="6004560"/>
+            <a:ext cx="3012440" cy="368300"/>
+          </a:xfrm>
+          <a:prstGeom prst="rect">
+            <a:avLst/>
+          </a:prstGeom>
+          <a:noFill/>
+        </p:spPr>
+        <p:txBody>
+          <a:bodyPr wrap="square" rtlCol="0">
+            <a:spAutoFit/>
+          </a:bodyPr>
+          <a:p>
+            <a:r>
+              <a:rPr lang="zh-CN" altLang="en-US"/>
+              <a:t>数据持久存储机制</a:t>
+            </a:r>
+            <a:endParaRPr lang="zh-CN" altLang="en-US"/>
+          </a:p>
+        </p:txBody>
+      </p:sp>
     </p:spTree>
     <p:custDataLst>
       <p:tags r:id="rId4"/>
@@ -13543,6 +13821,35 @@
           </a:ln>
         </p:spPr>
       </p:pic>
+      <p:sp>
+        <p:nvSpPr>
+          <p:cNvPr id="2" name="文本框 1"/>
+          <p:cNvSpPr txBox="1"/>
+          <p:nvPr/>
+        </p:nvSpPr>
+        <p:spPr>
+          <a:xfrm>
+            <a:off x="5615305" y="6410325"/>
+            <a:ext cx="2119630" cy="368300"/>
+          </a:xfrm>
+          <a:prstGeom prst="rect">
+            <a:avLst/>
+          </a:prstGeom>
+          <a:noFill/>
+        </p:spPr>
+        <p:txBody>
+          <a:bodyPr wrap="square" rtlCol="0">
+            <a:spAutoFit/>
+          </a:bodyPr>
+          <a:p>
+            <a:r>
+              <a:rPr lang="zh-CN" altLang="en-US"/>
+              <a:t>权限管理</a:t>
+            </a:r>
+            <a:endParaRPr lang="zh-CN" altLang="en-US"/>
+          </a:p>
+        </p:txBody>
+      </p:sp>
     </p:spTree>
     <p:custDataLst>
       <p:tags r:id="rId4"/>
@@ -13780,7 +14087,7 @@
           <a:p>
             <a:r>
               <a:rPr lang="zh-CN" altLang="en-US" dirty="0"/>
-              <a:t>用户登录</a:t>
+              <a:t>音乐推荐</a:t>
             </a:r>
             <a:endParaRPr lang="zh-CN" altLang="en-US" dirty="0"/>
           </a:p>
@@ -13788,9 +14095,9 @@
       </p:sp>
       <p:pic>
         <p:nvPicPr>
-          <p:cNvPr id="24" name="Picture"/>
+          <p:cNvPr id="45" name="图片 10"/>
           <p:cNvPicPr>
-            <a:picLocks noChangeAspect="1" noChangeArrowheads="1"/>
+            <a:picLocks noChangeAspect="1"/>
           </p:cNvPicPr>
           <p:nvPr>
             <p:custDataLst>
@@ -13806,53 +14113,98 @@
         </p:blipFill>
         <p:spPr>
           <a:xfrm>
-            <a:off x="5833110" y="1115695"/>
-            <a:ext cx="5299075" cy="2374900"/>
+            <a:off x="956945" y="1055370"/>
+            <a:ext cx="6856095" cy="5268595"/>
           </a:xfrm>
           <a:prstGeom prst="rect">
             <a:avLst/>
           </a:prstGeom>
           <a:noFill/>
-          <a:ln w="9525">
+          <a:ln>
             <a:noFill/>
           </a:ln>
         </p:spPr>
       </p:pic>
-      <p:pic>
-        <p:nvPicPr>
-          <p:cNvPr id="25" name="Picture"/>
-          <p:cNvPicPr>
-            <a:picLocks noChangeAspect="1" noChangeArrowheads="1"/>
-          </p:cNvPicPr>
-          <p:nvPr>
-            <p:custDataLst>
-              <p:tags r:id="rId4"/>
-            </p:custDataLst>
-          </p:nvPr>
-        </p:nvPicPr>
-        <p:blipFill>
-          <a:blip r:embed="rId5"/>
-          <a:stretch>
-            <a:fillRect/>
-          </a:stretch>
-        </p:blipFill>
+      <p:sp>
+        <p:nvSpPr>
+          <p:cNvPr id="2" name="文本框 1"/>
+          <p:cNvSpPr txBox="1"/>
+          <p:nvPr/>
+        </p:nvSpPr>
         <p:spPr>
           <a:xfrm>
-            <a:off x="379095" y="1231265"/>
-            <a:ext cx="4989830" cy="5627370"/>
+            <a:off x="7813040" y="2292350"/>
+            <a:ext cx="3063240" cy="1476375"/>
           </a:xfrm>
           <a:prstGeom prst="rect">
             <a:avLst/>
           </a:prstGeom>
           <a:noFill/>
-          <a:ln w="9525">
-            <a:noFill/>
-          </a:ln>
         </p:spPr>
-      </p:pic>
+        <p:txBody>
+          <a:bodyPr wrap="square" rtlCol="0">
+            <a:spAutoFit/>
+          </a:bodyPr>
+          <a:p>
+            <a:pPr marL="285750" indent="-285750">
+              <a:buFont typeface="Arial" panose="020B0604020202020204" pitchFamily="34" charset="0"/>
+              <a:buChar char="•"/>
+            </a:pPr>
+            <a:r>
+              <a:rPr lang="zh-CN" altLang="en-US"/>
+              <a:t>前端：</a:t>
+            </a:r>
+            <a:r>
+              <a:rPr lang="en-US" altLang="zh-CN"/>
+              <a:t>Vue3</a:t>
+            </a:r>
+            <a:endParaRPr lang="en-US" altLang="zh-CN"/>
+          </a:p>
+          <a:p>
+            <a:pPr marL="285750" indent="-285750">
+              <a:buFont typeface="Arial" panose="020B0604020202020204" pitchFamily="34" charset="0"/>
+              <a:buChar char="•"/>
+            </a:pPr>
+            <a:r>
+              <a:rPr lang="en-US" altLang="zh-CN"/>
+              <a:t>Spring MVC</a:t>
+            </a:r>
+            <a:endParaRPr lang="en-US" altLang="zh-CN"/>
+          </a:p>
+          <a:p>
+            <a:pPr marL="285750" indent="-285750">
+              <a:buFont typeface="Arial" panose="020B0604020202020204" pitchFamily="34" charset="0"/>
+              <a:buChar char="•"/>
+            </a:pPr>
+            <a:r>
+              <a:rPr lang="en-US" altLang="zh-CN"/>
+              <a:t>Rest API</a:t>
+            </a:r>
+            <a:endParaRPr lang="en-US" altLang="zh-CN"/>
+          </a:p>
+          <a:p>
+            <a:pPr marL="285750" indent="-285750">
+              <a:buFont typeface="Arial" panose="020B0604020202020204" pitchFamily="34" charset="0"/>
+              <a:buChar char="•"/>
+            </a:pPr>
+            <a:r>
+              <a:rPr lang="zh-CN" altLang="en-US"/>
+              <a:t>音乐推荐算法</a:t>
+            </a:r>
+            <a:endParaRPr lang="en-US" altLang="zh-CN"/>
+          </a:p>
+          <a:p>
+            <a:pPr indent="0">
+              <a:buFont typeface="Arial" panose="020B0604020202020204" pitchFamily="34" charset="0"/>
+              <a:buNone/>
+            </a:pPr>
+            <a:endParaRPr lang="en-US" altLang="zh-CN"/>
+          </a:p>
+        </p:txBody>
+      </p:sp>
     </p:spTree>
     <p:custDataLst>
-      <p:tags r:id="rId6"/>
+      <p:tags r:id="rId4"/>
     </p:custDataLst>
   </p:cSld>
   <p:clrMapOvr>
@@ -13886,7 +14238,7 @@
         </p:nvSpPr>
         <p:spPr>
           <a:xfrm>
-            <a:off x="-1229825" y="391950"/>
+            <a:off x="231310" y="107470"/>
             <a:ext cx="9626400" cy="723600"/>
           </a:xfrm>
         </p:spPr>
@@ -13897,7 +14249,7 @@
           <a:p>
             <a:r>
               <a:rPr lang="zh-CN" altLang="en-US" dirty="0"/>
-              <a:t>音乐推荐</a:t>
+              <a:t>更新后的用例图</a:t>
             </a:r>
             <a:endParaRPr lang="zh-CN" altLang="en-US" dirty="0"/>
           </a:p>
@@ -13905,9 +14257,9 @@
       </p:sp>
       <p:pic>
         <p:nvPicPr>
-          <p:cNvPr id="26" name="Picture"/>
+          <p:cNvPr id="3" name="图片 2" descr="未命名文件 (5)"/>
           <p:cNvPicPr>
-            <a:picLocks noChangeAspect="1" noChangeArrowheads="1"/>
+            <a:picLocks noChangeAspect="1"/>
           </p:cNvPicPr>
           <p:nvPr>
             <p:custDataLst>
@@ -13923,21 +14275,127 @@
         </p:blipFill>
         <p:spPr>
           <a:xfrm>
-            <a:off x="3267075" y="1314450"/>
-            <a:ext cx="6305550" cy="4998720"/>
+            <a:off x="6182360" y="1061085"/>
+            <a:ext cx="4679315" cy="4336415"/>
+          </a:xfrm>
+          <a:prstGeom prst="rect">
+            <a:avLst/>
+          </a:prstGeom>
+        </p:spPr>
+      </p:pic>
+      <p:sp>
+        <p:nvSpPr>
+          <p:cNvPr id="6" name="文本框 5"/>
+          <p:cNvSpPr txBox="1"/>
+          <p:nvPr/>
+        </p:nvSpPr>
+        <p:spPr>
+          <a:xfrm>
+            <a:off x="4855845" y="5534025"/>
+            <a:ext cx="4391025" cy="1280160"/>
           </a:xfrm>
           <a:prstGeom prst="rect">
             <a:avLst/>
           </a:prstGeom>
           <a:noFill/>
-          <a:ln w="9525">
-            <a:noFill/>
+        </p:spPr>
+        <p:txBody>
+          <a:bodyPr wrap="square" rtlCol="0">
+            <a:noAutofit/>
+          </a:bodyPr>
+          <a:p>
+            <a:r>
+              <a:rPr lang="zh-CN" altLang="en-US"/>
+              <a:t>着重对系统总览用例图进行模块化优化。</a:t>
+            </a:r>
+            <a:endParaRPr lang="zh-CN" altLang="en-US"/>
+          </a:p>
+          <a:p>
+            <a:endParaRPr lang="zh-CN" altLang="en-US"/>
+          </a:p>
+          <a:p>
+            <a:r>
+              <a:rPr lang="zh-CN" altLang="en-US"/>
+              <a:t>精简了各个子系统的功能展示，只保留了子系统的主要标题。</a:t>
+            </a:r>
+            <a:endParaRPr lang="zh-CN" altLang="en-US"/>
+          </a:p>
+        </p:txBody>
+      </p:sp>
+      <p:pic>
+        <p:nvPicPr>
+          <p:cNvPr id="13" name="图片 13" descr="系统总览 (1)"/>
+          <p:cNvPicPr>
+            <a:picLocks noChangeAspect="1"/>
+          </p:cNvPicPr>
+          <p:nvPr>
+            <p:custDataLst>
+              <p:tags r:id="rId4"/>
+            </p:custDataLst>
+          </p:nvPr>
+        </p:nvPicPr>
+        <p:blipFill>
+          <a:blip r:embed="rId5"/>
+          <a:stretch>
+            <a:fillRect/>
+          </a:stretch>
+        </p:blipFill>
+        <p:spPr>
+          <a:xfrm>
+            <a:off x="887730" y="658495"/>
+            <a:ext cx="4041775" cy="5438140"/>
+          </a:xfrm>
+          <a:prstGeom prst="rect">
+            <a:avLst/>
+          </a:prstGeom>
+        </p:spPr>
+      </p:pic>
+      <p:cxnSp>
+        <p:nvCxnSpPr>
+          <p:cNvPr id="2" name="直接箭头连接符 1"/>
+          <p:cNvCxnSpPr/>
+          <p:nvPr>
+            <p:custDataLst>
+              <p:tags r:id="rId6"/>
+            </p:custDataLst>
+          </p:nvPr>
+        </p:nvCxnSpPr>
+        <p:spPr>
+          <a:xfrm flipV="1">
+            <a:off x="5238750" y="2997200"/>
+            <a:ext cx="634365" cy="6350"/>
+          </a:xfrm>
+          <a:prstGeom prst="straightConnector1">
+            <a:avLst/>
+          </a:prstGeom>
+          <a:ln w="28575" cmpd="sng">
+            <a:solidFill>
+              <a:schemeClr val="accent1">
+                <a:shade val="50000"/>
+              </a:schemeClr>
+            </a:solidFill>
+            <a:prstDash val="solid"/>
+            <a:tailEnd type="arrow" w="med" len="med"/>
           </a:ln>
         </p:spPr>
-      </p:pic>
+        <p:style>
+          <a:lnRef idx="3">
+            <a:schemeClr val="accent1"/>
+          </a:lnRef>
+          <a:fillRef idx="0">
+            <a:schemeClr val="accent1"/>
+          </a:fillRef>
+          <a:effectRef idx="2">
+            <a:schemeClr val="accent1"/>
+          </a:effectRef>
+          <a:fontRef idx="minor">
+            <a:schemeClr val="tx1"/>
+          </a:fontRef>
+        </p:style>
+      </p:cxnSp>
     </p:spTree>
     <p:custDataLst>
-      <p:tags r:id="rId4"/>
+      <p:tags r:id="rId7"/>
     </p:custDataLst>
   </p:cSld>
   <p:clrMapOvr>
@@ -13971,7 +14429,7 @@
         </p:nvSpPr>
         <p:spPr>
           <a:xfrm>
-            <a:off x="-1229825" y="391950"/>
+            <a:off x="225595" y="96040"/>
             <a:ext cx="9626400" cy="723600"/>
           </a:xfrm>
         </p:spPr>
@@ -13982,7 +14440,7 @@
           <a:p>
             <a:r>
               <a:rPr lang="zh-CN" altLang="en-US" dirty="0"/>
-              <a:t>音乐推荐</a:t>
+              <a:t>更新后的用例图</a:t>
             </a:r>
             <a:endParaRPr lang="zh-CN" altLang="en-US" dirty="0"/>
           </a:p>
@@ -13990,9 +14448,9 @@
       </p:sp>
       <p:pic>
         <p:nvPicPr>
-          <p:cNvPr id="3" name="Picture"/>
+          <p:cNvPr id="5" name="图片 1" descr="未命名文件 (4)"/>
           <p:cNvPicPr>
-            <a:picLocks noChangeAspect="1" noChangeArrowheads="1"/>
+            <a:picLocks noChangeAspect="1"/>
           </p:cNvPicPr>
           <p:nvPr>
             <p:custDataLst>
@@ -14008,53 +14466,143 @@
         </p:blipFill>
         <p:spPr>
           <a:xfrm>
-            <a:off x="255270" y="1894205"/>
-            <a:ext cx="5416550" cy="3770630"/>
+            <a:off x="6647815" y="724535"/>
+            <a:ext cx="5198745" cy="4192270"/>
+          </a:xfrm>
+          <a:prstGeom prst="rect">
+            <a:avLst/>
+          </a:prstGeom>
+        </p:spPr>
+      </p:pic>
+      <p:sp>
+        <p:nvSpPr>
+          <p:cNvPr id="6" name="文本框 5"/>
+          <p:cNvSpPr txBox="1"/>
+          <p:nvPr>
+            <p:custDataLst>
+              <p:tags r:id="rId4"/>
+            </p:custDataLst>
+          </p:nvPr>
+        </p:nvSpPr>
+        <p:spPr>
+          <a:xfrm>
+            <a:off x="4824095" y="5043170"/>
+            <a:ext cx="4391025" cy="1924685"/>
           </a:xfrm>
           <a:prstGeom prst="rect">
             <a:avLst/>
           </a:prstGeom>
           <a:noFill/>
-          <a:ln w="9525">
-            <a:noFill/>
-          </a:ln>
         </p:spPr>
-      </p:pic>
+        <p:txBody>
+          <a:bodyPr wrap="square" rtlCol="0">
+            <a:noAutofit/>
+          </a:bodyPr>
+          <a:p>
+            <a:r>
+              <a:rPr lang="zh-CN" altLang="en-US">
+                <a:sym typeface="+mn-ea"/>
+              </a:rPr>
+              <a:t>不予展示</a:t>
+            </a:r>
+            <a:r>
+              <a:rPr lang="zh-CN" altLang="en-US"/>
+              <a:t>原有的系统内部实现的用例</a:t>
+            </a:r>
+            <a:endParaRPr lang="zh-CN" altLang="en-US"/>
+          </a:p>
+          <a:p>
+            <a:endParaRPr lang="zh-CN" altLang="en-US"/>
+          </a:p>
+          <a:p>
+            <a:r>
+              <a:rPr lang="zh-CN" altLang="en-US"/>
+              <a:t>增加几个Actor，分别是调用的几家公司（网易云音乐、今日头条、天气）的API</a:t>
+            </a:r>
+            <a:endParaRPr lang="zh-CN" altLang="en-US"/>
+          </a:p>
+          <a:p>
+            <a:endParaRPr lang="zh-CN" altLang="en-US"/>
+          </a:p>
+          <a:p>
+            <a:r>
+              <a:rPr lang="zh-CN" altLang="en-US"/>
+              <a:t>设置Actor“外界信息”，增加一层抽象</a:t>
+            </a:r>
+            <a:endParaRPr lang="zh-CN" altLang="en-US"/>
+          </a:p>
+        </p:txBody>
+      </p:sp>
       <p:pic>
         <p:nvPicPr>
-          <p:cNvPr id="5" name="Picture"/>
+          <p:cNvPr id="12" name="图片 12" descr="音乐推荐系统 (1)"/>
           <p:cNvPicPr>
-            <a:picLocks noChangeAspect="1" noChangeArrowheads="1"/>
+            <a:picLocks noChangeAspect="1"/>
           </p:cNvPicPr>
           <p:nvPr>
             <p:custDataLst>
-              <p:tags r:id="rId4"/>
+              <p:tags r:id="rId5"/>
             </p:custDataLst>
           </p:nvPr>
         </p:nvPicPr>
         <p:blipFill>
-          <a:blip r:embed="rId5"/>
+          <a:blip r:embed="rId6"/>
           <a:stretch>
             <a:fillRect/>
           </a:stretch>
         </p:blipFill>
         <p:spPr>
           <a:xfrm>
-            <a:off x="5905500" y="1534795"/>
-            <a:ext cx="4998720" cy="4490085"/>
+            <a:off x="749935" y="683260"/>
+            <a:ext cx="4759325" cy="4134485"/>
           </a:xfrm>
           <a:prstGeom prst="rect">
             <a:avLst/>
           </a:prstGeom>
-          <a:noFill/>
-          <a:ln w="9525">
-            <a:noFill/>
+        </p:spPr>
+      </p:pic>
+      <p:cxnSp>
+        <p:nvCxnSpPr>
+          <p:cNvPr id="2" name="直接箭头连接符 1"/>
+          <p:cNvCxnSpPr/>
+          <p:nvPr/>
+        </p:nvCxnSpPr>
+        <p:spPr>
+          <a:xfrm flipV="1">
+            <a:off x="5724525" y="3050540"/>
+            <a:ext cx="634365" cy="6350"/>
+          </a:xfrm>
+          <a:prstGeom prst="straightConnector1">
+            <a:avLst/>
+          </a:prstGeom>
+          <a:ln w="28575" cmpd="sng">
+            <a:solidFill>
+              <a:schemeClr val="accent1">
+                <a:shade val="50000"/>
+              </a:schemeClr>
+            </a:solidFill>
+            <a:prstDash val="solid"/>
+            <a:tailEnd type="arrow" w="med" len="med"/>
           </a:ln>
         </p:spPr>
-      </p:pic>
+        <p:style>
+          <a:lnRef idx="3">
+            <a:schemeClr val="accent1"/>
+          </a:lnRef>
+          <a:fillRef idx="0">
+            <a:schemeClr val="accent1"/>
+          </a:fillRef>
+          <a:effectRef idx="2">
+            <a:schemeClr val="accent1"/>
+          </a:effectRef>
+          <a:fontRef idx="minor">
+            <a:schemeClr val="tx1"/>
+          </a:fontRef>
+        </p:style>
+      </p:cxnSp>
     </p:spTree>
     <p:custDataLst>
-      <p:tags r:id="rId6"/>
+      <p:tags r:id="rId7"/>
     </p:custDataLst>
   </p:cSld>
   <p:clrMapOvr>
@@ -15020,7 +15568,7 @@
                 <a:latin typeface="Arial" panose="020B0604020202020204" pitchFamily="34" charset="0"/>
                 <a:ea typeface="微软雅黑" panose="020B0503020204020204" charset="-122"/>
               </a:rPr>
-              <a:t>自我反馈</a:t>
+              <a:t>小组分工</a:t>
             </a:r>
             <a:endParaRPr lang="zh-CN" altLang="en-US" sz="2400" spc="-200" dirty="0">
               <a:solidFill>
@@ -15439,7 +15987,7 @@
         </p:blipFill>
         <p:spPr>
           <a:xfrm>
-            <a:off x="5968683" y="286068"/>
+            <a:off x="5927408" y="179388"/>
             <a:ext cx="2671445" cy="6571615"/>
           </a:xfrm>
           <a:prstGeom prst="rect">
@@ -15451,9 +15999,68 @@
           </a:ln>
         </p:spPr>
       </p:pic>
+      <p:sp>
+        <p:nvSpPr>
+          <p:cNvPr id="2" name="文本框 1"/>
+          <p:cNvSpPr txBox="1"/>
+          <p:nvPr>
+            <p:custDataLst>
+              <p:tags r:id="rId4"/>
+            </p:custDataLst>
+          </p:nvPr>
+        </p:nvSpPr>
+        <p:spPr>
+          <a:xfrm>
+            <a:off x="1301115" y="2373630"/>
+            <a:ext cx="3063240" cy="922020"/>
+          </a:xfrm>
+          <a:prstGeom prst="rect">
+            <a:avLst/>
+          </a:prstGeom>
+          <a:noFill/>
+        </p:spPr>
+        <p:txBody>
+          <a:bodyPr wrap="square" rtlCol="0">
+            <a:spAutoFit/>
+          </a:bodyPr>
+          <a:p>
+            <a:pPr marL="285750" indent="-285750">
+              <a:buFont typeface="Arial" panose="020B0604020202020204" pitchFamily="34" charset="0"/>
+              <a:buChar char="•"/>
+            </a:pPr>
+            <a:r>
+              <a:rPr lang="en-US"/>
+              <a:t>VUE3</a:t>
+            </a:r>
+            <a:endParaRPr lang="en-US"/>
+          </a:p>
+          <a:p>
+            <a:pPr marL="285750" indent="-285750">
+              <a:buFont typeface="Arial" panose="020B0604020202020204" pitchFamily="34" charset="0"/>
+              <a:buChar char="•"/>
+            </a:pPr>
+            <a:r>
+              <a:rPr lang="en-US" altLang="zh-CN"/>
+              <a:t>npm</a:t>
+            </a:r>
+            <a:endParaRPr lang="en-US" altLang="zh-CN"/>
+          </a:p>
+          <a:p>
+            <a:pPr marL="285750" indent="-285750">
+              <a:buFont typeface="Arial" panose="020B0604020202020204" pitchFamily="34" charset="0"/>
+              <a:buChar char="•"/>
+            </a:pPr>
+            <a:r>
+              <a:rPr lang="en-US" altLang="zh-CN"/>
+              <a:t>webpack</a:t>
+            </a:r>
+            <a:endParaRPr lang="en-US" altLang="zh-CN"/>
+          </a:p>
+        </p:txBody>
+      </p:sp>
     </p:spTree>
     <p:custDataLst>
-      <p:tags r:id="rId4"/>
+      <p:tags r:id="rId5"/>
     </p:custDataLst>
   </p:cSld>
   <p:clrMapOvr>
@@ -15524,8 +16131,8 @@
         </p:blipFill>
         <p:spPr>
           <a:xfrm>
-            <a:off x="3341370" y="2806065"/>
-            <a:ext cx="7767320" cy="3843020"/>
+            <a:off x="1982470" y="2488565"/>
+            <a:ext cx="8408670" cy="4160520"/>
           </a:xfrm>
           <a:prstGeom prst="rect">
             <a:avLst/>
@@ -15556,8 +16163,8 @@
         </p:blipFill>
         <p:spPr>
           <a:xfrm>
-            <a:off x="3341053" y="2279333"/>
-            <a:ext cx="5272405" cy="526415"/>
+            <a:off x="2781935" y="1801495"/>
+            <a:ext cx="6633210" cy="662305"/>
           </a:xfrm>
           <a:prstGeom prst="rect">
             <a:avLst/>
@@ -15588,8 +16195,8 @@
         </p:blipFill>
         <p:spPr>
           <a:xfrm>
-            <a:off x="3341053" y="1869758"/>
-            <a:ext cx="5269865" cy="409575"/>
+            <a:off x="2781935" y="1294130"/>
+            <a:ext cx="6625590" cy="514985"/>
           </a:xfrm>
           <a:prstGeom prst="rect">
             <a:avLst/>
@@ -15673,17 +16280,121 @@
         </p:blipFill>
         <p:spPr>
           <a:xfrm>
-            <a:off x="2143125" y="2077720"/>
-            <a:ext cx="6811010" cy="3750310"/>
+            <a:off x="814070" y="1924050"/>
+            <a:ext cx="7218680" cy="3975100"/>
           </a:xfrm>
           <a:prstGeom prst="rect">
             <a:avLst/>
           </a:prstGeom>
         </p:spPr>
       </p:pic>
+      <p:sp>
+        <p:nvSpPr>
+          <p:cNvPr id="2" name="文本框 1"/>
+          <p:cNvSpPr txBox="1"/>
+          <p:nvPr>
+            <p:custDataLst>
+              <p:tags r:id="rId4"/>
+            </p:custDataLst>
+          </p:nvPr>
+        </p:nvSpPr>
+        <p:spPr>
+          <a:xfrm>
+            <a:off x="7995920" y="2148840"/>
+            <a:ext cx="3063240" cy="1753235"/>
+          </a:xfrm>
+          <a:prstGeom prst="rect">
+            <a:avLst/>
+          </a:prstGeom>
+          <a:noFill/>
+        </p:spPr>
+        <p:txBody>
+          <a:bodyPr wrap="square" rtlCol="0">
+            <a:spAutoFit/>
+          </a:bodyPr>
+          <a:p>
+            <a:pPr marL="285750" indent="-285750">
+              <a:buFont typeface="Arial" panose="020B0604020202020204" pitchFamily="34" charset="0"/>
+              <a:buChar char="•"/>
+            </a:pPr>
+            <a:r>
+              <a:rPr lang="en-US"/>
+              <a:t>Java</a:t>
+            </a:r>
+            <a:r>
+              <a:rPr lang="zh-CN" altLang="en-US"/>
+              <a:t>开发</a:t>
+            </a:r>
+            <a:endParaRPr lang="en-US"/>
+          </a:p>
+          <a:p>
+            <a:pPr marL="285750" indent="-285750">
+              <a:buFont typeface="Arial" panose="020B0604020202020204" pitchFamily="34" charset="0"/>
+              <a:buChar char="•"/>
+            </a:pPr>
+            <a:r>
+              <a:rPr lang="zh-CN" altLang="en-US"/>
+              <a:t>编写</a:t>
+            </a:r>
+            <a:r>
+              <a:rPr lang="en-US" altLang="zh-CN"/>
+              <a:t>UserMoodData</a:t>
+            </a:r>
+            <a:r>
+              <a:rPr lang="zh-CN" altLang="en-US"/>
+              <a:t>类</a:t>
+            </a:r>
+            <a:endParaRPr lang="zh-CN" altLang="en-US"/>
+          </a:p>
+          <a:p>
+            <a:pPr marL="285750" indent="-285750">
+              <a:buFont typeface="Arial" panose="020B0604020202020204" pitchFamily="34" charset="0"/>
+              <a:buChar char="•"/>
+            </a:pPr>
+            <a:r>
+              <a:rPr lang="en-US" altLang="zh-CN"/>
+              <a:t>定义HTTP状态码枚举类</a:t>
+            </a:r>
+            <a:endParaRPr lang="en-US" altLang="zh-CN"/>
+          </a:p>
+          <a:p>
+            <a:pPr marL="285750" indent="-285750">
+              <a:buFont typeface="Arial" panose="020B0604020202020204" pitchFamily="34" charset="0"/>
+              <a:buChar char="•"/>
+            </a:pPr>
+            <a:r>
+              <a:rPr lang="en-US" altLang="zh-CN"/>
+              <a:t>编写API函数</a:t>
+            </a:r>
+            <a:endParaRPr lang="en-US" altLang="zh-CN"/>
+          </a:p>
+          <a:p>
+            <a:pPr marL="285750" indent="-285750">
+              <a:buFont typeface="Arial" panose="020B0604020202020204" pitchFamily="34" charset="0"/>
+              <a:buChar char="•"/>
+            </a:pPr>
+            <a:r>
+              <a:rPr lang="zh-CN" altLang="en-US"/>
+              <a:t>异常处理</a:t>
+            </a:r>
+            <a:endParaRPr lang="zh-CN" altLang="en-US"/>
+          </a:p>
+          <a:p>
+            <a:pPr marL="285750" indent="-285750">
+              <a:buFont typeface="Arial" panose="020B0604020202020204" pitchFamily="34" charset="0"/>
+              <a:buChar char="•"/>
+            </a:pPr>
+            <a:r>
+              <a:rPr lang="zh-CN" altLang="en-US"/>
+              <a:t>前后端独立开发</a:t>
+            </a:r>
+            <a:endParaRPr lang="zh-CN" altLang="en-US"/>
+          </a:p>
+        </p:txBody>
+      </p:sp>
     </p:spTree>
     <p:custDataLst>
-      <p:tags r:id="rId4"/>
+      <p:tags r:id="rId5"/>
     </p:custDataLst>
   </p:cSld>
   <p:clrMapOvr>
@@ -15693,91 +16404,6 @@
 </file>
 
 <file path=ppt/slides/slide24.xml><?xml version="1.0" encoding="utf-8"?>
-<p:sld xmlns:a="http://schemas.openxmlformats.org/drawingml/2006/main" xmlns:r="http://schemas.openxmlformats.org/officeDocument/2006/relationships" xmlns:p="http://schemas.openxmlformats.org/presentationml/2006/main">
-  <p:cSld>
-    <p:spTree>
-      <p:nvGrpSpPr>
-        <p:cNvPr id="1" name=""/>
-        <p:cNvGrpSpPr/>
-        <p:nvPr/>
-      </p:nvGrpSpPr>
-      <p:grpSpPr/>
-      <p:sp>
-        <p:nvSpPr>
-          <p:cNvPr id="4" name="标题 3"/>
-          <p:cNvSpPr>
-            <a:spLocks noGrp="1"/>
-          </p:cNvSpPr>
-          <p:nvPr>
-            <p:ph type="title"/>
-            <p:custDataLst>
-              <p:tags r:id="rId1"/>
-            </p:custDataLst>
-          </p:nvPr>
-        </p:nvSpPr>
-        <p:spPr>
-          <a:xfrm>
-            <a:off x="-1229825" y="391950"/>
-            <a:ext cx="9626400" cy="723600"/>
-          </a:xfrm>
-        </p:spPr>
-        <p:txBody>
-          <a:bodyPr>
-            <a:normAutofit/>
-          </a:bodyPr>
-          <a:p>
-            <a:r>
-              <a:rPr lang="zh-CN" altLang="en-US" dirty="0"/>
-              <a:t>后端原型</a:t>
-            </a:r>
-            <a:endParaRPr lang="zh-CN" altLang="en-US" dirty="0"/>
-          </a:p>
-        </p:txBody>
-      </p:sp>
-      <p:pic>
-        <p:nvPicPr>
-          <p:cNvPr id="31" name="图片 4"/>
-          <p:cNvPicPr>
-            <a:picLocks noChangeAspect="1"/>
-          </p:cNvPicPr>
-          <p:nvPr>
-            <p:custDataLst>
-              <p:tags r:id="rId2"/>
-            </p:custDataLst>
-          </p:nvPr>
-        </p:nvPicPr>
-        <p:blipFill>
-          <a:blip r:embed="rId3"/>
-          <a:stretch>
-            <a:fillRect/>
-          </a:stretch>
-        </p:blipFill>
-        <p:spPr>
-          <a:xfrm>
-            <a:off x="1658620" y="1346835"/>
-            <a:ext cx="9519285" cy="5511165"/>
-          </a:xfrm>
-          <a:prstGeom prst="rect">
-            <a:avLst/>
-          </a:prstGeom>
-          <a:noFill/>
-          <a:ln>
-            <a:noFill/>
-          </a:ln>
-        </p:spPr>
-      </p:pic>
-    </p:spTree>
-    <p:custDataLst>
-      <p:tags r:id="rId4"/>
-    </p:custDataLst>
-  </p:cSld>
-  <p:clrMapOvr>
-    <a:masterClrMapping/>
-  </p:clrMapOvr>
-</p:sld>
-</file>
-
-<file path=ppt/slides/slide25.xml><?xml version="1.0" encoding="utf-8"?>
 <p:sld xmlns:a="http://schemas.openxmlformats.org/drawingml/2006/main" xmlns:r="http://schemas.openxmlformats.org/officeDocument/2006/relationships" xmlns:p="http://schemas.openxmlformats.org/presentationml/2006/main">
   <p:cSld>
     <p:bg>
@@ -15950,7 +16576,7 @@
           <a:p>
             <a:r>
               <a:rPr lang="zh-CN" altLang="en-US" dirty="0"/>
-              <a:t>自我反馈</a:t>
+              <a:t>小组分工</a:t>
             </a:r>
             <a:endParaRPr lang="zh-CN" altLang="en-US" dirty="0"/>
           </a:p>
@@ -15967,7 +16593,7 @@
 </p:sld>
 </file>
 
-<file path=ppt/slides/slide26.xml><?xml version="1.0" encoding="utf-8"?>
+<file path=ppt/slides/slide25.xml><?xml version="1.0" encoding="utf-8"?>
 <p:sld xmlns:a="http://schemas.openxmlformats.org/drawingml/2006/main" xmlns:r="http://schemas.openxmlformats.org/officeDocument/2006/relationships" xmlns:p="http://schemas.openxmlformats.org/presentationml/2006/main">
   <p:cSld>
     <p:spTree>
@@ -15992,7 +16618,7 @@
         </p:nvSpPr>
         <p:spPr>
           <a:xfrm>
-            <a:off x="-1229825" y="391950"/>
+            <a:off x="873295" y="682780"/>
             <a:ext cx="9626400" cy="723600"/>
           </a:xfrm>
         </p:spPr>
@@ -16002,61 +16628,310 @@
           </a:bodyPr>
           <a:p>
             <a:r>
-              <a:rPr lang="zh-CN" altLang="en-US" dirty="0"/>
-              <a:t>自我反馈</a:t>
+              <a:rPr lang="zh-CN" altLang="en-US" dirty="0">
+                <a:sym typeface="+mn-ea"/>
+              </a:rPr>
+              <a:t>小组分工</a:t>
             </a:r>
             <a:endParaRPr lang="zh-CN" altLang="en-US" dirty="0"/>
           </a:p>
         </p:txBody>
       </p:sp>
-      <p:sp>
-        <p:nvSpPr>
-          <p:cNvPr id="2" name="文本框 1"/>
-          <p:cNvSpPr txBox="1"/>
-          <p:nvPr/>
-        </p:nvSpPr>
-        <p:spPr>
-          <a:xfrm>
-            <a:off x="901065" y="2018665"/>
-            <a:ext cx="6186805" cy="3415030"/>
-          </a:xfrm>
-          <a:prstGeom prst="rect">
-            <a:avLst/>
-          </a:prstGeom>
-          <a:noFill/>
-        </p:spPr>
-        <p:txBody>
-          <a:bodyPr wrap="square" rtlCol="0">
-            <a:spAutoFit/>
-          </a:bodyPr>
-          <a:p>
-            <a:r>
-              <a:rPr lang="zh-CN" altLang="en-US"/>
-              <a:t>苏家铭：</a:t>
-            </a:r>
-            <a:endParaRPr lang="zh-CN" altLang="en-US"/>
-          </a:p>
-          <a:p>
-            <a:pPr indent="457200"/>
-            <a:r>
-              <a:rPr lang="zh-CN" altLang="en-US"/>
-              <a:t>经过一个学期的学习，我深刻地明白了一个项目的前期设计基础流程，从一个idea的出现，到最后产品发布与运维，每一个环节都至关重要。从前的自己连一个项目需要画的用例建模都不知道，到最后的明白用例图、关系图、类图等一系列重要的模型，自己对于一个项目有了整体上宏观的把握，也能在微观上理解项目开发的步骤。</a:t>
-            </a:r>
-            <a:endParaRPr lang="zh-CN" altLang="en-US"/>
-          </a:p>
-          <a:p>
-            <a:pPr indent="457200"/>
-            <a:r>
-              <a:rPr lang="zh-CN" altLang="en-US"/>
-              <a:t>一个项目的系统分析与设计从来不是一个人的事情，而是一个团队的共同努力的造就。所以我也很感谢我的队友在这和一个学期的团结协作，相互进步，我们在一起学习新知识，相互扶持与帮助，积累了深厚的友谊，本人的团队协作能力也得到了质的飞跃。</a:t>
-            </a:r>
-            <a:endParaRPr lang="zh-CN" altLang="en-US"/>
-          </a:p>
-        </p:txBody>
-      </p:sp>
+      <p:graphicFrame>
+        <p:nvGraphicFramePr>
+          <p:cNvPr id="3" name="表格 2"/>
+          <p:cNvGraphicFramePr/>
+          <p:nvPr>
+            <p:custDataLst>
+              <p:tags r:id="rId2"/>
+            </p:custDataLst>
+          </p:nvPr>
+        </p:nvGraphicFramePr>
+        <p:xfrm>
+          <a:off x="1283970" y="2461895"/>
+          <a:ext cx="8805545" cy="2282190"/>
+        </p:xfrm>
+        <a:graphic>
+          <a:graphicData uri="http://schemas.openxmlformats.org/drawingml/2006/table">
+            <a:tbl>
+              <a:tblPr firstRow="1" bandRow="1">
+                <a:tableStyleId>{5C22544A-7EE6-4342-B048-85BDC9FD1C3A}</a:tableStyleId>
+              </a:tblPr>
+              <a:tblGrid>
+                <a:gridCol w="4266565"/>
+                <a:gridCol w="4538980"/>
+              </a:tblGrid>
+              <a:tr h="0">
+                <a:tc>
+                  <a:txBody>
+                    <a:bodyPr/>
+                    <a:p>
+                      <a:pPr>
+                        <a:buNone/>
+                      </a:pPr>
+                      <a:r>
+                        <a:rPr lang="zh-CN" altLang="en-US" sz="1800">
+                          <a:sym typeface="+mn-ea"/>
+                        </a:rPr>
+                        <a:t>成员</a:t>
+                      </a:r>
+                      <a:endParaRPr lang="zh-CN" altLang="en-US"/>
+                    </a:p>
+                  </a:txBody>
+                  <a:tcPr/>
+                </a:tc>
+                <a:tc>
+                  <a:txBody>
+                    <a:bodyPr/>
+                    <a:p>
+                      <a:pPr>
+                        <a:buNone/>
+                      </a:pPr>
+                      <a:r>
+                        <a:rPr lang="zh-CN" altLang="en-US" sz="1800">
+                          <a:sym typeface="+mn-ea"/>
+                        </a:rPr>
+                        <a:t>具体分工</a:t>
+                      </a:r>
+                      <a:endParaRPr lang="zh-CN" altLang="en-US" sz="1800"/>
+                    </a:p>
+                  </a:txBody>
+                  <a:tcPr/>
+                </a:tc>
+              </a:tr>
+              <a:tr h="392430">
+                <a:tc>
+                  <a:txBody>
+                    <a:bodyPr/>
+                    <a:p>
+                      <a:pPr>
+                        <a:buNone/>
+                      </a:pPr>
+                      <a:r>
+                        <a:rPr lang="zh-CN" altLang="en-US" sz="1800">
+                          <a:sym typeface="+mn-ea"/>
+                        </a:rPr>
+                        <a:t>杨滕超</a:t>
+                      </a:r>
+                      <a:endParaRPr lang="zh-CN" altLang="en-US" sz="1800">
+                        <a:sym typeface="+mn-ea"/>
+                      </a:endParaRPr>
+                    </a:p>
+                  </a:txBody>
+                  <a:tcPr/>
+                </a:tc>
+                <a:tc>
+                  <a:txBody>
+                    <a:bodyPr/>
+                    <a:p>
+                      <a:pPr>
+                        <a:buNone/>
+                      </a:pPr>
+                      <a:r>
+                        <a:rPr lang="zh-CN" altLang="en-US" sz="1800">
+                          <a:sym typeface="+mn-ea"/>
+                        </a:rPr>
+                        <a:t>活动图，交互图，设计架构，前后端模型</a:t>
+                      </a:r>
+                      <a:endParaRPr lang="zh-CN" altLang="en-US" sz="1800">
+                        <a:sym typeface="+mn-ea"/>
+                      </a:endParaRPr>
+                    </a:p>
+                  </a:txBody>
+                  <a:tcPr/>
+                </a:tc>
+              </a:tr>
+              <a:tr h="381000">
+                <a:tc>
+                  <a:txBody>
+                    <a:bodyPr/>
+                    <a:p>
+                      <a:pPr>
+                        <a:buNone/>
+                      </a:pPr>
+                      <a:r>
+                        <a:rPr lang="zh-CN" altLang="en-US" sz="1800">
+                          <a:sym typeface="+mn-ea"/>
+                        </a:rPr>
+                        <a:t>王蔚达</a:t>
+                      </a:r>
+                      <a:endParaRPr lang="zh-CN" altLang="en-US" sz="1800">
+                        <a:sym typeface="+mn-ea"/>
+                      </a:endParaRPr>
+                    </a:p>
+                  </a:txBody>
+                  <a:tcPr/>
+                </a:tc>
+                <a:tc>
+                  <a:txBody>
+                    <a:bodyPr/>
+                    <a:p>
+                      <a:pPr>
+                        <a:buNone/>
+                      </a:pPr>
+                      <a:r>
+                        <a:rPr lang="zh-CN" altLang="en-US" sz="1800">
+                          <a:sym typeface="+mn-ea"/>
+                        </a:rPr>
+                        <a:t>用例图，类图，设计模式，用例实现</a:t>
+                      </a:r>
+                      <a:endParaRPr lang="zh-CN" altLang="en-US" sz="1800"/>
+                    </a:p>
+                  </a:txBody>
+                  <a:tcPr/>
+                </a:tc>
+              </a:tr>
+              <a:tr h="381000">
+                <a:tc>
+                  <a:txBody>
+                    <a:bodyPr/>
+                    <a:p>
+                      <a:pPr>
+                        <a:buNone/>
+                      </a:pPr>
+                      <a:r>
+                        <a:rPr lang="zh-CN" altLang="en-US" sz="1800">
+                          <a:sym typeface="+mn-ea"/>
+                        </a:rPr>
+                        <a:t>莫益萌</a:t>
+                      </a:r>
+                      <a:endParaRPr lang="zh-CN" altLang="en-US" sz="1800">
+                        <a:sym typeface="+mn-ea"/>
+                      </a:endParaRPr>
+                    </a:p>
+                  </a:txBody>
+                  <a:tcPr/>
+                </a:tc>
+                <a:tc>
+                  <a:txBody>
+                    <a:bodyPr/>
+                    <a:p>
+                      <a:pPr>
+                        <a:buNone/>
+                      </a:pPr>
+                      <a:r>
+                        <a:rPr lang="zh-CN" altLang="en-US" sz="1800">
+                          <a:sym typeface="+mn-ea"/>
+                        </a:rPr>
+                        <a:t>敏捷分析，活动图，架构设计，平台架构</a:t>
+                      </a:r>
+                      <a:endParaRPr lang="zh-CN" altLang="en-US" sz="1800"/>
+                    </a:p>
+                  </a:txBody>
+                  <a:tcPr/>
+                </a:tc>
+              </a:tr>
+              <a:tr h="381000">
+                <a:tc>
+                  <a:txBody>
+                    <a:bodyPr/>
+                    <a:p>
+                      <a:pPr>
+                        <a:buNone/>
+                      </a:pPr>
+                      <a:r>
+                        <a:rPr lang="zh-CN" altLang="en-US" sz="1800">
+                          <a:sym typeface="+mn-ea"/>
+                        </a:rPr>
+                        <a:t>储岱泽</a:t>
+                      </a:r>
+                      <a:endParaRPr lang="zh-CN" altLang="en-US" sz="1800">
+                        <a:sym typeface="+mn-ea"/>
+                      </a:endParaRPr>
+                    </a:p>
+                  </a:txBody>
+                  <a:tcPr/>
+                </a:tc>
+                <a:tc>
+                  <a:txBody>
+                    <a:bodyPr/>
+                    <a:p>
+                      <a:pPr>
+                        <a:buNone/>
+                      </a:pPr>
+                      <a:r>
+                        <a:rPr lang="zh-CN" altLang="en-US" sz="1800">
+                          <a:sym typeface="+mn-ea"/>
+                        </a:rPr>
+                        <a:t>项目简介，</a:t>
+                      </a:r>
+                      <a:r>
+                        <a:rPr lang="en-US" altLang="zh-CN" sz="1800">
+                          <a:sym typeface="+mn-ea"/>
+                        </a:rPr>
+                        <a:t>UI</a:t>
+                      </a:r>
+                      <a:r>
+                        <a:rPr lang="zh-CN" altLang="en-US" sz="1800">
+                          <a:sym typeface="+mn-ea"/>
+                        </a:rPr>
+                        <a:t>界面，类图，</a:t>
+                      </a:r>
+                      <a:r>
+                        <a:rPr lang="en-US" altLang="zh-CN" sz="1800">
+                          <a:sym typeface="+mn-ea"/>
+                        </a:rPr>
+                        <a:t>API</a:t>
+                      </a:r>
+                      <a:r>
+                        <a:rPr lang="zh-CN" altLang="en-US" sz="1800">
+                          <a:sym typeface="+mn-ea"/>
+                        </a:rPr>
+                        <a:t>接口</a:t>
+                      </a:r>
+                      <a:endParaRPr lang="zh-CN" altLang="en-US" sz="1800"/>
+                    </a:p>
+                  </a:txBody>
+                  <a:tcPr/>
+                </a:tc>
+              </a:tr>
+              <a:tr h="381000">
+                <a:tc>
+                  <a:txBody>
+                    <a:bodyPr/>
+                    <a:p>
+                      <a:pPr>
+                        <a:buNone/>
+                      </a:pPr>
+                      <a:r>
+                        <a:rPr lang="zh-CN" altLang="en-US" sz="1800">
+                          <a:sym typeface="+mn-ea"/>
+                        </a:rPr>
+                        <a:t>苏家铭</a:t>
+                      </a:r>
+                      <a:endParaRPr lang="zh-CN" altLang="en-US" sz="1800">
+                        <a:sym typeface="+mn-ea"/>
+                      </a:endParaRPr>
+                    </a:p>
+                  </a:txBody>
+                  <a:tcPr/>
+                </a:tc>
+                <a:tc>
+                  <a:txBody>
+                    <a:bodyPr/>
+                    <a:p>
+                      <a:pPr>
+                        <a:buNone/>
+                      </a:pPr>
+                      <a:r>
+                        <a:rPr lang="zh-CN" altLang="en-US" sz="1800">
+                          <a:sym typeface="+mn-ea"/>
+                        </a:rPr>
+                        <a:t>项目简介，参考文献、项目文档整理</a:t>
+                      </a:r>
+                      <a:endParaRPr lang="zh-CN" altLang="en-US" sz="1800"/>
+                    </a:p>
+                  </a:txBody>
+                  <a:tcPr/>
+                </a:tc>
+              </a:tr>
+            </a:tbl>
+          </a:graphicData>
+        </a:graphic>
+      </p:graphicFrame>
     </p:spTree>
     <p:custDataLst>
-      <p:tags r:id="rId2"/>
+      <p:tags r:id="rId3"/>
     </p:custDataLst>
   </p:cSld>
   <p:clrMapOvr>
@@ -16065,19 +16940,34 @@
 </p:sld>
 </file>
 
-<file path=ppt/slides/slide27.xml><?xml version="1.0" encoding="utf-8"?>
+<file path=ppt/slides/slide26.xml><?xml version="1.0" encoding="utf-8"?>
 <p:sld xmlns:a="http://schemas.openxmlformats.org/drawingml/2006/main" xmlns:r="http://schemas.openxmlformats.org/officeDocument/2006/relationships" xmlns:p="http://schemas.openxmlformats.org/presentationml/2006/main">
   <p:cSld>
+    <p:bg>
+      <p:bgPr>
+        <a:solidFill>
+          <a:srgbClr val="EDF2F6"/>
+        </a:solidFill>
+        <a:effectLst/>
+      </p:bgPr>
+    </p:bg>
     <p:spTree>
       <p:nvGrpSpPr>
         <p:cNvPr id="1" name=""/>
         <p:cNvGrpSpPr/>
         <p:nvPr/>
       </p:nvGrpSpPr>
-      <p:grpSpPr/>
-      <p:sp>
-        <p:nvSpPr>
-          <p:cNvPr id="4" name="标题 3"/>
+      <p:grpSpPr>
+        <a:xfrm>
+          <a:off x="0" y="0"/>
+          <a:ext cx="0" cy="0"/>
+          <a:chOff x="0" y="0"/>
+          <a:chExt cx="0" cy="0"/>
+        </a:xfrm>
+      </p:grpSpPr>
+      <p:sp>
+        <p:nvSpPr>
+          <p:cNvPr id="22" name="标题 21"/>
           <p:cNvSpPr>
             <a:spLocks noGrp="1"/>
           </p:cNvSpPr>
@@ -16088,267 +16978,18 @@
             </p:custDataLst>
           </p:nvPr>
         </p:nvSpPr>
-        <p:spPr>
-          <a:xfrm>
-            <a:off x="-1229825" y="391950"/>
-            <a:ext cx="9626400" cy="723600"/>
-          </a:xfrm>
-        </p:spPr>
+        <p:spPr/>
         <p:txBody>
           <a:bodyPr>
             <a:normAutofit/>
           </a:bodyPr>
+          <a:lstStyle/>
           <a:p>
             <a:r>
               <a:rPr lang="zh-CN" altLang="en-US" dirty="0"/>
-              <a:t>自我反馈</a:t>
+              <a:t>感谢观看</a:t>
             </a:r>
             <a:endParaRPr lang="zh-CN" altLang="en-US" dirty="0"/>
-          </a:p>
-        </p:txBody>
-      </p:sp>
-      <p:sp>
-        <p:nvSpPr>
-          <p:cNvPr id="2" name="文本框 1"/>
-          <p:cNvSpPr txBox="1"/>
-          <p:nvPr/>
-        </p:nvSpPr>
-        <p:spPr>
-          <a:xfrm>
-            <a:off x="4664075" y="2160905"/>
-            <a:ext cx="6186805" cy="2861310"/>
-          </a:xfrm>
-          <a:prstGeom prst="rect">
-            <a:avLst/>
-          </a:prstGeom>
-          <a:noFill/>
-        </p:spPr>
-        <p:txBody>
-          <a:bodyPr wrap="square" rtlCol="0">
-            <a:spAutoFit/>
-          </a:bodyPr>
-          <a:p>
-            <a:r>
-              <a:rPr lang="zh-CN" altLang="en-US"/>
-              <a:t>杨滕超：</a:t>
-            </a:r>
-            <a:endParaRPr lang="zh-CN" altLang="en-US"/>
-          </a:p>
-          <a:p>
-            <a:pPr indent="457200"/>
-            <a:r>
-              <a:rPr lang="zh-CN" altLang="en-US"/>
-              <a:t>通过学习系统分析与设计，我充分地了解到原来一个软件从开发到最终成型并不是直接上去堆代码，而是需要前面设计与分析的铺垫。从用户需求到UML图、原型界面，再到函数设计和API设计，最后才是写相应功能对应的函数。终于我发现，最初的设计其实很大的影响到后面的实现。</a:t>
-            </a:r>
-            <a:endParaRPr lang="zh-CN" altLang="en-US"/>
-          </a:p>
-          <a:p>
-            <a:r>
-              <a:rPr lang="zh-CN" altLang="en-US"/>
-              <a:t>    同时，能和本组的几位优秀的队友合作是我一生的荣幸，这个过程不仅锻炼了团队合作能力，并且从中积累了丰富的合作经验。大家都积极沟通，工作认真诚恳，为我树立了良好的榜样。</a:t>
-            </a:r>
-            <a:endParaRPr lang="zh-CN" altLang="en-US"/>
-          </a:p>
-        </p:txBody>
-      </p:sp>
-    </p:spTree>
-    <p:custDataLst>
-      <p:tags r:id="rId2"/>
-    </p:custDataLst>
-  </p:cSld>
-  <p:clrMapOvr>
-    <a:masterClrMapping/>
-  </p:clrMapOvr>
-</p:sld>
-</file>
-
-<file path=ppt/slides/slide28.xml><?xml version="1.0" encoding="utf-8"?>
-<p:sld xmlns:a="http://schemas.openxmlformats.org/drawingml/2006/main" xmlns:r="http://schemas.openxmlformats.org/officeDocument/2006/relationships" xmlns:p="http://schemas.openxmlformats.org/presentationml/2006/main">
-  <p:cSld>
-    <p:spTree>
-      <p:nvGrpSpPr>
-        <p:cNvPr id="1" name=""/>
-        <p:cNvGrpSpPr/>
-        <p:nvPr/>
-      </p:nvGrpSpPr>
-      <p:grpSpPr/>
-      <p:sp>
-        <p:nvSpPr>
-          <p:cNvPr id="4" name="标题 3"/>
-          <p:cNvSpPr>
-            <a:spLocks noGrp="1"/>
-          </p:cNvSpPr>
-          <p:nvPr>
-            <p:ph type="title"/>
-            <p:custDataLst>
-              <p:tags r:id="rId1"/>
-            </p:custDataLst>
-          </p:nvPr>
-        </p:nvSpPr>
-        <p:spPr>
-          <a:xfrm>
-            <a:off x="-1229825" y="391950"/>
-            <a:ext cx="9626400" cy="723600"/>
-          </a:xfrm>
-        </p:spPr>
-        <p:txBody>
-          <a:bodyPr>
-            <a:normAutofit/>
-          </a:bodyPr>
-          <a:p>
-            <a:r>
-              <a:rPr lang="zh-CN" altLang="en-US" dirty="0"/>
-              <a:t>自我反馈</a:t>
-            </a:r>
-            <a:endParaRPr lang="zh-CN" altLang="en-US" dirty="0"/>
-          </a:p>
-        </p:txBody>
-      </p:sp>
-      <p:sp>
-        <p:nvSpPr>
-          <p:cNvPr id="2" name="文本框 1"/>
-          <p:cNvSpPr txBox="1"/>
-          <p:nvPr/>
-        </p:nvSpPr>
-        <p:spPr>
-          <a:xfrm>
-            <a:off x="1773555" y="3063875"/>
-            <a:ext cx="9157970" cy="3692525"/>
-          </a:xfrm>
-          <a:prstGeom prst="rect">
-            <a:avLst/>
-          </a:prstGeom>
-          <a:noFill/>
-        </p:spPr>
-        <p:txBody>
-          <a:bodyPr wrap="square" rtlCol="0">
-            <a:spAutoFit/>
-          </a:bodyPr>
-          <a:p>
-            <a:r>
-              <a:rPr lang="zh-CN" altLang="en-US"/>
-              <a:t>王蔚达：</a:t>
-            </a:r>
-            <a:endParaRPr lang="zh-CN" altLang="en-US"/>
-          </a:p>
-          <a:p>
-            <a:pPr indent="457200"/>
-            <a:r>
-              <a:rPr lang="zh-CN" altLang="en-US"/>
-              <a:t>这个学期的系统分析与设计课程带我走过了系统从构建到实现的全程，使我对系统开发有了全面理解。我学会了通过用例图和用例说明书清晰地表达系统用例，利用活动图和顺序图详细描述用例功能。这些设计工具提升了我对系统设计的理解，并为我提供了明确的视觉参考。</a:t>
-            </a:r>
-            <a:endParaRPr lang="zh-CN" altLang="en-US"/>
-          </a:p>
-          <a:p>
-            <a:r>
-              <a:rPr lang="zh-CN" altLang="en-US"/>
-              <a:t>我还深入了解了系统设计过程中可能涉及的机制，以至于对未来的项目开发有了更清晰的指导。现在我知道如何规范开发流程，避免初学者错误，不再对复杂的系统设计感到无从下手。</a:t>
-            </a:r>
-            <a:endParaRPr lang="zh-CN" altLang="en-US"/>
-          </a:p>
-          <a:p>
-            <a:r>
-              <a:rPr lang="zh-CN" altLang="en-US"/>
-              <a:t>    同时，我在团队协作和沟通上得到了锻炼。通过与团队成员协作，我提高了团队合作能力，理解了在团队中如何发挥作用，与他人合作，找到自己的位置。这些宝贵的经验将对我未来的学习和工作有巨大帮助。</a:t>
-            </a:r>
-            <a:endParaRPr lang="zh-CN" altLang="en-US"/>
-          </a:p>
-          <a:p>
-            <a:r>
-              <a:rPr lang="zh-CN" altLang="en-US"/>
-              <a:t>    简而言之，这门课程不仅让我掌握了专业知识和技能，也增进了我对团队协作的理解。我已做好准备，期待将所学应用于实践，迎接未来的挑战。</a:t>
-            </a:r>
-            <a:endParaRPr lang="zh-CN" altLang="en-US"/>
-          </a:p>
-        </p:txBody>
-      </p:sp>
-    </p:spTree>
-    <p:custDataLst>
-      <p:tags r:id="rId2"/>
-    </p:custDataLst>
-  </p:cSld>
-  <p:clrMapOvr>
-    <a:masterClrMapping/>
-  </p:clrMapOvr>
-</p:sld>
-</file>
-
-<file path=ppt/slides/slide29.xml><?xml version="1.0" encoding="utf-8"?>
-<p:sld xmlns:a="http://schemas.openxmlformats.org/drawingml/2006/main" xmlns:r="http://schemas.openxmlformats.org/officeDocument/2006/relationships" xmlns:p="http://schemas.openxmlformats.org/presentationml/2006/main">
-  <p:cSld>
-    <p:spTree>
-      <p:nvGrpSpPr>
-        <p:cNvPr id="1" name=""/>
-        <p:cNvGrpSpPr/>
-        <p:nvPr/>
-      </p:nvGrpSpPr>
-      <p:grpSpPr/>
-      <p:sp>
-        <p:nvSpPr>
-          <p:cNvPr id="4" name="标题 3"/>
-          <p:cNvSpPr>
-            <a:spLocks noGrp="1"/>
-          </p:cNvSpPr>
-          <p:nvPr>
-            <p:ph type="title"/>
-            <p:custDataLst>
-              <p:tags r:id="rId1"/>
-            </p:custDataLst>
-          </p:nvPr>
-        </p:nvSpPr>
-        <p:spPr>
-          <a:xfrm>
-            <a:off x="-1229825" y="391950"/>
-            <a:ext cx="9626400" cy="723600"/>
-          </a:xfrm>
-        </p:spPr>
-        <p:txBody>
-          <a:bodyPr>
-            <a:normAutofit/>
-          </a:bodyPr>
-          <a:p>
-            <a:r>
-              <a:rPr lang="zh-CN" altLang="en-US" dirty="0"/>
-              <a:t>自我反馈</a:t>
-            </a:r>
-            <a:endParaRPr lang="zh-CN" altLang="en-US" dirty="0"/>
-          </a:p>
-        </p:txBody>
-      </p:sp>
-      <p:sp>
-        <p:nvSpPr>
-          <p:cNvPr id="2" name="文本框 1"/>
-          <p:cNvSpPr txBox="1"/>
-          <p:nvPr/>
-        </p:nvSpPr>
-        <p:spPr>
-          <a:xfrm>
-            <a:off x="211455" y="2384425"/>
-            <a:ext cx="4542790" cy="3692525"/>
-          </a:xfrm>
-          <a:prstGeom prst="rect">
-            <a:avLst/>
-          </a:prstGeom>
-          <a:noFill/>
-        </p:spPr>
-        <p:txBody>
-          <a:bodyPr wrap="square" rtlCol="0">
-            <a:spAutoFit/>
-          </a:bodyPr>
-          <a:p>
-            <a:r>
-              <a:rPr lang="zh-CN" altLang="en-US"/>
-              <a:t>莫益萌：</a:t>
-            </a:r>
-            <a:endParaRPr lang="zh-CN" altLang="en-US"/>
-          </a:p>
-          <a:p>
-            <a:pPr indent="457200"/>
-            <a:r>
-              <a:rPr lang="zh-CN" altLang="en-US"/>
-              <a:t>系统分析与设计是一门十分实用，也十分难忘的课程。在对我们的整个项目进行了敏捷分析和架构分析的过程中，我学到了很多需求分析和架构设计的知识。我学会了如何寻找目标用户，如何绘制UML图，如何对整个系统应该采用的架构进行分析。在课程中，通过与队友的讨论与协作，我获得了一定的团队协作的能力，也得到了很多来自队友的全新的想法。总而言之，系统分析与设计这门课，能够全面提升我们软件工程专业学生的团队协作能力和工程能力，通过修读这门课，我们受益颇多。</a:t>
-            </a:r>
-            <a:endParaRPr lang="zh-CN" altLang="en-US"/>
           </a:p>
         </p:txBody>
       </p:sp>
@@ -16580,13 +17221,6 @@
           <a:p>
             <a:r>
               <a:rPr lang="zh-CN" altLang="en-US" dirty="0"/>
-              <a:t>架构风格</a:t>
-            </a:r>
-            <a:endParaRPr lang="zh-CN" altLang="en-US" dirty="0"/>
-          </a:p>
-          <a:p>
-            <a:r>
-              <a:rPr lang="zh-CN" altLang="en-US" dirty="0"/>
               <a:t>设计模式</a:t>
             </a:r>
             <a:endParaRPr lang="zh-CN" altLang="en-US" dirty="0"/>
@@ -16596,160 +17230,6 @@
     </p:spTree>
     <p:custDataLst>
       <p:tags r:id="rId6"/>
-    </p:custDataLst>
-  </p:cSld>
-  <p:clrMapOvr>
-    <a:masterClrMapping/>
-  </p:clrMapOvr>
-</p:sld>
-</file>
-
-<file path=ppt/slides/slide30.xml><?xml version="1.0" encoding="utf-8"?>
-<p:sld xmlns:a="http://schemas.openxmlformats.org/drawingml/2006/main" xmlns:r="http://schemas.openxmlformats.org/officeDocument/2006/relationships" xmlns:p="http://schemas.openxmlformats.org/presentationml/2006/main">
-  <p:cSld>
-    <p:spTree>
-      <p:nvGrpSpPr>
-        <p:cNvPr id="1" name=""/>
-        <p:cNvGrpSpPr/>
-        <p:nvPr/>
-      </p:nvGrpSpPr>
-      <p:grpSpPr/>
-      <p:sp>
-        <p:nvSpPr>
-          <p:cNvPr id="4" name="标题 3"/>
-          <p:cNvSpPr>
-            <a:spLocks noGrp="1"/>
-          </p:cNvSpPr>
-          <p:nvPr>
-            <p:ph type="title"/>
-            <p:custDataLst>
-              <p:tags r:id="rId1"/>
-            </p:custDataLst>
-          </p:nvPr>
-        </p:nvSpPr>
-        <p:spPr>
-          <a:xfrm>
-            <a:off x="-1229825" y="391950"/>
-            <a:ext cx="9626400" cy="723600"/>
-          </a:xfrm>
-        </p:spPr>
-        <p:txBody>
-          <a:bodyPr>
-            <a:normAutofit/>
-          </a:bodyPr>
-          <a:p>
-            <a:r>
-              <a:rPr lang="zh-CN" altLang="en-US" dirty="0"/>
-              <a:t>自我反馈</a:t>
-            </a:r>
-            <a:endParaRPr lang="zh-CN" altLang="en-US" dirty="0"/>
-          </a:p>
-        </p:txBody>
-      </p:sp>
-      <p:sp>
-        <p:nvSpPr>
-          <p:cNvPr id="2" name="文本框 1"/>
-          <p:cNvSpPr txBox="1"/>
-          <p:nvPr/>
-        </p:nvSpPr>
-        <p:spPr>
-          <a:xfrm>
-            <a:off x="3020695" y="2141220"/>
-            <a:ext cx="7240270" cy="3415030"/>
-          </a:xfrm>
-          <a:prstGeom prst="rect">
-            <a:avLst/>
-          </a:prstGeom>
-          <a:noFill/>
-        </p:spPr>
-        <p:txBody>
-          <a:bodyPr wrap="square" rtlCol="0">
-            <a:spAutoFit/>
-          </a:bodyPr>
-          <a:p>
-            <a:r>
-              <a:rPr lang="zh-CN" altLang="en-US"/>
-              <a:t>储岱泽：</a:t>
-            </a:r>
-            <a:endParaRPr lang="zh-CN" altLang="en-US"/>
-          </a:p>
-          <a:p>
-            <a:pPr indent="457200"/>
-            <a:r>
-              <a:rPr lang="zh-CN" altLang="en-US"/>
-              <a:t>通过系统分析与设计课程的学习，在理论与实践的洗礼下，我获得了宝贵的知识和经验，掌握了设计系统所需的技能和工具，受益匪浅。课程让我从低级的思维方式中解放出来，拥有了更高层次的视角和规划能力。我学会了使用UML图、原型图等工具来规范和描述系统，学会了使用各类设计平台进行精美的UI设计，深入分析功能和架构。同时，通过这门课我也意识到了系统分析与设计的重要性，它是确保软件开发顺利进行的关键。通过团队合作项目，我锻炼了沟通协作能力，扩展了技术栈。这门课程不仅为我成长为一名优秀的软件工程师打下基础，更让我对编程的意义有了深刻的理解。我将继续努力将所学应用到实践中，不断提升自己的能力，为改善人们的生活贡献更多价值。</a:t>
-            </a:r>
-            <a:endParaRPr lang="zh-CN" altLang="en-US"/>
-          </a:p>
-        </p:txBody>
-      </p:sp>
-    </p:spTree>
-    <p:custDataLst>
-      <p:tags r:id="rId2"/>
-    </p:custDataLst>
-  </p:cSld>
-  <p:clrMapOvr>
-    <a:masterClrMapping/>
-  </p:clrMapOvr>
-</p:sld>
-</file>
-
-<file path=ppt/slides/slide31.xml><?xml version="1.0" encoding="utf-8"?>
-<p:sld xmlns:a="http://schemas.openxmlformats.org/drawingml/2006/main" xmlns:r="http://schemas.openxmlformats.org/officeDocument/2006/relationships" xmlns:p="http://schemas.openxmlformats.org/presentationml/2006/main">
-  <p:cSld>
-    <p:bg>
-      <p:bgPr>
-        <a:solidFill>
-          <a:srgbClr val="EDF2F6"/>
-        </a:solidFill>
-        <a:effectLst/>
-      </p:bgPr>
-    </p:bg>
-    <p:spTree>
-      <p:nvGrpSpPr>
-        <p:cNvPr id="1" name=""/>
-        <p:cNvGrpSpPr/>
-        <p:nvPr/>
-      </p:nvGrpSpPr>
-      <p:grpSpPr>
-        <a:xfrm>
-          <a:off x="0" y="0"/>
-          <a:ext cx="0" cy="0"/>
-          <a:chOff x="0" y="0"/>
-          <a:chExt cx="0" cy="0"/>
-        </a:xfrm>
-      </p:grpSpPr>
-      <p:sp>
-        <p:nvSpPr>
-          <p:cNvPr id="22" name="标题 21"/>
-          <p:cNvSpPr>
-            <a:spLocks noGrp="1"/>
-          </p:cNvSpPr>
-          <p:nvPr>
-            <p:ph type="title"/>
-            <p:custDataLst>
-              <p:tags r:id="rId1"/>
-            </p:custDataLst>
-          </p:nvPr>
-        </p:nvSpPr>
-        <p:spPr/>
-        <p:txBody>
-          <a:bodyPr>
-            <a:normAutofit/>
-          </a:bodyPr>
-          <a:lstStyle/>
-          <a:p>
-            <a:r>
-              <a:rPr lang="zh-CN" altLang="en-US" dirty="0"/>
-              <a:t>感谢观看</a:t>
-            </a:r>
-            <a:endParaRPr lang="zh-CN" altLang="en-US" dirty="0"/>
-          </a:p>
-        </p:txBody>
-      </p:sp>
-    </p:spTree>
-    <p:custDataLst>
-      <p:tags r:id="rId2"/>
     </p:custDataLst>
   </p:cSld>
   <p:clrMapOvr>
@@ -17149,182 +17629,6 @@
           <a:p>
             <a:r>
               <a:rPr lang="zh-CN" altLang="zh-CN" dirty="0"/>
-              <a:t>架构风格</a:t>
-            </a:r>
-            <a:endParaRPr lang="zh-CN" altLang="zh-CN" dirty="0"/>
-          </a:p>
-        </p:txBody>
-      </p:sp>
-      <p:pic>
-        <p:nvPicPr>
-          <p:cNvPr id="6" name="图片 5" descr="截屏2023-05-10 下午11.23.24"/>
-          <p:cNvPicPr>
-            <a:picLocks noChangeAspect="1"/>
-          </p:cNvPicPr>
-          <p:nvPr>
-            <p:custDataLst>
-              <p:tags r:id="rId2"/>
-            </p:custDataLst>
-          </p:nvPr>
-        </p:nvPicPr>
-        <p:blipFill>
-          <a:blip r:embed="rId3"/>
-          <a:stretch>
-            <a:fillRect/>
-          </a:stretch>
-        </p:blipFill>
-        <p:spPr>
-          <a:xfrm>
-            <a:off x="5556250" y="1470025"/>
-            <a:ext cx="6116955" cy="3503930"/>
-          </a:xfrm>
-          <a:prstGeom prst="rect">
-            <a:avLst/>
-          </a:prstGeom>
-        </p:spPr>
-      </p:pic>
-      <p:sp>
-        <p:nvSpPr>
-          <p:cNvPr id="9" name="文本框 8"/>
-          <p:cNvSpPr txBox="1"/>
-          <p:nvPr/>
-        </p:nvSpPr>
-        <p:spPr>
-          <a:xfrm>
-            <a:off x="344170" y="2345055"/>
-            <a:ext cx="4117975" cy="1753235"/>
-          </a:xfrm>
-          <a:prstGeom prst="rect">
-            <a:avLst/>
-          </a:prstGeom>
-          <a:noFill/>
-        </p:spPr>
-        <p:txBody>
-          <a:bodyPr wrap="square" rtlCol="0">
-            <a:spAutoFit/>
-          </a:bodyPr>
-          <a:p>
-            <a:pPr marL="285750" indent="-285750">
-              <a:buFont typeface="Wingdings" panose="05000000000000000000" charset="0"/>
-              <a:buChar char="l"/>
-            </a:pPr>
-            <a:r>
-              <a:rPr lang="zh-CN" altLang="en-US" sz="2400"/>
-              <a:t>微服务架构</a:t>
-            </a:r>
-            <a:endParaRPr lang="zh-CN" altLang="en-US" sz="2400"/>
-          </a:p>
-          <a:p>
-            <a:pPr marL="285750" indent="-285750">
-              <a:buFont typeface="Wingdings" panose="05000000000000000000" charset="0"/>
-              <a:buChar char="l"/>
-            </a:pPr>
-            <a:r>
-              <a:rPr lang="zh-CN" altLang="en-US" sz="2400"/>
-              <a:t>数据抽象和面向对象设计</a:t>
-            </a:r>
-            <a:endParaRPr lang="zh-CN" altLang="en-US" sz="2400"/>
-          </a:p>
-          <a:p>
-            <a:pPr marL="285750" indent="-285750">
-              <a:buFont typeface="Wingdings" panose="05000000000000000000" charset="0"/>
-              <a:buChar char="l"/>
-            </a:pPr>
-            <a:r>
-              <a:rPr lang="zh-CN" altLang="en-US" sz="2400"/>
-              <a:t>分层设计</a:t>
-            </a:r>
-            <a:endParaRPr lang="zh-CN" altLang="en-US" sz="2400"/>
-          </a:p>
-          <a:p>
-            <a:pPr marL="285750" indent="-285750">
-              <a:buFont typeface="Wingdings" panose="05000000000000000000" charset="0"/>
-              <a:buChar char="l"/>
-            </a:pPr>
-            <a:endParaRPr lang="zh-CN" altLang="en-US"/>
-          </a:p>
-          <a:p>
-            <a:endParaRPr lang="zh-CN" altLang="en-US"/>
-          </a:p>
-        </p:txBody>
-      </p:sp>
-    </p:spTree>
-    <p:custDataLst>
-      <p:tags r:id="rId4"/>
-    </p:custDataLst>
-  </p:cSld>
-  <p:clrMapOvr>
-    <a:masterClrMapping/>
-  </p:clrMapOvr>
-</p:sld>
-</file>
-
-<file path=ppt/slides/slide6.xml><?xml version="1.0" encoding="utf-8"?>
-<p:sld xmlns:a="http://schemas.openxmlformats.org/drawingml/2006/main" xmlns:r="http://schemas.openxmlformats.org/officeDocument/2006/relationships" xmlns:p="http://schemas.openxmlformats.org/presentationml/2006/main">
-  <p:cSld>
-    <p:spTree>
-      <p:nvGrpSpPr>
-        <p:cNvPr id="1" name=""/>
-        <p:cNvGrpSpPr/>
-        <p:nvPr/>
-      </p:nvGrpSpPr>
-      <p:grpSpPr>
-        <a:xfrm>
-          <a:off x="0" y="0"/>
-          <a:ext cx="0" cy="0"/>
-          <a:chOff x="0" y="0"/>
-          <a:chExt cx="0" cy="0"/>
-        </a:xfrm>
-      </p:grpSpPr>
-      <p:sp>
-        <p:nvSpPr>
-          <p:cNvPr id="3" name="标题 2"/>
-          <p:cNvSpPr>
-            <a:spLocks noGrp="1"/>
-          </p:cNvSpPr>
-          <p:nvPr>
-            <p:custDataLst>
-              <p:tags r:id="rId1"/>
-            </p:custDataLst>
-          </p:nvPr>
-        </p:nvSpPr>
-        <p:spPr>
-          <a:xfrm>
-            <a:off x="305605" y="301145"/>
-            <a:ext cx="9626400" cy="723600"/>
-          </a:xfrm>
-          <a:prstGeom prst="rect">
-            <a:avLst/>
-          </a:prstGeom>
-        </p:spPr>
-        <p:txBody>
-          <a:bodyPr vert="horz" lIns="101600" tIns="38100" rIns="76200" bIns="38100" rtlCol="0" anchor="ctr" anchorCtr="0">
-            <a:normAutofit/>
-          </a:bodyPr>
-          <a:lstStyle>
-            <a:lvl1pPr marL="0" indent="0" algn="l" defTabSz="914400" rtl="0" eaLnBrk="1" fontAlgn="auto" latinLnBrk="0" hangingPunct="1">
-              <a:lnSpc>
-                <a:spcPct val="100000"/>
-              </a:lnSpc>
-              <a:spcBef>
-                <a:spcPct val="0"/>
-              </a:spcBef>
-              <a:buFont typeface="Arial" panose="020B0604020202020204" pitchFamily="34" charset="0"/>
-              <a:buNone/>
-              <a:defRPr sz="3200" b="1" u="none" strike="noStrike" kern="1200" cap="none" spc="200" normalizeH="0" baseline="0">
-                <a:solidFill>
-                  <a:schemeClr val="accent1"/>
-                </a:solidFill>
-                <a:uFillTx/>
-                <a:latin typeface="Arial" panose="020B0604020202020204" pitchFamily="34" charset="0"/>
-                <a:ea typeface="微软雅黑" panose="020B0503020204020204" charset="-122"/>
-                <a:cs typeface="+mj-cs"/>
-              </a:defRPr>
-            </a:lvl1pPr>
-          </a:lstStyle>
-          <a:p>
-            <a:r>
-              <a:rPr lang="zh-CN" altLang="zh-CN" dirty="0"/>
               <a:t>设计模式</a:t>
             </a:r>
             <a:endParaRPr lang="zh-CN" altLang="zh-CN" dirty="0"/>
@@ -17443,20 +17747,50 @@
         </p:nvPicPr>
         <p:blipFill>
           <a:blip r:embed="rId3"/>
+          <a:srcRect r="1884" b="1457"/>
           <a:stretch>
             <a:fillRect/>
           </a:stretch>
         </p:blipFill>
         <p:spPr>
           <a:xfrm>
-            <a:off x="746125" y="2056765"/>
-            <a:ext cx="4582795" cy="3530600"/>
+            <a:off x="685800" y="1663700"/>
+            <a:ext cx="4496435" cy="3479165"/>
           </a:xfrm>
           <a:prstGeom prst="rect">
             <a:avLst/>
           </a:prstGeom>
         </p:spPr>
       </p:pic>
+      <p:sp>
+        <p:nvSpPr>
+          <p:cNvPr id="4" name="文本框 3"/>
+          <p:cNvSpPr txBox="1"/>
+          <p:nvPr/>
+        </p:nvSpPr>
+        <p:spPr>
+          <a:xfrm>
+            <a:off x="972820" y="5298440"/>
+            <a:ext cx="4737100" cy="368300"/>
+          </a:xfrm>
+          <a:prstGeom prst="rect">
+            <a:avLst/>
+          </a:prstGeom>
+          <a:noFill/>
+        </p:spPr>
+        <p:txBody>
+          <a:bodyPr wrap="square" rtlCol="0">
+            <a:spAutoFit/>
+          </a:bodyPr>
+          <a:p>
+            <a:r>
+              <a:rPr lang="zh-CN" altLang="en-US"/>
+              <a:t>单例模式在登录控制器中的应用</a:t>
+            </a:r>
+            <a:endParaRPr lang="zh-CN" altLang="en-US"/>
+          </a:p>
+        </p:txBody>
+      </p:sp>
     </p:spTree>
     <p:custDataLst>
       <p:tags r:id="rId4"/>
@@ -17468,7 +17802,7 @@
 </p:sld>
 </file>
 
-<file path=ppt/slides/slide7.xml><?xml version="1.0" encoding="utf-8"?>
+<file path=ppt/slides/slide6.xml><?xml version="1.0" encoding="utf-8"?>
 <p:sld xmlns:a="http://schemas.openxmlformats.org/drawingml/2006/main" xmlns:r="http://schemas.openxmlformats.org/officeDocument/2006/relationships" xmlns:p="http://schemas.openxmlformats.org/presentationml/2006/main">
   <p:cSld>
     <p:bg>
@@ -17668,9 +18002,16 @@
         </p:spPr>
         <p:txBody>
           <a:bodyPr>
-            <a:normAutofit/>
+            <a:normAutofit fontScale="90000" lnSpcReduction="10000"/>
           </a:bodyPr>
           <a:lstStyle/>
+          <a:p>
+            <a:r>
+              <a:rPr lang="zh-CN" altLang="en-US" dirty="0"/>
+              <a:t>架构风格</a:t>
+            </a:r>
+            <a:endParaRPr lang="zh-CN" altLang="en-US" dirty="0"/>
+          </a:p>
           <a:p>
             <a:r>
               <a:rPr lang="zh-CN" altLang="en-US" dirty="0"/>
@@ -17707,6 +18048,175 @@
     </p:spTree>
     <p:custDataLst>
       <p:tags r:id="rId6"/>
+    </p:custDataLst>
+  </p:cSld>
+  <p:clrMapOvr>
+    <a:masterClrMapping/>
+  </p:clrMapOvr>
+</p:sld>
+</file>
+
+<file path=ppt/slides/slide7.xml><?xml version="1.0" encoding="utf-8"?>
+<p:sld xmlns:a="http://schemas.openxmlformats.org/drawingml/2006/main" xmlns:r="http://schemas.openxmlformats.org/officeDocument/2006/relationships" xmlns:p="http://schemas.openxmlformats.org/presentationml/2006/main">
+  <p:cSld>
+    <p:spTree>
+      <p:nvGrpSpPr>
+        <p:cNvPr id="1" name=""/>
+        <p:cNvGrpSpPr/>
+        <p:nvPr/>
+      </p:nvGrpSpPr>
+      <p:grpSpPr>
+        <a:xfrm>
+          <a:off x="0" y="0"/>
+          <a:ext cx="0" cy="0"/>
+          <a:chOff x="0" y="0"/>
+          <a:chExt cx="0" cy="0"/>
+        </a:xfrm>
+      </p:grpSpPr>
+      <p:sp>
+        <p:nvSpPr>
+          <p:cNvPr id="3" name="标题 2"/>
+          <p:cNvSpPr>
+            <a:spLocks noGrp="1"/>
+          </p:cNvSpPr>
+          <p:nvPr>
+            <p:custDataLst>
+              <p:tags r:id="rId1"/>
+            </p:custDataLst>
+          </p:nvPr>
+        </p:nvSpPr>
+        <p:spPr>
+          <a:xfrm>
+            <a:off x="305605" y="301145"/>
+            <a:ext cx="9626400" cy="723600"/>
+          </a:xfrm>
+          <a:prstGeom prst="rect">
+            <a:avLst/>
+          </a:prstGeom>
+        </p:spPr>
+        <p:txBody>
+          <a:bodyPr vert="horz" lIns="101600" tIns="38100" rIns="76200" bIns="38100" rtlCol="0" anchor="ctr" anchorCtr="0">
+            <a:normAutofit/>
+          </a:bodyPr>
+          <a:lstStyle>
+            <a:lvl1pPr marL="0" indent="0" algn="l" defTabSz="914400" rtl="0" eaLnBrk="1" fontAlgn="auto" latinLnBrk="0" hangingPunct="1">
+              <a:lnSpc>
+                <a:spcPct val="100000"/>
+              </a:lnSpc>
+              <a:spcBef>
+                <a:spcPct val="0"/>
+              </a:spcBef>
+              <a:buFont typeface="Arial" panose="020B0604020202020204" pitchFamily="34" charset="0"/>
+              <a:buNone/>
+              <a:defRPr sz="3200" b="1" u="none" strike="noStrike" kern="1200" cap="none" spc="200" normalizeH="0" baseline="0">
+                <a:solidFill>
+                  <a:schemeClr val="accent1"/>
+                </a:solidFill>
+                <a:uFillTx/>
+                <a:latin typeface="Arial" panose="020B0604020202020204" pitchFamily="34" charset="0"/>
+                <a:ea typeface="微软雅黑" panose="020B0503020204020204" charset="-122"/>
+                <a:cs typeface="+mj-cs"/>
+              </a:defRPr>
+            </a:lvl1pPr>
+          </a:lstStyle>
+          <a:p>
+            <a:r>
+              <a:rPr lang="zh-CN" altLang="zh-CN" dirty="0"/>
+              <a:t>架构风格</a:t>
+            </a:r>
+            <a:endParaRPr lang="zh-CN" altLang="zh-CN" dirty="0"/>
+          </a:p>
+        </p:txBody>
+      </p:sp>
+      <p:pic>
+        <p:nvPicPr>
+          <p:cNvPr id="6" name="图片 5" descr="截屏2023-05-10 下午11.23.24"/>
+          <p:cNvPicPr>
+            <a:picLocks noChangeAspect="1"/>
+          </p:cNvPicPr>
+          <p:nvPr>
+            <p:custDataLst>
+              <p:tags r:id="rId2"/>
+            </p:custDataLst>
+          </p:nvPr>
+        </p:nvPicPr>
+        <p:blipFill>
+          <a:blip r:embed="rId3"/>
+          <a:stretch>
+            <a:fillRect/>
+          </a:stretch>
+        </p:blipFill>
+        <p:spPr>
+          <a:xfrm>
+            <a:off x="5556250" y="1470025"/>
+            <a:ext cx="6116955" cy="3503930"/>
+          </a:xfrm>
+          <a:prstGeom prst="rect">
+            <a:avLst/>
+          </a:prstGeom>
+        </p:spPr>
+      </p:pic>
+      <p:sp>
+        <p:nvSpPr>
+          <p:cNvPr id="9" name="文本框 8"/>
+          <p:cNvSpPr txBox="1"/>
+          <p:nvPr/>
+        </p:nvSpPr>
+        <p:spPr>
+          <a:xfrm>
+            <a:off x="344170" y="2345055"/>
+            <a:ext cx="4117975" cy="1845310"/>
+          </a:xfrm>
+          <a:prstGeom prst="rect">
+            <a:avLst/>
+          </a:prstGeom>
+          <a:noFill/>
+        </p:spPr>
+        <p:txBody>
+          <a:bodyPr wrap="square" rtlCol="0">
+            <a:spAutoFit/>
+          </a:bodyPr>
+          <a:p>
+            <a:pPr marL="285750" indent="-285750">
+              <a:buFont typeface="Wingdings" panose="05000000000000000000" charset="0"/>
+              <a:buChar char="l"/>
+            </a:pPr>
+            <a:r>
+              <a:rPr lang="zh-CN" altLang="en-US" sz="2400"/>
+              <a:t>微服务架构</a:t>
+            </a:r>
+            <a:endParaRPr lang="zh-CN" altLang="en-US" sz="2400"/>
+          </a:p>
+          <a:p>
+            <a:pPr marL="285750" indent="-285750">
+              <a:buFont typeface="Wingdings" panose="05000000000000000000" charset="0"/>
+              <a:buChar char="l"/>
+            </a:pPr>
+            <a:r>
+              <a:rPr lang="zh-CN" altLang="en-US" sz="2400"/>
+              <a:t>参考Garlan和Shaw的五类软件架构风格</a:t>
+            </a:r>
+            <a:endParaRPr lang="zh-CN" altLang="en-US" sz="2400"/>
+          </a:p>
+          <a:p>
+            <a:pPr marL="285750" indent="-285750">
+              <a:buFont typeface="Wingdings" panose="05000000000000000000" charset="0"/>
+              <a:buChar char="l"/>
+            </a:pPr>
+            <a:r>
+              <a:rPr lang="zh-CN" altLang="en-US" sz="2400"/>
+              <a:t>层次结构</a:t>
+            </a:r>
+            <a:endParaRPr lang="zh-CN" altLang="en-US"/>
+          </a:p>
+          <a:p>
+            <a:endParaRPr lang="zh-CN" altLang="en-US"/>
+          </a:p>
+        </p:txBody>
+      </p:sp>
+    </p:spTree>
+    <p:custDataLst>
+      <p:tags r:id="rId4"/>
     </p:custDataLst>
   </p:cSld>
   <p:clrMapOvr>
@@ -17765,28 +18275,127 @@
           </a:p>
         </p:txBody>
       </p:sp>
+      <p:sp>
+        <p:nvSpPr>
+          <p:cNvPr id="2" name="文本框 1"/>
+          <p:cNvSpPr txBox="1"/>
+          <p:nvPr/>
+        </p:nvSpPr>
+        <p:spPr>
+          <a:xfrm>
+            <a:off x="810895" y="1952625"/>
+            <a:ext cx="4064000" cy="1814830"/>
+          </a:xfrm>
+          <a:prstGeom prst="rect">
+            <a:avLst/>
+          </a:prstGeom>
+          <a:noFill/>
+        </p:spPr>
+        <p:txBody>
+          <a:bodyPr wrap="square" rtlCol="0">
+            <a:spAutoFit/>
+          </a:bodyPr>
+          <a:p>
+            <a:pPr marL="342900" indent="-342900">
+              <a:buFont typeface="Wingdings" panose="05000000000000000000" charset="0"/>
+              <a:buChar char="l"/>
+            </a:pPr>
+            <a:r>
+              <a:rPr lang="zh-CN" altLang="en-US" sz="2400">
+                <a:sym typeface="+mn-ea"/>
+              </a:rPr>
+              <a:t>采用的技术：</a:t>
+            </a:r>
+            <a:endParaRPr lang="zh-CN" altLang="en-US" sz="2400">
+              <a:sym typeface="+mn-ea"/>
+            </a:endParaRPr>
+          </a:p>
+          <a:p>
+            <a:pPr indent="0">
+              <a:buFont typeface="Wingdings" panose="05000000000000000000" charset="0"/>
+              <a:buNone/>
+            </a:pPr>
+            <a:endParaRPr lang="zh-CN" altLang="en-US" sz="1600">
+              <a:sym typeface="+mn-ea"/>
+            </a:endParaRPr>
+          </a:p>
+          <a:p>
+            <a:pPr indent="0">
+              <a:buFont typeface="Wingdings" panose="05000000000000000000" charset="0"/>
+              <a:buNone/>
+            </a:pPr>
+            <a:r>
+              <a:rPr lang="zh-CN" altLang="en-US" sz="1600">
+                <a:sym typeface="+mn-ea"/>
+              </a:rPr>
+              <a:t>前端：</a:t>
+            </a:r>
+            <a:r>
+              <a:rPr lang="en-US" altLang="zh-CN" sz="1600">
+                <a:sym typeface="+mn-ea"/>
+              </a:rPr>
+              <a:t>Vue3</a:t>
+            </a:r>
+            <a:r>
+              <a:rPr lang="zh-CN" altLang="en-US" sz="1600">
+                <a:sym typeface="+mn-ea"/>
+              </a:rPr>
+              <a:t>，</a:t>
+            </a:r>
+            <a:r>
+              <a:rPr lang="en-US" altLang="zh-CN" sz="1600">
+                <a:sym typeface="+mn-ea"/>
+              </a:rPr>
+              <a:t>Redux</a:t>
+            </a:r>
+            <a:r>
+              <a:rPr lang="zh-CN" altLang="en-US" sz="1600">
+                <a:sym typeface="+mn-ea"/>
+              </a:rPr>
+              <a:t>等</a:t>
+            </a:r>
+            <a:endParaRPr lang="zh-CN" altLang="en-US" sz="1600">
+              <a:sym typeface="+mn-ea"/>
+            </a:endParaRPr>
+          </a:p>
+          <a:p>
+            <a:pPr indent="0">
+              <a:buFont typeface="Wingdings" panose="05000000000000000000" charset="0"/>
+              <a:buNone/>
+            </a:pPr>
+            <a:r>
+              <a:rPr lang="zh-CN" altLang="en-US" sz="1600">
+                <a:sym typeface="+mn-ea"/>
+              </a:rPr>
+              <a:t>后端，Spring Cloud，Spring AOP, Spring Boot等</a:t>
+            </a:r>
+            <a:endParaRPr lang="zh-CN" altLang="en-US" sz="2400">
+              <a:sym typeface="+mn-ea"/>
+            </a:endParaRPr>
+          </a:p>
+          <a:p>
+            <a:endParaRPr lang="zh-CN" altLang="en-US" sz="2400"/>
+          </a:p>
+        </p:txBody>
+      </p:sp>
       <p:pic>
         <p:nvPicPr>
-          <p:cNvPr id="7" name="图片 7" descr="平台相关架构图"/>
+          <p:cNvPr id="4" name="图片 3" descr="平台相关架构图"/>
           <p:cNvPicPr>
             <a:picLocks noChangeAspect="1"/>
           </p:cNvPicPr>
-          <p:nvPr>
-            <p:custDataLst>
-              <p:tags r:id="rId2"/>
-            </p:custDataLst>
-          </p:nvPr>
+          <p:nvPr/>
         </p:nvPicPr>
         <p:blipFill>
-          <a:blip r:embed="rId3"/>
+          <a:blip r:embed="rId2"/>
           <a:stretch>
             <a:fillRect/>
           </a:stretch>
         </p:blipFill>
         <p:spPr>
           <a:xfrm>
-            <a:off x="5126355" y="668655"/>
-            <a:ext cx="5266690" cy="5927090"/>
+            <a:off x="4947920" y="300990"/>
+            <a:ext cx="5676265" cy="6266815"/>
           </a:xfrm>
           <a:prstGeom prst="rect">
             <a:avLst/>
@@ -17795,7 +18404,7 @@
       </p:pic>
     </p:spTree>
     <p:custDataLst>
-      <p:tags r:id="rId4"/>
+      <p:tags r:id="rId3"/>
     </p:custDataLst>
   </p:cSld>
   <p:clrMapOvr>
@@ -17866,7 +18475,7 @@
         </p:nvSpPr>
         <p:spPr>
           <a:xfrm>
-            <a:off x="659130" y="2446655"/>
+            <a:off x="659130" y="1492885"/>
             <a:ext cx="4117975" cy="2953385"/>
           </a:xfrm>
           <a:prstGeom prst="rect">
@@ -17884,10 +18493,18 @@
               <a:buChar char="l"/>
             </a:pPr>
             <a:r>
-              <a:rPr lang="zh-CN" altLang="en-US" sz="2400"/>
+              <a:rPr lang="zh-CN" altLang="en-US" sz="2400" b="1">
+                <a:solidFill>
+                  <a:srgbClr val="FF0000"/>
+                </a:solidFill>
+              </a:rPr>
               <a:t>用户服务系统</a:t>
             </a:r>
-            <a:endParaRPr lang="zh-CN" altLang="en-US" sz="2400"/>
+            <a:endParaRPr lang="zh-CN" altLang="en-US" sz="2400" b="1">
+              <a:solidFill>
+                <a:srgbClr val="FF0000"/>
+              </a:solidFill>
+            </a:endParaRPr>
           </a:p>
           <a:p>
             <a:pPr marL="285750" indent="-285750">
@@ -17906,10 +18523,18 @@
               <a:buChar char="l"/>
             </a:pPr>
             <a:r>
-              <a:rPr lang="zh-CN" altLang="en-US" sz="2400"/>
+              <a:rPr lang="zh-CN" altLang="en-US" sz="2400" b="1">
+                <a:solidFill>
+                  <a:srgbClr val="FF0000"/>
+                </a:solidFill>
+              </a:rPr>
               <a:t>音乐推荐服务系统</a:t>
             </a:r>
-            <a:endParaRPr lang="zh-CN" altLang="en-US" sz="2400"/>
+            <a:endParaRPr lang="zh-CN" altLang="en-US" sz="2400" b="1">
+              <a:solidFill>
+                <a:srgbClr val="FF0000"/>
+              </a:solidFill>
+            </a:endParaRPr>
           </a:p>
           <a:p>
             <a:pPr marL="285750" indent="-285750">
@@ -17976,8 +18601,36 @@
         </p:blipFill>
         <p:spPr>
           <a:xfrm>
-            <a:off x="5014595" y="1810385"/>
+            <a:off x="5014595" y="417830"/>
             <a:ext cx="5488940" cy="3237865"/>
+          </a:xfrm>
+          <a:prstGeom prst="rect">
+            <a:avLst/>
+          </a:prstGeom>
+        </p:spPr>
+      </p:pic>
+      <p:pic>
+        <p:nvPicPr>
+          <p:cNvPr id="4" name="图片 3"/>
+          <p:cNvPicPr>
+            <a:picLocks noChangeAspect="1"/>
+          </p:cNvPicPr>
+          <p:nvPr>
+            <p:custDataLst>
+              <p:tags r:id="rId5"/>
+            </p:custDataLst>
+          </p:nvPr>
+        </p:nvPicPr>
+        <p:blipFill>
+          <a:blip r:embed="rId6"/>
+          <a:stretch>
+            <a:fillRect/>
+          </a:stretch>
+        </p:blipFill>
+        <p:spPr>
+          <a:xfrm>
+            <a:off x="4908550" y="4446270"/>
+            <a:ext cx="5594985" cy="942975"/>
           </a:xfrm>
           <a:prstGeom prst="rect">
             <a:avLst/>
@@ -17986,7 +18639,7 @@
       </p:pic>
     </p:spTree>
     <p:custDataLst>
-      <p:tags r:id="rId5"/>
+      <p:tags r:id="rId7"/>
     </p:custDataLst>
   </p:cSld>
   <p:clrMapOvr>
@@ -19611,6 +20264,124 @@
 
 <file path=ppt/tags/tag182.xml><?xml version="1.0" encoding="utf-8"?>
 <p:tagLst xmlns:p="http://schemas.openxmlformats.org/presentationml/2006/main">
+  <p:tag name="KSO_WM_UNIT_HIGHLIGHT" val="0"/>
+  <p:tag name="KSO_WM_UNIT_COMPATIBLE" val="0"/>
+  <p:tag name="KSO_WM_UNIT_DIAGRAM_ISNUMVISUAL" val="0"/>
+  <p:tag name="KSO_WM_UNIT_DIAGRAM_ISREFERUNIT" val="0"/>
+  <p:tag name="KSO_WM_UNIT_ID" val="custom20202614_7*i*1"/>
+  <p:tag name="KSO_WM_TEMPLATE_CATEGORY" val="custom"/>
+  <p:tag name="KSO_WM_TEMPLATE_INDEX" val="20202614"/>
+  <p:tag name="KSO_WM_UNIT_LAYERLEVEL" val="1"/>
+  <p:tag name="KSO_WM_TAG_VERSION" val="1.0"/>
+  <p:tag name="KSO_WM_BEAUTIFY_FLAG" val="#wm#"/>
+  <p:tag name="KSO_WM_UNIT_TYPE" val="i"/>
+  <p:tag name="KSO_WM_UNIT_INDEX" val="1"/>
+</p:tagLst>
+</file>
+
+<file path=ppt/tags/tag183.xml><?xml version="1.0" encoding="utf-8"?>
+<p:tagLst xmlns:p="http://schemas.openxmlformats.org/presentationml/2006/main">
+  <p:tag name="KSO_WM_UNIT_HIGHLIGHT" val="0"/>
+  <p:tag name="KSO_WM_UNIT_COMPATIBLE" val="0"/>
+  <p:tag name="KSO_WM_UNIT_DIAGRAM_ISNUMVISUAL" val="0"/>
+  <p:tag name="KSO_WM_UNIT_DIAGRAM_ISREFERUNIT" val="0"/>
+  <p:tag name="KSO_WM_UNIT_ID" val="custom20202614_7*i*2"/>
+  <p:tag name="KSO_WM_TEMPLATE_CATEGORY" val="custom"/>
+  <p:tag name="KSO_WM_TEMPLATE_INDEX" val="20202614"/>
+  <p:tag name="KSO_WM_UNIT_LAYERLEVEL" val="1"/>
+  <p:tag name="KSO_WM_TAG_VERSION" val="1.0"/>
+  <p:tag name="KSO_WM_BEAUTIFY_FLAG" val="#wm#"/>
+  <p:tag name="KSO_WM_UNIT_TYPE" val="i"/>
+  <p:tag name="KSO_WM_UNIT_INDEX" val="2"/>
+</p:tagLst>
+</file>
+
+<file path=ppt/tags/tag184.xml><?xml version="1.0" encoding="utf-8"?>
+<p:tagLst xmlns:p="http://schemas.openxmlformats.org/presentationml/2006/main">
+  <p:tag name="KSO_WM_UNIT_HIGHLIGHT" val="0"/>
+  <p:tag name="KSO_WM_UNIT_COMPATIBLE" val="0"/>
+  <p:tag name="KSO_WM_UNIT_DIAGRAM_ISNUMVISUAL" val="0"/>
+  <p:tag name="KSO_WM_UNIT_DIAGRAM_ISREFERUNIT" val="0"/>
+  <p:tag name="KSO_WM_UNIT_ID" val="custom20202614_7*e*1"/>
+  <p:tag name="KSO_WM_TEMPLATE_CATEGORY" val="custom"/>
+  <p:tag name="KSO_WM_TEMPLATE_INDEX" val="20202614"/>
+  <p:tag name="KSO_WM_UNIT_LAYERLEVEL" val="1"/>
+  <p:tag name="KSO_WM_TAG_VERSION" val="1.0"/>
+  <p:tag name="KSO_WM_BEAUTIFY_FLAG" val="#wm#"/>
+  <p:tag name="KSO_WM_UNIT_NOCLEAR" val="0"/>
+  <p:tag name="KSO_WM_UNIT_VALUE" val="3"/>
+  <p:tag name="KSO_WM_UNIT_TYPE" val="e"/>
+  <p:tag name="KSO_WM_UNIT_INDEX" val="1"/>
+  <p:tag name="KSO_WM_UNIT_PRESET_TEXT" val="01"/>
+</p:tagLst>
+</file>
+
+<file path=ppt/tags/tag185.xml><?xml version="1.0" encoding="utf-8"?>
+<p:tagLst xmlns:p="http://schemas.openxmlformats.org/presentationml/2006/main">
+  <p:tag name="KSO_WM_UNIT_HIGHLIGHT" val="0"/>
+  <p:tag name="KSO_WM_UNIT_COMPATIBLE" val="0"/>
+  <p:tag name="KSO_WM_UNIT_DIAGRAM_ISNUMVISUAL" val="0"/>
+  <p:tag name="KSO_WM_UNIT_DIAGRAM_ISREFERUNIT" val="0"/>
+  <p:tag name="KSO_WM_UNIT_ID" val="custom20202614_7*a*1"/>
+  <p:tag name="KSO_WM_TEMPLATE_CATEGORY" val="custom"/>
+  <p:tag name="KSO_WM_TEMPLATE_INDEX" val="20202614"/>
+  <p:tag name="KSO_WM_UNIT_LAYERLEVEL" val="1"/>
+  <p:tag name="KSO_WM_TAG_VERSION" val="1.0"/>
+  <p:tag name="KSO_WM_BEAUTIFY_FLAG" val="#wm#"/>
+  <p:tag name="KSO_WM_UNIT_ISCONTENTSTITLE" val="0"/>
+  <p:tag name="KSO_WM_UNIT_PRESET_TEXT" val="单击此处添加标题"/>
+  <p:tag name="KSO_WM_UNIT_NOCLEAR" val="0"/>
+  <p:tag name="KSO_WM_UNIT_VALUE" val="10"/>
+  <p:tag name="KSO_WM_UNIT_TYPE" val="a"/>
+  <p:tag name="KSO_WM_UNIT_INDEX" val="1"/>
+  <p:tag name="KSO_WM_UNIT_ISNUMDGMTITLE" val="0"/>
+</p:tagLst>
+</file>
+
+<file path=ppt/tags/tag186.xml><?xml version="1.0" encoding="utf-8"?>
+<p:tagLst xmlns:p="http://schemas.openxmlformats.org/presentationml/2006/main">
+  <p:tag name="KSO_WM_UNIT_HIGHLIGHT" val="0"/>
+  <p:tag name="KSO_WM_UNIT_COMPATIBLE" val="0"/>
+  <p:tag name="KSO_WM_UNIT_DIAGRAM_ISNUMVISUAL" val="0"/>
+  <p:tag name="KSO_WM_UNIT_DIAGRAM_ISREFERUNIT" val="0"/>
+  <p:tag name="KSO_WM_UNIT_ID" val="custom20202614_7*b*1"/>
+  <p:tag name="KSO_WM_TEMPLATE_CATEGORY" val="custom"/>
+  <p:tag name="KSO_WM_TEMPLATE_INDEX" val="20202614"/>
+  <p:tag name="KSO_WM_UNIT_LAYERLEVEL" val="1"/>
+  <p:tag name="KSO_WM_TAG_VERSION" val="1.0"/>
+  <p:tag name="KSO_WM_BEAUTIFY_FLAG" val="#wm#"/>
+  <p:tag name="KSO_WM_UNIT_ISCONTENTSTITLE" val="0"/>
+  <p:tag name="KSO_WM_UNIT_NOCLEAR" val="0"/>
+  <p:tag name="KSO_WM_UNIT_VALUE" val="69"/>
+  <p:tag name="KSO_WM_UNIT_TYPE" val="b"/>
+  <p:tag name="KSO_WM_UNIT_INDEX" val="1"/>
+  <p:tag name="KSO_WM_UNIT_PRESET_TEXT" val="单击此处添加文本具体内容，简明扼要的阐述您的观点。"/>
+  <p:tag name="KSO_WM_UNIT_ISNUMDGMTITLE" val="0"/>
+</p:tagLst>
+</file>
+
+<file path=ppt/tags/tag187.xml><?xml version="1.0" encoding="utf-8"?>
+<p:tagLst xmlns:p="http://schemas.openxmlformats.org/presentationml/2006/main">
+  <p:tag name="KSO_WM_SLIDE_ID" val="custom20202614_7"/>
+  <p:tag name="KSO_WM_TEMPLATE_SUBCATEGORY" val="0"/>
+  <p:tag name="KSO_WM_TEMPLATE_MASTER_TYPE" val="1"/>
+  <p:tag name="KSO_WM_TEMPLATE_COLOR_TYPE" val="1"/>
+  <p:tag name="KSO_WM_SLIDE_ITEM_CNT" val="0"/>
+  <p:tag name="KSO_WM_SLIDE_INDEX" val="7"/>
+  <p:tag name="KSO_WM_TAG_VERSION" val="1.0"/>
+  <p:tag name="KSO_WM_BEAUTIFY_FLAG" val="#wm#"/>
+  <p:tag name="KSO_WM_TEMPLATE_CATEGORY" val="custom"/>
+  <p:tag name="KSO_WM_TEMPLATE_INDEX" val="20202614"/>
+  <p:tag name="KSO_WM_SLIDE_LAYOUT" val="a_b_e"/>
+  <p:tag name="KSO_WM_SLIDE_LAYOUT_CNT" val="1_1_1"/>
+  <p:tag name="KSO_WM_SLIDE_TYPE" val="sectionTitle"/>
+  <p:tag name="KSO_WM_SLIDE_SUBTYPE" val="pureTxt"/>
+  <p:tag name="KSO_WM_SPECIAL_SOURCE" val="bdnull"/>
+</p:tagLst>
+</file>
+
+<file path=ppt/tags/tag188.xml><?xml version="1.0" encoding="utf-8"?>
+<p:tagLst xmlns:p="http://schemas.openxmlformats.org/presentationml/2006/main">
   <p:tag name="KSO_WM_UNIT_ISCONTENTSTITLE" val="0"/>
   <p:tag name="KSO_WM_UNIT_PRESET_TEXT" val="单击此处添加标题"/>
   <p:tag name="KSO_WM_UNIT_NOCLEAR" val="0"/>
@@ -19631,13 +20402,27 @@
 </p:tagLst>
 </file>
 
-<file path=ppt/tags/tag183.xml><?xml version="1.0" encoding="utf-8"?>
+<file path=ppt/tags/tag189.xml><?xml version="1.0" encoding="utf-8"?>
 <p:tagLst xmlns:p="http://schemas.openxmlformats.org/presentationml/2006/main">
   <p:tag name="KSO_WM_BEAUTIFY_FLAG" val=""/>
 </p:tagLst>
 </file>
 
-<file path=ppt/tags/tag184.xml><?xml version="1.0" encoding="utf-8"?>
+<file path=ppt/tags/tag19.xml><?xml version="1.0" encoding="utf-8"?>
+<p:tagLst xmlns:p="http://schemas.openxmlformats.org/presentationml/2006/main">
+  <p:tag name="KSO_WM_UNIT_HIGHLIGHT" val="0"/>
+  <p:tag name="KSO_WM_UNIT_COMPATIBLE" val="0"/>
+  <p:tag name="KSO_WM_UNIT_DIAGRAM_ISNUMVISUAL" val="0"/>
+  <p:tag name="KSO_WM_UNIT_DIAGRAM_ISREFERUNIT" val="0"/>
+  <p:tag name="KSO_WM_UNIT_ID" val="_3**"/>
+  <p:tag name="KSO_WM_UNIT_LAYERLEVEL" val="1"/>
+  <p:tag name="KSO_WM_TAG_VERSION" val="1.0"/>
+  <p:tag name="KSO_WM_BEAUTIFY_FLAG" val="#wm#"/>
+  <p:tag name="KSO_WM_UNIT_BK_DARK_LIGHT" val="2"/>
+</p:tagLst>
+</file>
+
+<file path=ppt/tags/tag190.xml><?xml version="1.0" encoding="utf-8"?>
 <p:tagLst xmlns:p="http://schemas.openxmlformats.org/presentationml/2006/main">
   <p:tag name="KSO_WM_SLIDE_ID" val="custom20202614_11"/>
   <p:tag name="KSO_WM_TEMPLATE_SUBCATEGORY" val="0"/>
@@ -19659,7 +20444,333 @@
 </p:tagLst>
 </file>
 
-<file path=ppt/tags/tag185.xml><?xml version="1.0" encoding="utf-8"?>
+<file path=ppt/tags/tag191.xml><?xml version="1.0" encoding="utf-8"?>
+<p:tagLst xmlns:p="http://schemas.openxmlformats.org/presentationml/2006/main">
+  <p:tag name="KSO_WM_UNIT_ISCONTENTSTITLE" val="0"/>
+  <p:tag name="KSO_WM_UNIT_PRESET_TEXT" val="单击此处添加标题"/>
+  <p:tag name="KSO_WM_UNIT_NOCLEAR" val="0"/>
+  <p:tag name="KSO_WM_UNIT_VALUE" val="26"/>
+  <p:tag name="KSO_WM_UNIT_HIGHLIGHT" val="0"/>
+  <p:tag name="KSO_WM_UNIT_COMPATIBLE" val="0"/>
+  <p:tag name="KSO_WM_UNIT_DIAGRAM_ISNUMVISUAL" val="0"/>
+  <p:tag name="KSO_WM_UNIT_DIAGRAM_ISREFERUNIT" val="0"/>
+  <p:tag name="KSO_WM_UNIT_TYPE" val="a"/>
+  <p:tag name="KSO_WM_UNIT_INDEX" val="1"/>
+  <p:tag name="KSO_WM_UNIT_ID" val="custom20202614_9*a*1"/>
+  <p:tag name="KSO_WM_TEMPLATE_CATEGORY" val="custom"/>
+  <p:tag name="KSO_WM_TEMPLATE_INDEX" val="20202614"/>
+  <p:tag name="KSO_WM_UNIT_LAYERLEVEL" val="1"/>
+  <p:tag name="KSO_WM_TAG_VERSION" val="1.0"/>
+  <p:tag name="KSO_WM_BEAUTIFY_FLAG" val="#wm#"/>
+  <p:tag name="KSO_WM_UNIT_ISNUMDGMTITLE" val="0"/>
+</p:tagLst>
+</file>
+
+<file path=ppt/tags/tag192.xml><?xml version="1.0" encoding="utf-8"?>
+<p:tagLst xmlns:p="http://schemas.openxmlformats.org/presentationml/2006/main">
+  <p:tag name="KSO_WM_SLIDE_ID" val="custom20202614_9"/>
+  <p:tag name="KSO_WM_TEMPLATE_SUBCATEGORY" val="0"/>
+  <p:tag name="KSO_WM_SLIDE_TYPE" val="text"/>
+  <p:tag name="KSO_WM_SLIDE_SUBTYPE" val="pureTxt"/>
+  <p:tag name="KSO_WM_SLIDE_ITEM_CNT" val="0"/>
+  <p:tag name="KSO_WM_SLIDE_INDEX" val="9"/>
+  <p:tag name="KSO_WM_SLIDE_SIZE" val="758*343"/>
+  <p:tag name="KSO_WM_SLIDE_POSITION" val="100*98"/>
+  <p:tag name="KSO_WM_TAG_VERSION" val="1.0"/>
+  <p:tag name="KSO_WM_BEAUTIFY_FLAG" val="#wm#"/>
+  <p:tag name="KSO_WM_TEMPLATE_CATEGORY" val="custom"/>
+  <p:tag name="KSO_WM_TEMPLATE_INDEX" val="20202614"/>
+  <p:tag name="KSO_WM_SLIDE_LAYOUT" val="a_f"/>
+  <p:tag name="KSO_WM_SLIDE_LAYOUT_CNT" val="1_1"/>
+  <p:tag name="KSO_WM_TEMPLATE_MASTER_TYPE" val="1"/>
+  <p:tag name="KSO_WM_TEMPLATE_COLOR_TYPE" val="1"/>
+  <p:tag name="KSO_WM_SPECIAL_SOURCE" val="bdnull"/>
+</p:tagLst>
+</file>
+
+<file path=ppt/tags/tag193.xml><?xml version="1.0" encoding="utf-8"?>
+<p:tagLst xmlns:p="http://schemas.openxmlformats.org/presentationml/2006/main">
+  <p:tag name="KSO_WM_UNIT_ISCONTENTSTITLE" val="0"/>
+  <p:tag name="KSO_WM_UNIT_PRESET_TEXT" val="单击此处添加标题"/>
+  <p:tag name="KSO_WM_UNIT_NOCLEAR" val="0"/>
+  <p:tag name="KSO_WM_UNIT_VALUE" val="26"/>
+  <p:tag name="KSO_WM_UNIT_HIGHLIGHT" val="0"/>
+  <p:tag name="KSO_WM_UNIT_COMPATIBLE" val="0"/>
+  <p:tag name="KSO_WM_UNIT_DIAGRAM_ISNUMVISUAL" val="0"/>
+  <p:tag name="KSO_WM_UNIT_DIAGRAM_ISREFERUNIT" val="0"/>
+  <p:tag name="KSO_WM_UNIT_TYPE" val="a"/>
+  <p:tag name="KSO_WM_UNIT_INDEX" val="1"/>
+  <p:tag name="KSO_WM_UNIT_ID" val="custom20202614_9*a*1"/>
+  <p:tag name="KSO_WM_TEMPLATE_CATEGORY" val="custom"/>
+  <p:tag name="KSO_WM_TEMPLATE_INDEX" val="20202614"/>
+  <p:tag name="KSO_WM_UNIT_LAYERLEVEL" val="1"/>
+  <p:tag name="KSO_WM_TAG_VERSION" val="1.0"/>
+  <p:tag name="KSO_WM_BEAUTIFY_FLAG" val="#wm#"/>
+  <p:tag name="KSO_WM_UNIT_ISNUMDGMTITLE" val="0"/>
+</p:tagLst>
+</file>
+
+<file path=ppt/tags/tag194.xml><?xml version="1.0" encoding="utf-8"?>
+<p:tagLst xmlns:p="http://schemas.openxmlformats.org/presentationml/2006/main">
+  <p:tag name="KSO_WM_BEAUTIFY_FLAG" val=""/>
+</p:tagLst>
+</file>
+
+<file path=ppt/tags/tag195.xml><?xml version="1.0" encoding="utf-8"?>
+<p:tagLst xmlns:p="http://schemas.openxmlformats.org/presentationml/2006/main">
+  <p:tag name="KSO_WM_BEAUTIFY_FLAG" val=""/>
+</p:tagLst>
+</file>
+
+<file path=ppt/tags/tag196.xml><?xml version="1.0" encoding="utf-8"?>
+<p:tagLst xmlns:p="http://schemas.openxmlformats.org/presentationml/2006/main">
+  <p:tag name="KSO_WM_BEAUTIFY_FLAG" val=""/>
+</p:tagLst>
+</file>
+
+<file path=ppt/tags/tag197.xml><?xml version="1.0" encoding="utf-8"?>
+<p:tagLst xmlns:p="http://schemas.openxmlformats.org/presentationml/2006/main">
+  <p:tag name="KSO_WM_SLIDE_ID" val="custom20202614_9"/>
+  <p:tag name="KSO_WM_TEMPLATE_SUBCATEGORY" val="0"/>
+  <p:tag name="KSO_WM_SLIDE_TYPE" val="text"/>
+  <p:tag name="KSO_WM_SLIDE_SUBTYPE" val="pureTxt"/>
+  <p:tag name="KSO_WM_SLIDE_ITEM_CNT" val="0"/>
+  <p:tag name="KSO_WM_SLIDE_INDEX" val="9"/>
+  <p:tag name="KSO_WM_SLIDE_SIZE" val="758*343"/>
+  <p:tag name="KSO_WM_SLIDE_POSITION" val="100*98"/>
+  <p:tag name="KSO_WM_TAG_VERSION" val="1.0"/>
+  <p:tag name="KSO_WM_BEAUTIFY_FLAG" val="#wm#"/>
+  <p:tag name="KSO_WM_TEMPLATE_CATEGORY" val="custom"/>
+  <p:tag name="KSO_WM_TEMPLATE_INDEX" val="20202614"/>
+  <p:tag name="KSO_WM_SLIDE_LAYOUT" val="a_f"/>
+  <p:tag name="KSO_WM_SLIDE_LAYOUT_CNT" val="1_1"/>
+  <p:tag name="KSO_WM_TEMPLATE_MASTER_TYPE" val="1"/>
+  <p:tag name="KSO_WM_TEMPLATE_COLOR_TYPE" val="1"/>
+  <p:tag name="KSO_WM_SPECIAL_SOURCE" val="bdnull"/>
+</p:tagLst>
+</file>
+
+<file path=ppt/tags/tag198.xml><?xml version="1.0" encoding="utf-8"?>
+<p:tagLst xmlns:p="http://schemas.openxmlformats.org/presentationml/2006/main">
+  <p:tag name="KSO_WM_UNIT_ISCONTENTSTITLE" val="0"/>
+  <p:tag name="KSO_WM_UNIT_PRESET_TEXT" val="单击此处添加标题"/>
+  <p:tag name="KSO_WM_UNIT_NOCLEAR" val="0"/>
+  <p:tag name="KSO_WM_UNIT_VALUE" val="26"/>
+  <p:tag name="KSO_WM_UNIT_HIGHLIGHT" val="0"/>
+  <p:tag name="KSO_WM_UNIT_COMPATIBLE" val="0"/>
+  <p:tag name="KSO_WM_UNIT_DIAGRAM_ISNUMVISUAL" val="0"/>
+  <p:tag name="KSO_WM_UNIT_DIAGRAM_ISREFERUNIT" val="0"/>
+  <p:tag name="KSO_WM_UNIT_TYPE" val="a"/>
+  <p:tag name="KSO_WM_UNIT_INDEX" val="1"/>
+  <p:tag name="KSO_WM_UNIT_ID" val="custom20202614_9*a*1"/>
+  <p:tag name="KSO_WM_TEMPLATE_CATEGORY" val="custom"/>
+  <p:tag name="KSO_WM_TEMPLATE_INDEX" val="20202614"/>
+  <p:tag name="KSO_WM_UNIT_LAYERLEVEL" val="1"/>
+  <p:tag name="KSO_WM_TAG_VERSION" val="1.0"/>
+  <p:tag name="KSO_WM_BEAUTIFY_FLAG" val="#wm#"/>
+  <p:tag name="KSO_WM_UNIT_ISNUMDGMTITLE" val="0"/>
+</p:tagLst>
+</file>
+
+<file path=ppt/tags/tag199.xml><?xml version="1.0" encoding="utf-8"?>
+<p:tagLst xmlns:p="http://schemas.openxmlformats.org/presentationml/2006/main">
+  <p:tag name="KSO_WM_BEAUTIFY_FLAG" val=""/>
+</p:tagLst>
+</file>
+
+<file path=ppt/tags/tag2.xml><?xml version="1.0" encoding="utf-8"?>
+<p:tagLst xmlns:p="http://schemas.openxmlformats.org/presentationml/2006/main">
+  <p:tag name="KSO_WM_UNIT_HIGHLIGHT" val="0"/>
+  <p:tag name="KSO_WM_UNIT_COMPATIBLE" val="0"/>
+  <p:tag name="KSO_WM_UNIT_DIAGRAM_ISNUMVISUAL" val="0"/>
+  <p:tag name="KSO_WM_UNIT_DIAGRAM_ISREFERUNIT" val="0"/>
+  <p:tag name="KSO_WM_UNIT_ID" val="_1**"/>
+  <p:tag name="KSO_WM_UNIT_LAYERLEVEL" val="1"/>
+  <p:tag name="KSO_WM_TAG_VERSION" val="1.0"/>
+  <p:tag name="KSO_WM_BEAUTIFY_FLAG" val="#wm#"/>
+</p:tagLst>
+</file>
+
+<file path=ppt/tags/tag20.xml><?xml version="1.0" encoding="utf-8"?>
+<p:tagLst xmlns:p="http://schemas.openxmlformats.org/presentationml/2006/main">
+  <p:tag name="KSO_WM_UNIT_HIGHLIGHT" val="0"/>
+  <p:tag name="KSO_WM_UNIT_COMPATIBLE" val="0"/>
+  <p:tag name="KSO_WM_UNIT_DIAGRAM_ISNUMVISUAL" val="0"/>
+  <p:tag name="KSO_WM_UNIT_DIAGRAM_ISREFERUNIT" val="0"/>
+  <p:tag name="KSO_WM_UNIT_ID" val="_3**"/>
+  <p:tag name="KSO_WM_UNIT_LAYERLEVEL" val="1"/>
+  <p:tag name="KSO_WM_TAG_VERSION" val="1.0"/>
+  <p:tag name="KSO_WM_BEAUTIFY_FLAG" val="#wm#"/>
+</p:tagLst>
+</file>
+
+<file path=ppt/tags/tag200.xml><?xml version="1.0" encoding="utf-8"?>
+<p:tagLst xmlns:p="http://schemas.openxmlformats.org/presentationml/2006/main">
+  <p:tag name="KSO_WM_BEAUTIFY_FLAG" val=""/>
+</p:tagLst>
+</file>
+
+<file path=ppt/tags/tag201.xml><?xml version="1.0" encoding="utf-8"?>
+<p:tagLst xmlns:p="http://schemas.openxmlformats.org/presentationml/2006/main">
+  <p:tag name="KSO_WM_BEAUTIFY_FLAG" val=""/>
+  <p:tag name="KSO_WM_UNIT_PLACING_PICTURE_USER_VIEWPORT" val="{&quot;height&quot;:3548,&quot;width&quot;:4980}"/>
+</p:tagLst>
+</file>
+
+<file path=ppt/tags/tag202.xml><?xml version="1.0" encoding="utf-8"?>
+<p:tagLst xmlns:p="http://schemas.openxmlformats.org/presentationml/2006/main">
+  <p:tag name="KSO_WM_BEAUTIFY_FLAG" val=""/>
+</p:tagLst>
+</file>
+
+<file path=ppt/tags/tag203.xml><?xml version="1.0" encoding="utf-8"?>
+<p:tagLst xmlns:p="http://schemas.openxmlformats.org/presentationml/2006/main">
+  <p:tag name="KSO_WM_BEAUTIFY_FLAG" val=""/>
+</p:tagLst>
+</file>
+
+<file path=ppt/tags/tag204.xml><?xml version="1.0" encoding="utf-8"?>
+<p:tagLst xmlns:p="http://schemas.openxmlformats.org/presentationml/2006/main">
+  <p:tag name="KSO_WM_SLIDE_ID" val="custom20202614_9"/>
+  <p:tag name="KSO_WM_TEMPLATE_SUBCATEGORY" val="0"/>
+  <p:tag name="KSO_WM_SLIDE_TYPE" val="text"/>
+  <p:tag name="KSO_WM_SLIDE_SUBTYPE" val="pureTxt"/>
+  <p:tag name="KSO_WM_SLIDE_ITEM_CNT" val="0"/>
+  <p:tag name="KSO_WM_SLIDE_INDEX" val="9"/>
+  <p:tag name="KSO_WM_SLIDE_SIZE" val="758*343"/>
+  <p:tag name="KSO_WM_SLIDE_POSITION" val="100*98"/>
+  <p:tag name="KSO_WM_TAG_VERSION" val="1.0"/>
+  <p:tag name="KSO_WM_BEAUTIFY_FLAG" val="#wm#"/>
+  <p:tag name="KSO_WM_TEMPLATE_CATEGORY" val="custom"/>
+  <p:tag name="KSO_WM_TEMPLATE_INDEX" val="20202614"/>
+  <p:tag name="KSO_WM_SLIDE_LAYOUT" val="a_f"/>
+  <p:tag name="KSO_WM_SLIDE_LAYOUT_CNT" val="1_1"/>
+  <p:tag name="KSO_WM_TEMPLATE_MASTER_TYPE" val="1"/>
+  <p:tag name="KSO_WM_TEMPLATE_COLOR_TYPE" val="1"/>
+  <p:tag name="KSO_WM_SPECIAL_SOURCE" val="bdnull"/>
+</p:tagLst>
+</file>
+
+<file path=ppt/tags/tag205.xml><?xml version="1.0" encoding="utf-8"?>
+<p:tagLst xmlns:p="http://schemas.openxmlformats.org/presentationml/2006/main">
+  <p:tag name="KSO_WM_UNIT_ISCONTENTSTITLE" val="0"/>
+  <p:tag name="KSO_WM_UNIT_PRESET_TEXT" val="单击此处添加标题"/>
+  <p:tag name="KSO_WM_UNIT_NOCLEAR" val="0"/>
+  <p:tag name="KSO_WM_UNIT_VALUE" val="26"/>
+  <p:tag name="KSO_WM_UNIT_HIGHLIGHT" val="0"/>
+  <p:tag name="KSO_WM_UNIT_COMPATIBLE" val="0"/>
+  <p:tag name="KSO_WM_UNIT_DIAGRAM_ISNUMVISUAL" val="0"/>
+  <p:tag name="KSO_WM_UNIT_DIAGRAM_ISREFERUNIT" val="0"/>
+  <p:tag name="KSO_WM_UNIT_TYPE" val="a"/>
+  <p:tag name="KSO_WM_UNIT_INDEX" val="1"/>
+  <p:tag name="KSO_WM_UNIT_ID" val="custom20202614_9*a*1"/>
+  <p:tag name="KSO_WM_TEMPLATE_CATEGORY" val="custom"/>
+  <p:tag name="KSO_WM_TEMPLATE_INDEX" val="20202614"/>
+  <p:tag name="KSO_WM_UNIT_LAYERLEVEL" val="1"/>
+  <p:tag name="KSO_WM_TAG_VERSION" val="1.0"/>
+  <p:tag name="KSO_WM_BEAUTIFY_FLAG" val="#wm#"/>
+  <p:tag name="KSO_WM_UNIT_ISNUMDGMTITLE" val="0"/>
+</p:tagLst>
+</file>
+
+<file path=ppt/tags/tag206.xml><?xml version="1.0" encoding="utf-8"?>
+<p:tagLst xmlns:p="http://schemas.openxmlformats.org/presentationml/2006/main">
+  <p:tag name="KSO_WM_BEAUTIFY_FLAG" val=""/>
+</p:tagLst>
+</file>
+
+<file path=ppt/tags/tag207.xml><?xml version="1.0" encoding="utf-8"?>
+<p:tagLst xmlns:p="http://schemas.openxmlformats.org/presentationml/2006/main">
+  <p:tag name="KSO_WM_BEAUTIFY_FLAG" val=""/>
+</p:tagLst>
+</file>
+
+<file path=ppt/tags/tag208.xml><?xml version="1.0" encoding="utf-8"?>
+<p:tagLst xmlns:p="http://schemas.openxmlformats.org/presentationml/2006/main">
+  <p:tag name="KSO_WM_SLIDE_ID" val="custom20202614_9"/>
+  <p:tag name="KSO_WM_TEMPLATE_SUBCATEGORY" val="0"/>
+  <p:tag name="KSO_WM_SLIDE_TYPE" val="text"/>
+  <p:tag name="KSO_WM_SLIDE_SUBTYPE" val="pureTxt"/>
+  <p:tag name="KSO_WM_SLIDE_ITEM_CNT" val="0"/>
+  <p:tag name="KSO_WM_SLIDE_INDEX" val="9"/>
+  <p:tag name="KSO_WM_SLIDE_SIZE" val="758*343"/>
+  <p:tag name="KSO_WM_SLIDE_POSITION" val="100*98"/>
+  <p:tag name="KSO_WM_TAG_VERSION" val="1.0"/>
+  <p:tag name="KSO_WM_BEAUTIFY_FLAG" val="#wm#"/>
+  <p:tag name="KSO_WM_TEMPLATE_CATEGORY" val="custom"/>
+  <p:tag name="KSO_WM_TEMPLATE_INDEX" val="20202614"/>
+  <p:tag name="KSO_WM_SLIDE_LAYOUT" val="a_f"/>
+  <p:tag name="KSO_WM_SLIDE_LAYOUT_CNT" val="1_1"/>
+  <p:tag name="KSO_WM_TEMPLATE_MASTER_TYPE" val="1"/>
+  <p:tag name="KSO_WM_TEMPLATE_COLOR_TYPE" val="1"/>
+  <p:tag name="KSO_WM_SPECIAL_SOURCE" val="bdnull"/>
+</p:tagLst>
+</file>
+
+<file path=ppt/tags/tag209.xml><?xml version="1.0" encoding="utf-8"?>
+<p:tagLst xmlns:p="http://schemas.openxmlformats.org/presentationml/2006/main">
+  <p:tag name="KSO_WM_UNIT_ISCONTENTSTITLE" val="0"/>
+  <p:tag name="KSO_WM_UNIT_PRESET_TEXT" val="单击此处添加标题"/>
+  <p:tag name="KSO_WM_UNIT_NOCLEAR" val="0"/>
+  <p:tag name="KSO_WM_UNIT_VALUE" val="26"/>
+  <p:tag name="KSO_WM_UNIT_HIGHLIGHT" val="0"/>
+  <p:tag name="KSO_WM_UNIT_COMPATIBLE" val="0"/>
+  <p:tag name="KSO_WM_UNIT_DIAGRAM_ISNUMVISUAL" val="0"/>
+  <p:tag name="KSO_WM_UNIT_DIAGRAM_ISREFERUNIT" val="0"/>
+  <p:tag name="KSO_WM_UNIT_TYPE" val="a"/>
+  <p:tag name="KSO_WM_UNIT_INDEX" val="1"/>
+  <p:tag name="KSO_WM_UNIT_ID" val="custom20202614_9*a*1"/>
+  <p:tag name="KSO_WM_TEMPLATE_CATEGORY" val="custom"/>
+  <p:tag name="KSO_WM_TEMPLATE_INDEX" val="20202614"/>
+  <p:tag name="KSO_WM_UNIT_LAYERLEVEL" val="1"/>
+  <p:tag name="KSO_WM_TAG_VERSION" val="1.0"/>
+  <p:tag name="KSO_WM_BEAUTIFY_FLAG" val="#wm#"/>
+  <p:tag name="KSO_WM_UNIT_ISNUMDGMTITLE" val="0"/>
+</p:tagLst>
+</file>
+
+<file path=ppt/tags/tag21.xml><?xml version="1.0" encoding="utf-8"?>
+<p:tagLst xmlns:p="http://schemas.openxmlformats.org/presentationml/2006/main">
+  <p:tag name="KSO_WM_UNIT_HIGHLIGHT" val="0"/>
+  <p:tag name="KSO_WM_UNIT_COMPATIBLE" val="0"/>
+  <p:tag name="KSO_WM_UNIT_DIAGRAM_ISNUMVISUAL" val="0"/>
+  <p:tag name="KSO_WM_UNIT_DIAGRAM_ISREFERUNIT" val="0"/>
+  <p:tag name="KSO_WM_UNIT_ID" val="_3**"/>
+  <p:tag name="KSO_WM_UNIT_LAYERLEVEL" val="1"/>
+  <p:tag name="KSO_WM_TAG_VERSION" val="1.0"/>
+  <p:tag name="KSO_WM_BEAUTIFY_FLAG" val="#wm#"/>
+</p:tagLst>
+</file>
+
+<file path=ppt/tags/tag210.xml><?xml version="1.0" encoding="utf-8"?>
+<p:tagLst xmlns:p="http://schemas.openxmlformats.org/presentationml/2006/main">
+  <p:tag name="KSO_WM_BEAUTIFY_FLAG" val=""/>
+</p:tagLst>
+</file>
+
+<file path=ppt/tags/tag211.xml><?xml version="1.0" encoding="utf-8"?>
+<p:tagLst xmlns:p="http://schemas.openxmlformats.org/presentationml/2006/main">
+  <p:tag name="KSO_WM_SLIDE_ID" val="custom20202614_9"/>
+  <p:tag name="KSO_WM_TEMPLATE_SUBCATEGORY" val="0"/>
+  <p:tag name="KSO_WM_SLIDE_TYPE" val="text"/>
+  <p:tag name="KSO_WM_SLIDE_SUBTYPE" val="pureTxt"/>
+  <p:tag name="KSO_WM_SLIDE_ITEM_CNT" val="0"/>
+  <p:tag name="KSO_WM_SLIDE_INDEX" val="9"/>
+  <p:tag name="KSO_WM_SLIDE_SIZE" val="758*343"/>
+  <p:tag name="KSO_WM_SLIDE_POSITION" val="100*98"/>
+  <p:tag name="KSO_WM_TAG_VERSION" val="1.0"/>
+  <p:tag name="KSO_WM_BEAUTIFY_FLAG" val="#wm#"/>
+  <p:tag name="KSO_WM_TEMPLATE_CATEGORY" val="custom"/>
+  <p:tag name="KSO_WM_TEMPLATE_INDEX" val="20202614"/>
+  <p:tag name="KSO_WM_SLIDE_LAYOUT" val="a_f"/>
+  <p:tag name="KSO_WM_SLIDE_LAYOUT_CNT" val="1_1"/>
+  <p:tag name="KSO_WM_TEMPLATE_MASTER_TYPE" val="1"/>
+  <p:tag name="KSO_WM_TEMPLATE_COLOR_TYPE" val="1"/>
+  <p:tag name="KSO_WM_SPECIAL_SOURCE" val="bdnull"/>
+</p:tagLst>
+</file>
+
+<file path=ppt/tags/tag212.xml><?xml version="1.0" encoding="utf-8"?>
 <p:tagLst xmlns:p="http://schemas.openxmlformats.org/presentationml/2006/main">
   <p:tag name="KSO_WM_UNIT_HIGHLIGHT" val="0"/>
   <p:tag name="KSO_WM_UNIT_COMPATIBLE" val="0"/>
@@ -19676,7 +20787,7 @@
 </p:tagLst>
 </file>
 
-<file path=ppt/tags/tag186.xml><?xml version="1.0" encoding="utf-8"?>
+<file path=ppt/tags/tag213.xml><?xml version="1.0" encoding="utf-8"?>
 <p:tagLst xmlns:p="http://schemas.openxmlformats.org/presentationml/2006/main">
   <p:tag name="KSO_WM_UNIT_HIGHLIGHT" val="0"/>
   <p:tag name="KSO_WM_UNIT_COMPATIBLE" val="0"/>
@@ -19693,7 +20804,7 @@
 </p:tagLst>
 </file>
 
-<file path=ppt/tags/tag187.xml><?xml version="1.0" encoding="utf-8"?>
+<file path=ppt/tags/tag214.xml><?xml version="1.0" encoding="utf-8"?>
 <p:tagLst xmlns:p="http://schemas.openxmlformats.org/presentationml/2006/main">
   <p:tag name="KSO_WM_UNIT_HIGHLIGHT" val="0"/>
   <p:tag name="KSO_WM_UNIT_COMPATIBLE" val="0"/>
@@ -19713,7 +20824,7 @@
 </p:tagLst>
 </file>
 
-<file path=ppt/tags/tag188.xml><?xml version="1.0" encoding="utf-8"?>
+<file path=ppt/tags/tag215.xml><?xml version="1.0" encoding="utf-8"?>
 <p:tagLst xmlns:p="http://schemas.openxmlformats.org/presentationml/2006/main">
   <p:tag name="KSO_WM_UNIT_HIGHLIGHT" val="0"/>
   <p:tag name="KSO_WM_UNIT_COMPATIBLE" val="0"/>
@@ -19735,43 +20846,7 @@
 </p:tagLst>
 </file>
 
-<file path=ppt/tags/tag189.xml><?xml version="1.0" encoding="utf-8"?>
-<p:tagLst xmlns:p="http://schemas.openxmlformats.org/presentationml/2006/main">
-  <p:tag name="KSO_WM_UNIT_HIGHLIGHT" val="0"/>
-  <p:tag name="KSO_WM_UNIT_COMPATIBLE" val="0"/>
-  <p:tag name="KSO_WM_UNIT_DIAGRAM_ISNUMVISUAL" val="0"/>
-  <p:tag name="KSO_WM_UNIT_DIAGRAM_ISREFERUNIT" val="0"/>
-  <p:tag name="KSO_WM_UNIT_ID" val="custom20202614_7*b*1"/>
-  <p:tag name="KSO_WM_TEMPLATE_CATEGORY" val="custom"/>
-  <p:tag name="KSO_WM_TEMPLATE_INDEX" val="20202614"/>
-  <p:tag name="KSO_WM_UNIT_LAYERLEVEL" val="1"/>
-  <p:tag name="KSO_WM_TAG_VERSION" val="1.0"/>
-  <p:tag name="KSO_WM_BEAUTIFY_FLAG" val="#wm#"/>
-  <p:tag name="KSO_WM_UNIT_ISCONTENTSTITLE" val="0"/>
-  <p:tag name="KSO_WM_UNIT_NOCLEAR" val="0"/>
-  <p:tag name="KSO_WM_UNIT_VALUE" val="69"/>
-  <p:tag name="KSO_WM_UNIT_TYPE" val="b"/>
-  <p:tag name="KSO_WM_UNIT_INDEX" val="1"/>
-  <p:tag name="KSO_WM_UNIT_PRESET_TEXT" val="单击此处添加文本具体内容，简明扼要的阐述您的观点。"/>
-  <p:tag name="KSO_WM_UNIT_ISNUMDGMTITLE" val="0"/>
-</p:tagLst>
-</file>
-
-<file path=ppt/tags/tag19.xml><?xml version="1.0" encoding="utf-8"?>
-<p:tagLst xmlns:p="http://schemas.openxmlformats.org/presentationml/2006/main">
-  <p:tag name="KSO_WM_UNIT_HIGHLIGHT" val="0"/>
-  <p:tag name="KSO_WM_UNIT_COMPATIBLE" val="0"/>
-  <p:tag name="KSO_WM_UNIT_DIAGRAM_ISNUMVISUAL" val="0"/>
-  <p:tag name="KSO_WM_UNIT_DIAGRAM_ISREFERUNIT" val="0"/>
-  <p:tag name="KSO_WM_UNIT_ID" val="_3**"/>
-  <p:tag name="KSO_WM_UNIT_LAYERLEVEL" val="1"/>
-  <p:tag name="KSO_WM_TAG_VERSION" val="1.0"/>
-  <p:tag name="KSO_WM_BEAUTIFY_FLAG" val="#wm#"/>
-  <p:tag name="KSO_WM_UNIT_BK_DARK_LIGHT" val="2"/>
-</p:tagLst>
-</file>
-
-<file path=ppt/tags/tag190.xml><?xml version="1.0" encoding="utf-8"?>
+<file path=ppt/tags/tag216.xml><?xml version="1.0" encoding="utf-8"?>
 <p:tagLst xmlns:p="http://schemas.openxmlformats.org/presentationml/2006/main">
   <p:tag name="KSO_WM_SLIDE_ID" val="custom20202614_7"/>
   <p:tag name="KSO_WM_TEMPLATE_SUBCATEGORY" val="0"/>
@@ -19791,7 +20866,7 @@
 </p:tagLst>
 </file>
 
-<file path=ppt/tags/tag191.xml><?xml version="1.0" encoding="utf-8"?>
+<file path=ppt/tags/tag217.xml><?xml version="1.0" encoding="utf-8"?>
 <p:tagLst xmlns:p="http://schemas.openxmlformats.org/presentationml/2006/main">
   <p:tag name="KSO_WM_UNIT_ISCONTENTSTITLE" val="0"/>
   <p:tag name="KSO_WM_UNIT_PRESET_TEXT" val="单击此处添加标题"/>
@@ -19813,35 +20888,35 @@
 </p:tagLst>
 </file>
 
-<file path=ppt/tags/tag192.xml><?xml version="1.0" encoding="utf-8"?>
+<file path=ppt/tags/tag218.xml><?xml version="1.0" encoding="utf-8"?>
 <p:tagLst xmlns:p="http://schemas.openxmlformats.org/presentationml/2006/main">
   <p:tag name="KSO_WM_BEAUTIFY_FLAG" val=""/>
 </p:tagLst>
 </file>
 
-<file path=ppt/tags/tag193.xml><?xml version="1.0" encoding="utf-8"?>
-<p:tagLst xmlns:p="http://schemas.openxmlformats.org/presentationml/2006/main">
-  <p:tag name="KSO_WM_SLIDE_ID" val="custom20202614_9"/>
-  <p:tag name="KSO_WM_TEMPLATE_SUBCATEGORY" val="0"/>
-  <p:tag name="KSO_WM_SLIDE_TYPE" val="text"/>
-  <p:tag name="KSO_WM_SLIDE_SUBTYPE" val="pureTxt"/>
-  <p:tag name="KSO_WM_SLIDE_ITEM_CNT" val="0"/>
-  <p:tag name="KSO_WM_SLIDE_INDEX" val="9"/>
-  <p:tag name="KSO_WM_SLIDE_SIZE" val="758*343"/>
-  <p:tag name="KSO_WM_SLIDE_POSITION" val="100*98"/>
-  <p:tag name="KSO_WM_TAG_VERSION" val="1.0"/>
+<file path=ppt/tags/tag219.xml><?xml version="1.0" encoding="utf-8"?>
+<p:tagLst xmlns:p="http://schemas.openxmlformats.org/presentationml/2006/main">
   <p:tag name="KSO_WM_BEAUTIFY_FLAG" val="#wm#"/>
   <p:tag name="KSO_WM_TEMPLATE_CATEGORY" val="custom"/>
   <p:tag name="KSO_WM_TEMPLATE_INDEX" val="20202614"/>
-  <p:tag name="KSO_WM_SLIDE_LAYOUT" val="a_f"/>
-  <p:tag name="KSO_WM_SLIDE_LAYOUT_CNT" val="1_1"/>
-  <p:tag name="KSO_WM_TEMPLATE_MASTER_TYPE" val="1"/>
-  <p:tag name="KSO_WM_TEMPLATE_COLOR_TYPE" val="1"/>
   <p:tag name="KSO_WM_SPECIAL_SOURCE" val="bdnull"/>
 </p:tagLst>
 </file>
 
-<file path=ppt/tags/tag194.xml><?xml version="1.0" encoding="utf-8"?>
+<file path=ppt/tags/tag22.xml><?xml version="1.0" encoding="utf-8"?>
+<p:tagLst xmlns:p="http://schemas.openxmlformats.org/presentationml/2006/main">
+  <p:tag name="KSO_WM_UNIT_HIGHLIGHT" val="0"/>
+  <p:tag name="KSO_WM_UNIT_COMPATIBLE" val="0"/>
+  <p:tag name="KSO_WM_UNIT_DIAGRAM_ISNUMVISUAL" val="0"/>
+  <p:tag name="KSO_WM_UNIT_DIAGRAM_ISREFERUNIT" val="0"/>
+  <p:tag name="KSO_WM_UNIT_ID" val="_3**"/>
+  <p:tag name="KSO_WM_UNIT_LAYERLEVEL" val="1"/>
+  <p:tag name="KSO_WM_TAG_VERSION" val="1.0"/>
+  <p:tag name="KSO_WM_BEAUTIFY_FLAG" val="#wm#"/>
+</p:tagLst>
+</file>
+
+<file path=ppt/tags/tag220.xml><?xml version="1.0" encoding="utf-8"?>
 <p:tagLst xmlns:p="http://schemas.openxmlformats.org/presentationml/2006/main">
   <p:tag name="KSO_WM_UNIT_ISCONTENTSTITLE" val="0"/>
   <p:tag name="KSO_WM_UNIT_PRESET_TEXT" val="单击此处添加标题"/>
@@ -19863,41 +20938,118 @@
 </p:tagLst>
 </file>
 
-<file path=ppt/tags/tag195.xml><?xml version="1.0" encoding="utf-8"?>
+<file path=ppt/tags/tag221.xml><?xml version="1.0" encoding="utf-8"?>
 <p:tagLst xmlns:p="http://schemas.openxmlformats.org/presentationml/2006/main">
   <p:tag name="KSO_WM_BEAUTIFY_FLAG" val=""/>
 </p:tagLst>
 </file>
 
-<file path=ppt/tags/tag196.xml><?xml version="1.0" encoding="utf-8"?>
-<p:tagLst xmlns:p="http://schemas.openxmlformats.org/presentationml/2006/main">
-  <p:tag name="KSO_WM_BEAUTIFY_FLAG" val=""/>
-</p:tagLst>
-</file>
-
-<file path=ppt/tags/tag197.xml><?xml version="1.0" encoding="utf-8"?>
-<p:tagLst xmlns:p="http://schemas.openxmlformats.org/presentationml/2006/main">
-  <p:tag name="KSO_WM_SLIDE_ID" val="custom20202614_9"/>
+<file path=ppt/tags/tag222.xml><?xml version="1.0" encoding="utf-8"?>
+<p:tagLst xmlns:p="http://schemas.openxmlformats.org/presentationml/2006/main">
+  <p:tag name="KSO_WM_BEAUTIFY_FLAG" val="#wm#"/>
+  <p:tag name="KSO_WM_TEMPLATE_CATEGORY" val="custom"/>
+  <p:tag name="KSO_WM_TEMPLATE_INDEX" val="20202614"/>
+  <p:tag name="KSO_WM_SPECIAL_SOURCE" val="bdnull"/>
+</p:tagLst>
+</file>
+
+<file path=ppt/tags/tag223.xml><?xml version="1.0" encoding="utf-8"?>
+<p:tagLst xmlns:p="http://schemas.openxmlformats.org/presentationml/2006/main">
+  <p:tag name="KSO_WM_UNIT_HIGHLIGHT" val="0"/>
+  <p:tag name="KSO_WM_UNIT_COMPATIBLE" val="0"/>
+  <p:tag name="KSO_WM_UNIT_DIAGRAM_ISNUMVISUAL" val="0"/>
+  <p:tag name="KSO_WM_UNIT_DIAGRAM_ISREFERUNIT" val="0"/>
+  <p:tag name="KSO_WM_UNIT_ID" val="custom20202614_7*i*1"/>
+  <p:tag name="KSO_WM_TEMPLATE_CATEGORY" val="custom"/>
+  <p:tag name="KSO_WM_TEMPLATE_INDEX" val="20202614"/>
+  <p:tag name="KSO_WM_UNIT_LAYERLEVEL" val="1"/>
+  <p:tag name="KSO_WM_TAG_VERSION" val="1.0"/>
+  <p:tag name="KSO_WM_BEAUTIFY_FLAG" val="#wm#"/>
+  <p:tag name="KSO_WM_UNIT_TYPE" val="i"/>
+  <p:tag name="KSO_WM_UNIT_INDEX" val="1"/>
+</p:tagLst>
+</file>
+
+<file path=ppt/tags/tag224.xml><?xml version="1.0" encoding="utf-8"?>
+<p:tagLst xmlns:p="http://schemas.openxmlformats.org/presentationml/2006/main">
+  <p:tag name="KSO_WM_UNIT_HIGHLIGHT" val="0"/>
+  <p:tag name="KSO_WM_UNIT_COMPATIBLE" val="0"/>
+  <p:tag name="KSO_WM_UNIT_DIAGRAM_ISNUMVISUAL" val="0"/>
+  <p:tag name="KSO_WM_UNIT_DIAGRAM_ISREFERUNIT" val="0"/>
+  <p:tag name="KSO_WM_UNIT_ID" val="custom20202614_7*i*2"/>
+  <p:tag name="KSO_WM_TEMPLATE_CATEGORY" val="custom"/>
+  <p:tag name="KSO_WM_TEMPLATE_INDEX" val="20202614"/>
+  <p:tag name="KSO_WM_UNIT_LAYERLEVEL" val="1"/>
+  <p:tag name="KSO_WM_TAG_VERSION" val="1.0"/>
+  <p:tag name="KSO_WM_BEAUTIFY_FLAG" val="#wm#"/>
+  <p:tag name="KSO_WM_UNIT_TYPE" val="i"/>
+  <p:tag name="KSO_WM_UNIT_INDEX" val="2"/>
+</p:tagLst>
+</file>
+
+<file path=ppt/tags/tag225.xml><?xml version="1.0" encoding="utf-8"?>
+<p:tagLst xmlns:p="http://schemas.openxmlformats.org/presentationml/2006/main">
+  <p:tag name="KSO_WM_UNIT_HIGHLIGHT" val="0"/>
+  <p:tag name="KSO_WM_UNIT_COMPATIBLE" val="0"/>
+  <p:tag name="KSO_WM_UNIT_DIAGRAM_ISNUMVISUAL" val="0"/>
+  <p:tag name="KSO_WM_UNIT_DIAGRAM_ISREFERUNIT" val="0"/>
+  <p:tag name="KSO_WM_UNIT_ID" val="custom20202614_7*e*1"/>
+  <p:tag name="KSO_WM_TEMPLATE_CATEGORY" val="custom"/>
+  <p:tag name="KSO_WM_TEMPLATE_INDEX" val="20202614"/>
+  <p:tag name="KSO_WM_UNIT_LAYERLEVEL" val="1"/>
+  <p:tag name="KSO_WM_TAG_VERSION" val="1.0"/>
+  <p:tag name="KSO_WM_BEAUTIFY_FLAG" val="#wm#"/>
+  <p:tag name="KSO_WM_UNIT_NOCLEAR" val="0"/>
+  <p:tag name="KSO_WM_UNIT_VALUE" val="3"/>
+  <p:tag name="KSO_WM_UNIT_TYPE" val="e"/>
+  <p:tag name="KSO_WM_UNIT_INDEX" val="1"/>
+  <p:tag name="KSO_WM_UNIT_PRESET_TEXT" val="01"/>
+</p:tagLst>
+</file>
+
+<file path=ppt/tags/tag226.xml><?xml version="1.0" encoding="utf-8"?>
+<p:tagLst xmlns:p="http://schemas.openxmlformats.org/presentationml/2006/main">
+  <p:tag name="KSO_WM_UNIT_HIGHLIGHT" val="0"/>
+  <p:tag name="KSO_WM_UNIT_COMPATIBLE" val="0"/>
+  <p:tag name="KSO_WM_UNIT_DIAGRAM_ISNUMVISUAL" val="0"/>
+  <p:tag name="KSO_WM_UNIT_DIAGRAM_ISREFERUNIT" val="0"/>
+  <p:tag name="KSO_WM_UNIT_ID" val="custom20202614_7*a*1"/>
+  <p:tag name="KSO_WM_TEMPLATE_CATEGORY" val="custom"/>
+  <p:tag name="KSO_WM_TEMPLATE_INDEX" val="20202614"/>
+  <p:tag name="KSO_WM_UNIT_LAYERLEVEL" val="1"/>
+  <p:tag name="KSO_WM_TAG_VERSION" val="1.0"/>
+  <p:tag name="KSO_WM_BEAUTIFY_FLAG" val="#wm#"/>
+  <p:tag name="KSO_WM_UNIT_ISCONTENTSTITLE" val="0"/>
+  <p:tag name="KSO_WM_UNIT_PRESET_TEXT" val="单击此处添加标题"/>
+  <p:tag name="KSO_WM_UNIT_NOCLEAR" val="0"/>
+  <p:tag name="KSO_WM_UNIT_VALUE" val="10"/>
+  <p:tag name="KSO_WM_UNIT_TYPE" val="a"/>
+  <p:tag name="KSO_WM_UNIT_INDEX" val="1"/>
+  <p:tag name="KSO_WM_UNIT_ISNUMDGMTITLE" val="0"/>
+</p:tagLst>
+</file>
+
+<file path=ppt/tags/tag227.xml><?xml version="1.0" encoding="utf-8"?>
+<p:tagLst xmlns:p="http://schemas.openxmlformats.org/presentationml/2006/main">
+  <p:tag name="KSO_WM_SLIDE_ID" val="custom20202614_7"/>
   <p:tag name="KSO_WM_TEMPLATE_SUBCATEGORY" val="0"/>
-  <p:tag name="KSO_WM_SLIDE_TYPE" val="text"/>
-  <p:tag name="KSO_WM_SLIDE_SUBTYPE" val="pureTxt"/>
+  <p:tag name="KSO_WM_TEMPLATE_MASTER_TYPE" val="1"/>
+  <p:tag name="KSO_WM_TEMPLATE_COLOR_TYPE" val="1"/>
   <p:tag name="KSO_WM_SLIDE_ITEM_CNT" val="0"/>
-  <p:tag name="KSO_WM_SLIDE_INDEX" val="9"/>
-  <p:tag name="KSO_WM_SLIDE_SIZE" val="758*343"/>
-  <p:tag name="KSO_WM_SLIDE_POSITION" val="100*98"/>
+  <p:tag name="KSO_WM_SLIDE_INDEX" val="7"/>
   <p:tag name="KSO_WM_TAG_VERSION" val="1.0"/>
   <p:tag name="KSO_WM_BEAUTIFY_FLAG" val="#wm#"/>
   <p:tag name="KSO_WM_TEMPLATE_CATEGORY" val="custom"/>
   <p:tag name="KSO_WM_TEMPLATE_INDEX" val="20202614"/>
-  <p:tag name="KSO_WM_SLIDE_LAYOUT" val="a_f"/>
-  <p:tag name="KSO_WM_SLIDE_LAYOUT_CNT" val="1_1"/>
-  <p:tag name="KSO_WM_TEMPLATE_MASTER_TYPE" val="1"/>
-  <p:tag name="KSO_WM_TEMPLATE_COLOR_TYPE" val="1"/>
+  <p:tag name="KSO_WM_SLIDE_LAYOUT" val="a_b_e"/>
+  <p:tag name="KSO_WM_SLIDE_LAYOUT_CNT" val="1_1_1"/>
+  <p:tag name="KSO_WM_SLIDE_TYPE" val="sectionTitle"/>
+  <p:tag name="KSO_WM_SLIDE_SUBTYPE" val="pureTxt"/>
   <p:tag name="KSO_WM_SPECIAL_SOURCE" val="bdnull"/>
 </p:tagLst>
 </file>
 
-<file path=ppt/tags/tag198.xml><?xml version="1.0" encoding="utf-8"?>
+<file path=ppt/tags/tag228.xml><?xml version="1.0" encoding="utf-8"?>
 <p:tagLst xmlns:p="http://schemas.openxmlformats.org/presentationml/2006/main">
   <p:tag name="KSO_WM_UNIT_ISCONTENTSTITLE" val="0"/>
   <p:tag name="KSO_WM_UNIT_PRESET_TEXT" val="单击此处添加标题"/>
@@ -19919,26 +21071,13 @@
 </p:tagLst>
 </file>
 
-<file path=ppt/tags/tag199.xml><?xml version="1.0" encoding="utf-8"?>
+<file path=ppt/tags/tag229.xml><?xml version="1.0" encoding="utf-8"?>
 <p:tagLst xmlns:p="http://schemas.openxmlformats.org/presentationml/2006/main">
   <p:tag name="KSO_WM_BEAUTIFY_FLAG" val=""/>
 </p:tagLst>
 </file>
 
-<file path=ppt/tags/tag2.xml><?xml version="1.0" encoding="utf-8"?>
-<p:tagLst xmlns:p="http://schemas.openxmlformats.org/presentationml/2006/main">
-  <p:tag name="KSO_WM_UNIT_HIGHLIGHT" val="0"/>
-  <p:tag name="KSO_WM_UNIT_COMPATIBLE" val="0"/>
-  <p:tag name="KSO_WM_UNIT_DIAGRAM_ISNUMVISUAL" val="0"/>
-  <p:tag name="KSO_WM_UNIT_DIAGRAM_ISREFERUNIT" val="0"/>
-  <p:tag name="KSO_WM_UNIT_ID" val="_1**"/>
-  <p:tag name="KSO_WM_UNIT_LAYERLEVEL" val="1"/>
-  <p:tag name="KSO_WM_TAG_VERSION" val="1.0"/>
-  <p:tag name="KSO_WM_BEAUTIFY_FLAG" val="#wm#"/>
-</p:tagLst>
-</file>
-
-<file path=ppt/tags/tag20.xml><?xml version="1.0" encoding="utf-8"?>
+<file path=ppt/tags/tag23.xml><?xml version="1.0" encoding="utf-8"?>
 <p:tagLst xmlns:p="http://schemas.openxmlformats.org/presentationml/2006/main">
   <p:tag name="KSO_WM_UNIT_HIGHLIGHT" val="0"/>
   <p:tag name="KSO_WM_UNIT_COMPATIBLE" val="0"/>
@@ -19951,41 +21090,16 @@
 </p:tagLst>
 </file>
 
-<file path=ppt/tags/tag200.xml><?xml version="1.0" encoding="utf-8"?>
-<p:tagLst xmlns:p="http://schemas.openxmlformats.org/presentationml/2006/main">
-  <p:tag name="KSO_WM_BEAUTIFY_FLAG" val=""/>
-</p:tagLst>
-</file>
-
-<file path=ppt/tags/tag201.xml><?xml version="1.0" encoding="utf-8"?>
-<p:tagLst xmlns:p="http://schemas.openxmlformats.org/presentationml/2006/main">
-  <p:tag name="KSO_WM_BEAUTIFY_FLAG" val=""/>
-</p:tagLst>
-</file>
-
-<file path=ppt/tags/tag202.xml><?xml version="1.0" encoding="utf-8"?>
-<p:tagLst xmlns:p="http://schemas.openxmlformats.org/presentationml/2006/main">
-  <p:tag name="KSO_WM_SLIDE_ID" val="custom20202614_9"/>
-  <p:tag name="KSO_WM_TEMPLATE_SUBCATEGORY" val="0"/>
-  <p:tag name="KSO_WM_SLIDE_TYPE" val="text"/>
-  <p:tag name="KSO_WM_SLIDE_SUBTYPE" val="pureTxt"/>
-  <p:tag name="KSO_WM_SLIDE_ITEM_CNT" val="0"/>
-  <p:tag name="KSO_WM_SLIDE_INDEX" val="9"/>
-  <p:tag name="KSO_WM_SLIDE_SIZE" val="758*343"/>
-  <p:tag name="KSO_WM_SLIDE_POSITION" val="100*98"/>
-  <p:tag name="KSO_WM_TAG_VERSION" val="1.0"/>
+<file path=ppt/tags/tag230.xml><?xml version="1.0" encoding="utf-8"?>
+<p:tagLst xmlns:p="http://schemas.openxmlformats.org/presentationml/2006/main">
   <p:tag name="KSO_WM_BEAUTIFY_FLAG" val="#wm#"/>
   <p:tag name="KSO_WM_TEMPLATE_CATEGORY" val="custom"/>
   <p:tag name="KSO_WM_TEMPLATE_INDEX" val="20202614"/>
-  <p:tag name="KSO_WM_SLIDE_LAYOUT" val="a_f"/>
-  <p:tag name="KSO_WM_SLIDE_LAYOUT_CNT" val="1_1"/>
-  <p:tag name="KSO_WM_TEMPLATE_MASTER_TYPE" val="1"/>
-  <p:tag name="KSO_WM_TEMPLATE_COLOR_TYPE" val="1"/>
   <p:tag name="KSO_WM_SPECIAL_SOURCE" val="bdnull"/>
 </p:tagLst>
 </file>
 
-<file path=ppt/tags/tag203.xml><?xml version="1.0" encoding="utf-8"?>
+<file path=ppt/tags/tag231.xml><?xml version="1.0" encoding="utf-8"?>
 <p:tagLst xmlns:p="http://schemas.openxmlformats.org/presentationml/2006/main">
   <p:tag name="KSO_WM_UNIT_ISCONTENTSTITLE" val="0"/>
   <p:tag name="KSO_WM_UNIT_PRESET_TEXT" val="单击此处添加标题"/>
@@ -20007,41 +21121,34 @@
 </p:tagLst>
 </file>
 
-<file path=ppt/tags/tag204.xml><?xml version="1.0" encoding="utf-8"?>
+<file path=ppt/tags/tag232.xml><?xml version="1.0" encoding="utf-8"?>
 <p:tagLst xmlns:p="http://schemas.openxmlformats.org/presentationml/2006/main">
   <p:tag name="KSO_WM_BEAUTIFY_FLAG" val=""/>
 </p:tagLst>
 </file>
 
-<file path=ppt/tags/tag205.xml><?xml version="1.0" encoding="utf-8"?>
+<file path=ppt/tags/tag233.xml><?xml version="1.0" encoding="utf-8"?>
 <p:tagLst xmlns:p="http://schemas.openxmlformats.org/presentationml/2006/main">
   <p:tag name="KSO_WM_BEAUTIFY_FLAG" val=""/>
 </p:tagLst>
 </file>
 
-<file path=ppt/tags/tag206.xml><?xml version="1.0" encoding="utf-8"?>
-<p:tagLst xmlns:p="http://schemas.openxmlformats.org/presentationml/2006/main">
-  <p:tag name="KSO_WM_SLIDE_ID" val="custom20202614_9"/>
-  <p:tag name="KSO_WM_TEMPLATE_SUBCATEGORY" val="0"/>
-  <p:tag name="KSO_WM_SLIDE_TYPE" val="text"/>
-  <p:tag name="KSO_WM_SLIDE_SUBTYPE" val="pureTxt"/>
-  <p:tag name="KSO_WM_SLIDE_ITEM_CNT" val="0"/>
-  <p:tag name="KSO_WM_SLIDE_INDEX" val="9"/>
-  <p:tag name="KSO_WM_SLIDE_SIZE" val="758*343"/>
-  <p:tag name="KSO_WM_SLIDE_POSITION" val="100*98"/>
-  <p:tag name="KSO_WM_TAG_VERSION" val="1.0"/>
+<file path=ppt/tags/tag234.xml><?xml version="1.0" encoding="utf-8"?>
+<p:tagLst xmlns:p="http://schemas.openxmlformats.org/presentationml/2006/main">
+  <p:tag name="KSO_WM_BEAUTIFY_FLAG" val=""/>
+</p:tagLst>
+</file>
+
+<file path=ppt/tags/tag235.xml><?xml version="1.0" encoding="utf-8"?>
+<p:tagLst xmlns:p="http://schemas.openxmlformats.org/presentationml/2006/main">
   <p:tag name="KSO_WM_BEAUTIFY_FLAG" val="#wm#"/>
   <p:tag name="KSO_WM_TEMPLATE_CATEGORY" val="custom"/>
   <p:tag name="KSO_WM_TEMPLATE_INDEX" val="20202614"/>
-  <p:tag name="KSO_WM_SLIDE_LAYOUT" val="a_f"/>
-  <p:tag name="KSO_WM_SLIDE_LAYOUT_CNT" val="1_1"/>
-  <p:tag name="KSO_WM_TEMPLATE_MASTER_TYPE" val="1"/>
-  <p:tag name="KSO_WM_TEMPLATE_COLOR_TYPE" val="1"/>
   <p:tag name="KSO_WM_SPECIAL_SOURCE" val="bdnull"/>
 </p:tagLst>
 </file>
 
-<file path=ppt/tags/tag207.xml><?xml version="1.0" encoding="utf-8"?>
+<file path=ppt/tags/tag236.xml><?xml version="1.0" encoding="utf-8"?>
 <p:tagLst xmlns:p="http://schemas.openxmlformats.org/presentationml/2006/main">
   <p:tag name="KSO_WM_UNIT_ISCONTENTSTITLE" val="0"/>
   <p:tag name="KSO_WM_UNIT_PRESET_TEXT" val="单击此处添加标题"/>
@@ -20063,19 +21170,26 @@
 </p:tagLst>
 </file>
 
-<file path=ppt/tags/tag208.xml><?xml version="1.0" encoding="utf-8"?>
+<file path=ppt/tags/tag237.xml><?xml version="1.0" encoding="utf-8"?>
 <p:tagLst xmlns:p="http://schemas.openxmlformats.org/presentationml/2006/main">
   <p:tag name="KSO_WM_BEAUTIFY_FLAG" val=""/>
 </p:tagLst>
 </file>
 
-<file path=ppt/tags/tag209.xml><?xml version="1.0" encoding="utf-8"?>
+<file path=ppt/tags/tag238.xml><?xml version="1.0" encoding="utf-8"?>
 <p:tagLst xmlns:p="http://schemas.openxmlformats.org/presentationml/2006/main">
   <p:tag name="KSO_WM_BEAUTIFY_FLAG" val=""/>
 </p:tagLst>
 </file>
 
-<file path=ppt/tags/tag21.xml><?xml version="1.0" encoding="utf-8"?>
+<file path=ppt/tags/tag239.xml><?xml version="1.0" encoding="utf-8"?>
+<p:tagLst xmlns:p="http://schemas.openxmlformats.org/presentationml/2006/main">
+  <p:tag name="KSO_WM_BEAUTIFY_FLAG" val=""/>
+  <p:tag name="KSO_WM_UNIT_PLACING_PICTURE_USER_VIEWPORT" val="{&quot;height&quot;:7201,&quot;width&quot;:8289}"/>
+</p:tagLst>
+</file>
+
+<file path=ppt/tags/tag24.xml><?xml version="1.0" encoding="utf-8"?>
 <p:tagLst xmlns:p="http://schemas.openxmlformats.org/presentationml/2006/main">
   <p:tag name="KSO_WM_UNIT_HIGHLIGHT" val="0"/>
   <p:tag name="KSO_WM_UNIT_COMPATIBLE" val="0"/>
@@ -20088,29 +21202,16 @@
 </p:tagLst>
 </file>
 
-<file path=ppt/tags/tag210.xml><?xml version="1.0" encoding="utf-8"?>
-<p:tagLst xmlns:p="http://schemas.openxmlformats.org/presentationml/2006/main">
-  <p:tag name="KSO_WM_SLIDE_ID" val="custom20202614_9"/>
-  <p:tag name="KSO_WM_TEMPLATE_SUBCATEGORY" val="0"/>
-  <p:tag name="KSO_WM_SLIDE_TYPE" val="text"/>
-  <p:tag name="KSO_WM_SLIDE_SUBTYPE" val="pureTxt"/>
-  <p:tag name="KSO_WM_SLIDE_ITEM_CNT" val="0"/>
-  <p:tag name="KSO_WM_SLIDE_INDEX" val="9"/>
-  <p:tag name="KSO_WM_SLIDE_SIZE" val="758*343"/>
-  <p:tag name="KSO_WM_SLIDE_POSITION" val="100*98"/>
-  <p:tag name="KSO_WM_TAG_VERSION" val="1.0"/>
+<file path=ppt/tags/tag240.xml><?xml version="1.0" encoding="utf-8"?>
+<p:tagLst xmlns:p="http://schemas.openxmlformats.org/presentationml/2006/main">
   <p:tag name="KSO_WM_BEAUTIFY_FLAG" val="#wm#"/>
   <p:tag name="KSO_WM_TEMPLATE_CATEGORY" val="custom"/>
   <p:tag name="KSO_WM_TEMPLATE_INDEX" val="20202614"/>
-  <p:tag name="KSO_WM_SLIDE_LAYOUT" val="a_f"/>
-  <p:tag name="KSO_WM_SLIDE_LAYOUT_CNT" val="1_1"/>
-  <p:tag name="KSO_WM_TEMPLATE_MASTER_TYPE" val="1"/>
-  <p:tag name="KSO_WM_TEMPLATE_COLOR_TYPE" val="1"/>
   <p:tag name="KSO_WM_SPECIAL_SOURCE" val="bdnull"/>
 </p:tagLst>
 </file>
 
-<file path=ppt/tags/tag211.xml><?xml version="1.0" encoding="utf-8"?>
+<file path=ppt/tags/tag241.xml><?xml version="1.0" encoding="utf-8"?>
 <p:tagLst xmlns:p="http://schemas.openxmlformats.org/presentationml/2006/main">
   <p:tag name="KSO_WM_UNIT_HIGHLIGHT" val="0"/>
   <p:tag name="KSO_WM_UNIT_COMPATIBLE" val="0"/>
@@ -20127,7 +21228,7 @@
 </p:tagLst>
 </file>
 
-<file path=ppt/tags/tag212.xml><?xml version="1.0" encoding="utf-8"?>
+<file path=ppt/tags/tag242.xml><?xml version="1.0" encoding="utf-8"?>
 <p:tagLst xmlns:p="http://schemas.openxmlformats.org/presentationml/2006/main">
   <p:tag name="KSO_WM_UNIT_HIGHLIGHT" val="0"/>
   <p:tag name="KSO_WM_UNIT_COMPATIBLE" val="0"/>
@@ -20144,7 +21245,7 @@
 </p:tagLst>
 </file>
 
-<file path=ppt/tags/tag213.xml><?xml version="1.0" encoding="utf-8"?>
+<file path=ppt/tags/tag243.xml><?xml version="1.0" encoding="utf-8"?>
 <p:tagLst xmlns:p="http://schemas.openxmlformats.org/presentationml/2006/main">
   <p:tag name="KSO_WM_UNIT_HIGHLIGHT" val="0"/>
   <p:tag name="KSO_WM_UNIT_COMPATIBLE" val="0"/>
@@ -20164,7 +21265,7 @@
 </p:tagLst>
 </file>
 
-<file path=ppt/tags/tag214.xml><?xml version="1.0" encoding="utf-8"?>
+<file path=ppt/tags/tag244.xml><?xml version="1.0" encoding="utf-8"?>
 <p:tagLst xmlns:p="http://schemas.openxmlformats.org/presentationml/2006/main">
   <p:tag name="KSO_WM_UNIT_HIGHLIGHT" val="0"/>
   <p:tag name="KSO_WM_UNIT_COMPATIBLE" val="0"/>
@@ -20186,7 +21287,29 @@
 </p:tagLst>
 </file>
 
-<file path=ppt/tags/tag215.xml><?xml version="1.0" encoding="utf-8"?>
+<file path=ppt/tags/tag245.xml><?xml version="1.0" encoding="utf-8"?>
+<p:tagLst xmlns:p="http://schemas.openxmlformats.org/presentationml/2006/main">
+  <p:tag name="KSO_WM_UNIT_HIGHLIGHT" val="0"/>
+  <p:tag name="KSO_WM_UNIT_COMPATIBLE" val="0"/>
+  <p:tag name="KSO_WM_UNIT_DIAGRAM_ISNUMVISUAL" val="0"/>
+  <p:tag name="KSO_WM_UNIT_DIAGRAM_ISREFERUNIT" val="0"/>
+  <p:tag name="KSO_WM_UNIT_ID" val="custom20202614_7*b*1"/>
+  <p:tag name="KSO_WM_TEMPLATE_CATEGORY" val="custom"/>
+  <p:tag name="KSO_WM_TEMPLATE_INDEX" val="20202614"/>
+  <p:tag name="KSO_WM_UNIT_LAYERLEVEL" val="1"/>
+  <p:tag name="KSO_WM_TAG_VERSION" val="1.0"/>
+  <p:tag name="KSO_WM_BEAUTIFY_FLAG" val=""/>
+  <p:tag name="KSO_WM_UNIT_ISCONTENTSTITLE" val="0"/>
+  <p:tag name="KSO_WM_UNIT_NOCLEAR" val="0"/>
+  <p:tag name="KSO_WM_UNIT_VALUE" val="69"/>
+  <p:tag name="KSO_WM_UNIT_TYPE" val="b"/>
+  <p:tag name="KSO_WM_UNIT_INDEX" val="1"/>
+  <p:tag name="KSO_WM_UNIT_PRESET_TEXT" val="单击此处添加文本具体内容，简明扼要的阐述您的观点。"/>
+  <p:tag name="KSO_WM_UNIT_ISNUMDGMTITLE" val="0"/>
+</p:tagLst>
+</file>
+
+<file path=ppt/tags/tag246.xml><?xml version="1.0" encoding="utf-8"?>
 <p:tagLst xmlns:p="http://schemas.openxmlformats.org/presentationml/2006/main">
   <p:tag name="KSO_WM_SLIDE_ID" val="custom20202614_7"/>
   <p:tag name="KSO_WM_TEMPLATE_SUBCATEGORY" val="0"/>
@@ -20206,7 +21329,7 @@
 </p:tagLst>
 </file>
 
-<file path=ppt/tags/tag216.xml><?xml version="1.0" encoding="utf-8"?>
+<file path=ppt/tags/tag247.xml><?xml version="1.0" encoding="utf-8"?>
 <p:tagLst xmlns:p="http://schemas.openxmlformats.org/presentationml/2006/main">
   <p:tag name="KSO_WM_UNIT_ISCONTENTSTITLE" val="0"/>
   <p:tag name="KSO_WM_UNIT_PRESET_TEXT" val="单击此处添加标题"/>
@@ -20228,13 +21351,32 @@
 </p:tagLst>
 </file>
 
-<file path=ppt/tags/tag217.xml><?xml version="1.0" encoding="utf-8"?>
+<file path=ppt/tags/tag248.xml><?xml version="1.0" encoding="utf-8"?>
 <p:tagLst xmlns:p="http://schemas.openxmlformats.org/presentationml/2006/main">
   <p:tag name="KSO_WM_BEAUTIFY_FLAG" val=""/>
 </p:tagLst>
 </file>
 
-<file path=ppt/tags/tag218.xml><?xml version="1.0" encoding="utf-8"?>
+<file path=ppt/tags/tag249.xml><?xml version="1.0" encoding="utf-8"?>
+<p:tagLst xmlns:p="http://schemas.openxmlformats.org/presentationml/2006/main">
+  <p:tag name="KSO_WM_BEAUTIFY_FLAG" val=""/>
+</p:tagLst>
+</file>
+
+<file path=ppt/tags/tag25.xml><?xml version="1.0" encoding="utf-8"?>
+<p:tagLst xmlns:p="http://schemas.openxmlformats.org/presentationml/2006/main">
+  <p:tag name="KSO_WM_UNIT_HIGHLIGHT" val="0"/>
+  <p:tag name="KSO_WM_UNIT_COMPATIBLE" val="0"/>
+  <p:tag name="KSO_WM_UNIT_DIAGRAM_ISNUMVISUAL" val="0"/>
+  <p:tag name="KSO_WM_UNIT_DIAGRAM_ISREFERUNIT" val="0"/>
+  <p:tag name="KSO_WM_UNIT_ID" val="_4**"/>
+  <p:tag name="KSO_WM_UNIT_LAYERLEVEL" val="1"/>
+  <p:tag name="KSO_WM_TAG_VERSION" val="1.0"/>
+  <p:tag name="KSO_WM_BEAUTIFY_FLAG" val="#wm#"/>
+</p:tagLst>
+</file>
+
+<file path=ppt/tags/tag250.xml><?xml version="1.0" encoding="utf-8"?>
 <p:tagLst xmlns:p="http://schemas.openxmlformats.org/presentationml/2006/main">
   <p:tag name="KSO_WM_BEAUTIFY_FLAG" val="#wm#"/>
   <p:tag name="KSO_WM_TEMPLATE_CATEGORY" val="custom"/>
@@ -20243,7 +21385,7 @@
 </p:tagLst>
 </file>
 
-<file path=ppt/tags/tag219.xml><?xml version="1.0" encoding="utf-8"?>
+<file path=ppt/tags/tag251.xml><?xml version="1.0" encoding="utf-8"?>
 <p:tagLst xmlns:p="http://schemas.openxmlformats.org/presentationml/2006/main">
   <p:tag name="KSO_WM_UNIT_ISCONTENTSTITLE" val="0"/>
   <p:tag name="KSO_WM_UNIT_PRESET_TEXT" val="单击此处添加标题"/>
@@ -20265,26 +21407,69 @@
 </p:tagLst>
 </file>
 
-<file path=ppt/tags/tag22.xml><?xml version="1.0" encoding="utf-8"?>
-<p:tagLst xmlns:p="http://schemas.openxmlformats.org/presentationml/2006/main">
+<file path=ppt/tags/tag252.xml><?xml version="1.0" encoding="utf-8"?>
+<p:tagLst xmlns:p="http://schemas.openxmlformats.org/presentationml/2006/main">
+  <p:tag name="KSO_WM_BEAUTIFY_FLAG" val=""/>
+</p:tagLst>
+</file>
+
+<file path=ppt/tags/tag253.xml><?xml version="1.0" encoding="utf-8"?>
+<p:tagLst xmlns:p="http://schemas.openxmlformats.org/presentationml/2006/main">
+  <p:tag name="KSO_WM_BEAUTIFY_FLAG" val=""/>
+  <p:tag name="KSO_WM_UNIT_PLACING_PICTURE_USER_VIEWPORT" val="{&quot;height&quot;:1043,&quot;width&quot;:10446}"/>
+</p:tagLst>
+</file>
+
+<file path=ppt/tags/tag254.xml><?xml version="1.0" encoding="utf-8"?>
+<p:tagLst xmlns:p="http://schemas.openxmlformats.org/presentationml/2006/main">
+  <p:tag name="KSO_WM_BEAUTIFY_FLAG" val=""/>
+</p:tagLst>
+</file>
+
+<file path=ppt/tags/tag255.xml><?xml version="1.0" encoding="utf-8"?>
+<p:tagLst xmlns:p="http://schemas.openxmlformats.org/presentationml/2006/main">
+  <p:tag name="KSO_WM_BEAUTIFY_FLAG" val="#wm#"/>
+  <p:tag name="KSO_WM_TEMPLATE_CATEGORY" val="custom"/>
+  <p:tag name="KSO_WM_TEMPLATE_INDEX" val="20202614"/>
+  <p:tag name="KSO_WM_SPECIAL_SOURCE" val="bdnull"/>
+</p:tagLst>
+</file>
+
+<file path=ppt/tags/tag256.xml><?xml version="1.0" encoding="utf-8"?>
+<p:tagLst xmlns:p="http://schemas.openxmlformats.org/presentationml/2006/main">
+  <p:tag name="KSO_WM_UNIT_ISCONTENTSTITLE" val="0"/>
+  <p:tag name="KSO_WM_UNIT_PRESET_TEXT" val="单击此处添加标题"/>
+  <p:tag name="KSO_WM_UNIT_NOCLEAR" val="0"/>
+  <p:tag name="KSO_WM_UNIT_VALUE" val="26"/>
   <p:tag name="KSO_WM_UNIT_HIGHLIGHT" val="0"/>
   <p:tag name="KSO_WM_UNIT_COMPATIBLE" val="0"/>
   <p:tag name="KSO_WM_UNIT_DIAGRAM_ISNUMVISUAL" val="0"/>
   <p:tag name="KSO_WM_UNIT_DIAGRAM_ISREFERUNIT" val="0"/>
-  <p:tag name="KSO_WM_UNIT_ID" val="_3**"/>
+  <p:tag name="KSO_WM_UNIT_TYPE" val="a"/>
+  <p:tag name="KSO_WM_UNIT_INDEX" val="1"/>
+  <p:tag name="KSO_WM_UNIT_ID" val="custom20202614_9*a*1"/>
+  <p:tag name="KSO_WM_TEMPLATE_CATEGORY" val="custom"/>
+  <p:tag name="KSO_WM_TEMPLATE_INDEX" val="20202614"/>
   <p:tag name="KSO_WM_UNIT_LAYERLEVEL" val="1"/>
   <p:tag name="KSO_WM_TAG_VERSION" val="1.0"/>
   <p:tag name="KSO_WM_BEAUTIFY_FLAG" val="#wm#"/>
-</p:tagLst>
-</file>
-
-<file path=ppt/tags/tag220.xml><?xml version="1.0" encoding="utf-8"?>
+  <p:tag name="KSO_WM_UNIT_ISNUMDGMTITLE" val="0"/>
+</p:tagLst>
+</file>
+
+<file path=ppt/tags/tag257.xml><?xml version="1.0" encoding="utf-8"?>
 <p:tagLst xmlns:p="http://schemas.openxmlformats.org/presentationml/2006/main">
   <p:tag name="KSO_WM_BEAUTIFY_FLAG" val=""/>
 </p:tagLst>
 </file>
 
-<file path=ppt/tags/tag221.xml><?xml version="1.0" encoding="utf-8"?>
+<file path=ppt/tags/tag258.xml><?xml version="1.0" encoding="utf-8"?>
+<p:tagLst xmlns:p="http://schemas.openxmlformats.org/presentationml/2006/main">
+  <p:tag name="KSO_WM_BEAUTIFY_FLAG" val=""/>
+</p:tagLst>
+</file>
+
+<file path=ppt/tags/tag259.xml><?xml version="1.0" encoding="utf-8"?>
 <p:tagLst xmlns:p="http://schemas.openxmlformats.org/presentationml/2006/main">
   <p:tag name="KSO_WM_BEAUTIFY_FLAG" val="#wm#"/>
   <p:tag name="KSO_WM_TEMPLATE_CATEGORY" val="custom"/>
@@ -20293,7 +21478,20 @@
 </p:tagLst>
 </file>
 
-<file path=ppt/tags/tag222.xml><?xml version="1.0" encoding="utf-8"?>
+<file path=ppt/tags/tag26.xml><?xml version="1.0" encoding="utf-8"?>
+<p:tagLst xmlns:p="http://schemas.openxmlformats.org/presentationml/2006/main">
+  <p:tag name="KSO_WM_UNIT_HIGHLIGHT" val="0"/>
+  <p:tag name="KSO_WM_UNIT_COMPATIBLE" val="0"/>
+  <p:tag name="KSO_WM_UNIT_DIAGRAM_ISNUMVISUAL" val="0"/>
+  <p:tag name="KSO_WM_UNIT_DIAGRAM_ISREFERUNIT" val="0"/>
+  <p:tag name="KSO_WM_UNIT_ID" val="_4**"/>
+  <p:tag name="KSO_WM_UNIT_LAYERLEVEL" val="1"/>
+  <p:tag name="KSO_WM_TAG_VERSION" val="1.0"/>
+  <p:tag name="KSO_WM_BEAUTIFY_FLAG" val="#wm#"/>
+</p:tagLst>
+</file>
+
+<file path=ppt/tags/tag260.xml><?xml version="1.0" encoding="utf-8"?>
 <p:tagLst xmlns:p="http://schemas.openxmlformats.org/presentationml/2006/main">
   <p:tag name="KSO_WM_UNIT_HIGHLIGHT" val="0"/>
   <p:tag name="KSO_WM_UNIT_COMPATIBLE" val="0"/>
@@ -20310,7 +21508,7 @@
 </p:tagLst>
 </file>
 
-<file path=ppt/tags/tag223.xml><?xml version="1.0" encoding="utf-8"?>
+<file path=ppt/tags/tag261.xml><?xml version="1.0" encoding="utf-8"?>
 <p:tagLst xmlns:p="http://schemas.openxmlformats.org/presentationml/2006/main">
   <p:tag name="KSO_WM_UNIT_HIGHLIGHT" val="0"/>
   <p:tag name="KSO_WM_UNIT_COMPATIBLE" val="0"/>
@@ -20327,7 +21525,7 @@
 </p:tagLst>
 </file>
 
-<file path=ppt/tags/tag224.xml><?xml version="1.0" encoding="utf-8"?>
+<file path=ppt/tags/tag262.xml><?xml version="1.0" encoding="utf-8"?>
 <p:tagLst xmlns:p="http://schemas.openxmlformats.org/presentationml/2006/main">
   <p:tag name="KSO_WM_UNIT_HIGHLIGHT" val="0"/>
   <p:tag name="KSO_WM_UNIT_COMPATIBLE" val="0"/>
@@ -20347,7 +21545,7 @@
 </p:tagLst>
 </file>
 
-<file path=ppt/tags/tag225.xml><?xml version="1.0" encoding="utf-8"?>
+<file path=ppt/tags/tag263.xml><?xml version="1.0" encoding="utf-8"?>
 <p:tagLst xmlns:p="http://schemas.openxmlformats.org/presentationml/2006/main">
   <p:tag name="KSO_WM_UNIT_HIGHLIGHT" val="0"/>
   <p:tag name="KSO_WM_UNIT_COMPATIBLE" val="0"/>
@@ -20369,7 +21567,7 @@
 </p:tagLst>
 </file>
 
-<file path=ppt/tags/tag226.xml><?xml version="1.0" encoding="utf-8"?>
+<file path=ppt/tags/tag264.xml><?xml version="1.0" encoding="utf-8"?>
 <p:tagLst xmlns:p="http://schemas.openxmlformats.org/presentationml/2006/main">
   <p:tag name="KSO_WM_SLIDE_ID" val="custom20202614_7"/>
   <p:tag name="KSO_WM_TEMPLATE_SUBCATEGORY" val="0"/>
@@ -20389,7 +21587,7 @@
 </p:tagLst>
 </file>
 
-<file path=ppt/tags/tag227.xml><?xml version="1.0" encoding="utf-8"?>
+<file path=ppt/tags/tag265.xml><?xml version="1.0" encoding="utf-8"?>
 <p:tagLst xmlns:p="http://schemas.openxmlformats.org/presentationml/2006/main">
   <p:tag name="KSO_WM_UNIT_ISCONTENTSTITLE" val="0"/>
   <p:tag name="KSO_WM_UNIT_PRESET_TEXT" val="单击此处添加标题"/>
@@ -20411,32 +21609,13 @@
 </p:tagLst>
 </file>
 
-<file path=ppt/tags/tag228.xml><?xml version="1.0" encoding="utf-8"?>
-<p:tagLst xmlns:p="http://schemas.openxmlformats.org/presentationml/2006/main">
-  <p:tag name="KSO_WM_BEAUTIFY_FLAG" val=""/>
-</p:tagLst>
-</file>
-
-<file path=ppt/tags/tag229.xml><?xml version="1.0" encoding="utf-8"?>
-<p:tagLst xmlns:p="http://schemas.openxmlformats.org/presentationml/2006/main">
-  <p:tag name="KSO_WM_BEAUTIFY_FLAG" val=""/>
-</p:tagLst>
-</file>
-
-<file path=ppt/tags/tag23.xml><?xml version="1.0" encoding="utf-8"?>
-<p:tagLst xmlns:p="http://schemas.openxmlformats.org/presentationml/2006/main">
-  <p:tag name="KSO_WM_UNIT_HIGHLIGHT" val="0"/>
-  <p:tag name="KSO_WM_UNIT_COMPATIBLE" val="0"/>
-  <p:tag name="KSO_WM_UNIT_DIAGRAM_ISNUMVISUAL" val="0"/>
-  <p:tag name="KSO_WM_UNIT_DIAGRAM_ISREFERUNIT" val="0"/>
-  <p:tag name="KSO_WM_UNIT_ID" val="_3**"/>
-  <p:tag name="KSO_WM_UNIT_LAYERLEVEL" val="1"/>
-  <p:tag name="KSO_WM_TAG_VERSION" val="1.0"/>
-  <p:tag name="KSO_WM_BEAUTIFY_FLAG" val="#wm#"/>
-</p:tagLst>
-</file>
-
-<file path=ppt/tags/tag230.xml><?xml version="1.0" encoding="utf-8"?>
+<file path=ppt/tags/tag266.xml><?xml version="1.0" encoding="utf-8"?>
+<p:tagLst xmlns:p="http://schemas.openxmlformats.org/presentationml/2006/main">
+  <p:tag name="KSO_WM_UNIT_TABLE_BEAUTIFY" val="smartTable{a34ecbed-63c3-46cc-bef9-03dad1f9356c}"/>
+</p:tagLst>
+</file>
+
+<file path=ppt/tags/tag267.xml><?xml version="1.0" encoding="utf-8"?>
 <p:tagLst xmlns:p="http://schemas.openxmlformats.org/presentationml/2006/main">
   <p:tag name="KSO_WM_BEAUTIFY_FLAG" val="#wm#"/>
   <p:tag name="KSO_WM_TEMPLATE_CATEGORY" val="custom"/>
@@ -20445,668 +21624,7 @@
 </p:tagLst>
 </file>
 
-<file path=ppt/tags/tag231.xml><?xml version="1.0" encoding="utf-8"?>
-<p:tagLst xmlns:p="http://schemas.openxmlformats.org/presentationml/2006/main">
-  <p:tag name="KSO_WM_UNIT_ISCONTENTSTITLE" val="0"/>
-  <p:tag name="KSO_WM_UNIT_PRESET_TEXT" val="单击此处添加标题"/>
-  <p:tag name="KSO_WM_UNIT_NOCLEAR" val="0"/>
-  <p:tag name="KSO_WM_UNIT_VALUE" val="26"/>
-  <p:tag name="KSO_WM_UNIT_HIGHLIGHT" val="0"/>
-  <p:tag name="KSO_WM_UNIT_COMPATIBLE" val="0"/>
-  <p:tag name="KSO_WM_UNIT_DIAGRAM_ISNUMVISUAL" val="0"/>
-  <p:tag name="KSO_WM_UNIT_DIAGRAM_ISREFERUNIT" val="0"/>
-  <p:tag name="KSO_WM_UNIT_TYPE" val="a"/>
-  <p:tag name="KSO_WM_UNIT_INDEX" val="1"/>
-  <p:tag name="KSO_WM_UNIT_ID" val="custom20202614_9*a*1"/>
-  <p:tag name="KSO_WM_TEMPLATE_CATEGORY" val="custom"/>
-  <p:tag name="KSO_WM_TEMPLATE_INDEX" val="20202614"/>
-  <p:tag name="KSO_WM_UNIT_LAYERLEVEL" val="1"/>
-  <p:tag name="KSO_WM_TAG_VERSION" val="1.0"/>
-  <p:tag name="KSO_WM_BEAUTIFY_FLAG" val="#wm#"/>
-  <p:tag name="KSO_WM_UNIT_ISNUMDGMTITLE" val="0"/>
-</p:tagLst>
-</file>
-
-<file path=ppt/tags/tag232.xml><?xml version="1.0" encoding="utf-8"?>
-<p:tagLst xmlns:p="http://schemas.openxmlformats.org/presentationml/2006/main">
-  <p:tag name="KSO_WM_BEAUTIFY_FLAG" val=""/>
-</p:tagLst>
-</file>
-
-<file path=ppt/tags/tag233.xml><?xml version="1.0" encoding="utf-8"?>
-<p:tagLst xmlns:p="http://schemas.openxmlformats.org/presentationml/2006/main">
-  <p:tag name="KSO_WM_BEAUTIFY_FLAG" val="#wm#"/>
-  <p:tag name="KSO_WM_TEMPLATE_CATEGORY" val="custom"/>
-  <p:tag name="KSO_WM_TEMPLATE_INDEX" val="20202614"/>
-  <p:tag name="KSO_WM_SPECIAL_SOURCE" val="bdnull"/>
-</p:tagLst>
-</file>
-
-<file path=ppt/tags/tag234.xml><?xml version="1.0" encoding="utf-8"?>
-<p:tagLst xmlns:p="http://schemas.openxmlformats.org/presentationml/2006/main">
-  <p:tag name="KSO_WM_UNIT_ISCONTENTSTITLE" val="0"/>
-  <p:tag name="KSO_WM_UNIT_PRESET_TEXT" val="单击此处添加标题"/>
-  <p:tag name="KSO_WM_UNIT_NOCLEAR" val="0"/>
-  <p:tag name="KSO_WM_UNIT_VALUE" val="26"/>
-  <p:tag name="KSO_WM_UNIT_HIGHLIGHT" val="0"/>
-  <p:tag name="KSO_WM_UNIT_COMPATIBLE" val="0"/>
-  <p:tag name="KSO_WM_UNIT_DIAGRAM_ISNUMVISUAL" val="0"/>
-  <p:tag name="KSO_WM_UNIT_DIAGRAM_ISREFERUNIT" val="0"/>
-  <p:tag name="KSO_WM_UNIT_TYPE" val="a"/>
-  <p:tag name="KSO_WM_UNIT_INDEX" val="1"/>
-  <p:tag name="KSO_WM_UNIT_ID" val="custom20202614_9*a*1"/>
-  <p:tag name="KSO_WM_TEMPLATE_CATEGORY" val="custom"/>
-  <p:tag name="KSO_WM_TEMPLATE_INDEX" val="20202614"/>
-  <p:tag name="KSO_WM_UNIT_LAYERLEVEL" val="1"/>
-  <p:tag name="KSO_WM_TAG_VERSION" val="1.0"/>
-  <p:tag name="KSO_WM_BEAUTIFY_FLAG" val="#wm#"/>
-  <p:tag name="KSO_WM_UNIT_ISNUMDGMTITLE" val="0"/>
-</p:tagLst>
-</file>
-
-<file path=ppt/tags/tag235.xml><?xml version="1.0" encoding="utf-8"?>
-<p:tagLst xmlns:p="http://schemas.openxmlformats.org/presentationml/2006/main">
-  <p:tag name="KSO_WM_BEAUTIFY_FLAG" val=""/>
-</p:tagLst>
-</file>
-
-<file path=ppt/tags/tag236.xml><?xml version="1.0" encoding="utf-8"?>
-<p:tagLst xmlns:p="http://schemas.openxmlformats.org/presentationml/2006/main">
-  <p:tag name="KSO_WM_BEAUTIFY_FLAG" val=""/>
-</p:tagLst>
-</file>
-
-<file path=ppt/tags/tag237.xml><?xml version="1.0" encoding="utf-8"?>
-<p:tagLst xmlns:p="http://schemas.openxmlformats.org/presentationml/2006/main">
-  <p:tag name="KSO_WM_BEAUTIFY_FLAG" val="#wm#"/>
-  <p:tag name="KSO_WM_TEMPLATE_CATEGORY" val="custom"/>
-  <p:tag name="KSO_WM_TEMPLATE_INDEX" val="20202614"/>
-  <p:tag name="KSO_WM_SPECIAL_SOURCE" val="bdnull"/>
-</p:tagLst>
-</file>
-
-<file path=ppt/tags/tag238.xml><?xml version="1.0" encoding="utf-8"?>
-<p:tagLst xmlns:p="http://schemas.openxmlformats.org/presentationml/2006/main">
-  <p:tag name="KSO_WM_UNIT_HIGHLIGHT" val="0"/>
-  <p:tag name="KSO_WM_UNIT_COMPATIBLE" val="0"/>
-  <p:tag name="KSO_WM_UNIT_DIAGRAM_ISNUMVISUAL" val="0"/>
-  <p:tag name="KSO_WM_UNIT_DIAGRAM_ISREFERUNIT" val="0"/>
-  <p:tag name="KSO_WM_UNIT_ID" val="custom20202614_7*i*1"/>
-  <p:tag name="KSO_WM_TEMPLATE_CATEGORY" val="custom"/>
-  <p:tag name="KSO_WM_TEMPLATE_INDEX" val="20202614"/>
-  <p:tag name="KSO_WM_UNIT_LAYERLEVEL" val="1"/>
-  <p:tag name="KSO_WM_TAG_VERSION" val="1.0"/>
-  <p:tag name="KSO_WM_BEAUTIFY_FLAG" val="#wm#"/>
-  <p:tag name="KSO_WM_UNIT_TYPE" val="i"/>
-  <p:tag name="KSO_WM_UNIT_INDEX" val="1"/>
-</p:tagLst>
-</file>
-
-<file path=ppt/tags/tag239.xml><?xml version="1.0" encoding="utf-8"?>
-<p:tagLst xmlns:p="http://schemas.openxmlformats.org/presentationml/2006/main">
-  <p:tag name="KSO_WM_UNIT_HIGHLIGHT" val="0"/>
-  <p:tag name="KSO_WM_UNIT_COMPATIBLE" val="0"/>
-  <p:tag name="KSO_WM_UNIT_DIAGRAM_ISNUMVISUAL" val="0"/>
-  <p:tag name="KSO_WM_UNIT_DIAGRAM_ISREFERUNIT" val="0"/>
-  <p:tag name="KSO_WM_UNIT_ID" val="custom20202614_7*i*2"/>
-  <p:tag name="KSO_WM_TEMPLATE_CATEGORY" val="custom"/>
-  <p:tag name="KSO_WM_TEMPLATE_INDEX" val="20202614"/>
-  <p:tag name="KSO_WM_UNIT_LAYERLEVEL" val="1"/>
-  <p:tag name="KSO_WM_TAG_VERSION" val="1.0"/>
-  <p:tag name="KSO_WM_BEAUTIFY_FLAG" val="#wm#"/>
-  <p:tag name="KSO_WM_UNIT_TYPE" val="i"/>
-  <p:tag name="KSO_WM_UNIT_INDEX" val="2"/>
-</p:tagLst>
-</file>
-
-<file path=ppt/tags/tag24.xml><?xml version="1.0" encoding="utf-8"?>
-<p:tagLst xmlns:p="http://schemas.openxmlformats.org/presentationml/2006/main">
-  <p:tag name="KSO_WM_UNIT_HIGHLIGHT" val="0"/>
-  <p:tag name="KSO_WM_UNIT_COMPATIBLE" val="0"/>
-  <p:tag name="KSO_WM_UNIT_DIAGRAM_ISNUMVISUAL" val="0"/>
-  <p:tag name="KSO_WM_UNIT_DIAGRAM_ISREFERUNIT" val="0"/>
-  <p:tag name="KSO_WM_UNIT_ID" val="_3**"/>
-  <p:tag name="KSO_WM_UNIT_LAYERLEVEL" val="1"/>
-  <p:tag name="KSO_WM_TAG_VERSION" val="1.0"/>
-  <p:tag name="KSO_WM_BEAUTIFY_FLAG" val="#wm#"/>
-</p:tagLst>
-</file>
-
-<file path=ppt/tags/tag240.xml><?xml version="1.0" encoding="utf-8"?>
-<p:tagLst xmlns:p="http://schemas.openxmlformats.org/presentationml/2006/main">
-  <p:tag name="KSO_WM_UNIT_HIGHLIGHT" val="0"/>
-  <p:tag name="KSO_WM_UNIT_COMPATIBLE" val="0"/>
-  <p:tag name="KSO_WM_UNIT_DIAGRAM_ISNUMVISUAL" val="0"/>
-  <p:tag name="KSO_WM_UNIT_DIAGRAM_ISREFERUNIT" val="0"/>
-  <p:tag name="KSO_WM_UNIT_ID" val="custom20202614_7*e*1"/>
-  <p:tag name="KSO_WM_TEMPLATE_CATEGORY" val="custom"/>
-  <p:tag name="KSO_WM_TEMPLATE_INDEX" val="20202614"/>
-  <p:tag name="KSO_WM_UNIT_LAYERLEVEL" val="1"/>
-  <p:tag name="KSO_WM_TAG_VERSION" val="1.0"/>
-  <p:tag name="KSO_WM_BEAUTIFY_FLAG" val="#wm#"/>
-  <p:tag name="KSO_WM_UNIT_NOCLEAR" val="0"/>
-  <p:tag name="KSO_WM_UNIT_VALUE" val="3"/>
-  <p:tag name="KSO_WM_UNIT_TYPE" val="e"/>
-  <p:tag name="KSO_WM_UNIT_INDEX" val="1"/>
-  <p:tag name="KSO_WM_UNIT_PRESET_TEXT" val="01"/>
-</p:tagLst>
-</file>
-
-<file path=ppt/tags/tag241.xml><?xml version="1.0" encoding="utf-8"?>
-<p:tagLst xmlns:p="http://schemas.openxmlformats.org/presentationml/2006/main">
-  <p:tag name="KSO_WM_UNIT_HIGHLIGHT" val="0"/>
-  <p:tag name="KSO_WM_UNIT_COMPATIBLE" val="0"/>
-  <p:tag name="KSO_WM_UNIT_DIAGRAM_ISNUMVISUAL" val="0"/>
-  <p:tag name="KSO_WM_UNIT_DIAGRAM_ISREFERUNIT" val="0"/>
-  <p:tag name="KSO_WM_UNIT_ID" val="custom20202614_7*a*1"/>
-  <p:tag name="KSO_WM_TEMPLATE_CATEGORY" val="custom"/>
-  <p:tag name="KSO_WM_TEMPLATE_INDEX" val="20202614"/>
-  <p:tag name="KSO_WM_UNIT_LAYERLEVEL" val="1"/>
-  <p:tag name="KSO_WM_TAG_VERSION" val="1.0"/>
-  <p:tag name="KSO_WM_BEAUTIFY_FLAG" val="#wm#"/>
-  <p:tag name="KSO_WM_UNIT_ISCONTENTSTITLE" val="0"/>
-  <p:tag name="KSO_WM_UNIT_PRESET_TEXT" val="单击此处添加标题"/>
-  <p:tag name="KSO_WM_UNIT_NOCLEAR" val="0"/>
-  <p:tag name="KSO_WM_UNIT_VALUE" val="10"/>
-  <p:tag name="KSO_WM_UNIT_TYPE" val="a"/>
-  <p:tag name="KSO_WM_UNIT_INDEX" val="1"/>
-  <p:tag name="KSO_WM_UNIT_ISNUMDGMTITLE" val="0"/>
-</p:tagLst>
-</file>
-
-<file path=ppt/tags/tag242.xml><?xml version="1.0" encoding="utf-8"?>
-<p:tagLst xmlns:p="http://schemas.openxmlformats.org/presentationml/2006/main">
-  <p:tag name="KSO_WM_UNIT_HIGHLIGHT" val="0"/>
-  <p:tag name="KSO_WM_UNIT_COMPATIBLE" val="0"/>
-  <p:tag name="KSO_WM_UNIT_DIAGRAM_ISNUMVISUAL" val="0"/>
-  <p:tag name="KSO_WM_UNIT_DIAGRAM_ISREFERUNIT" val="0"/>
-  <p:tag name="KSO_WM_UNIT_ID" val="custom20202614_7*b*1"/>
-  <p:tag name="KSO_WM_TEMPLATE_CATEGORY" val="custom"/>
-  <p:tag name="KSO_WM_TEMPLATE_INDEX" val="20202614"/>
-  <p:tag name="KSO_WM_UNIT_LAYERLEVEL" val="1"/>
-  <p:tag name="KSO_WM_TAG_VERSION" val="1.0"/>
-  <p:tag name="KSO_WM_BEAUTIFY_FLAG" val=""/>
-  <p:tag name="KSO_WM_UNIT_ISCONTENTSTITLE" val="0"/>
-  <p:tag name="KSO_WM_UNIT_NOCLEAR" val="0"/>
-  <p:tag name="KSO_WM_UNIT_VALUE" val="69"/>
-  <p:tag name="KSO_WM_UNIT_TYPE" val="b"/>
-  <p:tag name="KSO_WM_UNIT_INDEX" val="1"/>
-  <p:tag name="KSO_WM_UNIT_PRESET_TEXT" val="单击此处添加文本具体内容，简明扼要的阐述您的观点。"/>
-  <p:tag name="KSO_WM_UNIT_ISNUMDGMTITLE" val="0"/>
-</p:tagLst>
-</file>
-
-<file path=ppt/tags/tag243.xml><?xml version="1.0" encoding="utf-8"?>
-<p:tagLst xmlns:p="http://schemas.openxmlformats.org/presentationml/2006/main">
-  <p:tag name="KSO_WM_SLIDE_ID" val="custom20202614_7"/>
-  <p:tag name="KSO_WM_TEMPLATE_SUBCATEGORY" val="0"/>
-  <p:tag name="KSO_WM_TEMPLATE_MASTER_TYPE" val="1"/>
-  <p:tag name="KSO_WM_TEMPLATE_COLOR_TYPE" val="1"/>
-  <p:tag name="KSO_WM_SLIDE_ITEM_CNT" val="0"/>
-  <p:tag name="KSO_WM_SLIDE_INDEX" val="7"/>
-  <p:tag name="KSO_WM_TAG_VERSION" val="1.0"/>
-  <p:tag name="KSO_WM_BEAUTIFY_FLAG" val="#wm#"/>
-  <p:tag name="KSO_WM_TEMPLATE_CATEGORY" val="custom"/>
-  <p:tag name="KSO_WM_TEMPLATE_INDEX" val="20202614"/>
-  <p:tag name="KSO_WM_SLIDE_LAYOUT" val="a_b_e"/>
-  <p:tag name="KSO_WM_SLIDE_LAYOUT_CNT" val="1_1_1"/>
-  <p:tag name="KSO_WM_SLIDE_TYPE" val="sectionTitle"/>
-  <p:tag name="KSO_WM_SLIDE_SUBTYPE" val="pureTxt"/>
-  <p:tag name="KSO_WM_SPECIAL_SOURCE" val="bdnull"/>
-</p:tagLst>
-</file>
-
-<file path=ppt/tags/tag244.xml><?xml version="1.0" encoding="utf-8"?>
-<p:tagLst xmlns:p="http://schemas.openxmlformats.org/presentationml/2006/main">
-  <p:tag name="KSO_WM_UNIT_ISCONTENTSTITLE" val="0"/>
-  <p:tag name="KSO_WM_UNIT_PRESET_TEXT" val="单击此处添加标题"/>
-  <p:tag name="KSO_WM_UNIT_NOCLEAR" val="0"/>
-  <p:tag name="KSO_WM_UNIT_VALUE" val="26"/>
-  <p:tag name="KSO_WM_UNIT_HIGHLIGHT" val="0"/>
-  <p:tag name="KSO_WM_UNIT_COMPATIBLE" val="0"/>
-  <p:tag name="KSO_WM_UNIT_DIAGRAM_ISNUMVISUAL" val="0"/>
-  <p:tag name="KSO_WM_UNIT_DIAGRAM_ISREFERUNIT" val="0"/>
-  <p:tag name="KSO_WM_UNIT_TYPE" val="a"/>
-  <p:tag name="KSO_WM_UNIT_INDEX" val="1"/>
-  <p:tag name="KSO_WM_UNIT_ID" val="custom20202614_9*a*1"/>
-  <p:tag name="KSO_WM_TEMPLATE_CATEGORY" val="custom"/>
-  <p:tag name="KSO_WM_TEMPLATE_INDEX" val="20202614"/>
-  <p:tag name="KSO_WM_UNIT_LAYERLEVEL" val="1"/>
-  <p:tag name="KSO_WM_TAG_VERSION" val="1.0"/>
-  <p:tag name="KSO_WM_BEAUTIFY_FLAG" val="#wm#"/>
-  <p:tag name="KSO_WM_UNIT_ISNUMDGMTITLE" val="0"/>
-</p:tagLst>
-</file>
-
-<file path=ppt/tags/tag245.xml><?xml version="1.0" encoding="utf-8"?>
-<p:tagLst xmlns:p="http://schemas.openxmlformats.org/presentationml/2006/main">
-  <p:tag name="KSO_WM_BEAUTIFY_FLAG" val=""/>
-</p:tagLst>
-</file>
-
-<file path=ppt/tags/tag246.xml><?xml version="1.0" encoding="utf-8"?>
-<p:tagLst xmlns:p="http://schemas.openxmlformats.org/presentationml/2006/main">
-  <p:tag name="KSO_WM_BEAUTIFY_FLAG" val="#wm#"/>
-  <p:tag name="KSO_WM_TEMPLATE_CATEGORY" val="custom"/>
-  <p:tag name="KSO_WM_TEMPLATE_INDEX" val="20202614"/>
-  <p:tag name="KSO_WM_SPECIAL_SOURCE" val="bdnull"/>
-</p:tagLst>
-</file>
-
-<file path=ppt/tags/tag247.xml><?xml version="1.0" encoding="utf-8"?>
-<p:tagLst xmlns:p="http://schemas.openxmlformats.org/presentationml/2006/main">
-  <p:tag name="KSO_WM_UNIT_ISCONTENTSTITLE" val="0"/>
-  <p:tag name="KSO_WM_UNIT_PRESET_TEXT" val="单击此处添加标题"/>
-  <p:tag name="KSO_WM_UNIT_NOCLEAR" val="0"/>
-  <p:tag name="KSO_WM_UNIT_VALUE" val="26"/>
-  <p:tag name="KSO_WM_UNIT_HIGHLIGHT" val="0"/>
-  <p:tag name="KSO_WM_UNIT_COMPATIBLE" val="0"/>
-  <p:tag name="KSO_WM_UNIT_DIAGRAM_ISNUMVISUAL" val="0"/>
-  <p:tag name="KSO_WM_UNIT_DIAGRAM_ISREFERUNIT" val="0"/>
-  <p:tag name="KSO_WM_UNIT_TYPE" val="a"/>
-  <p:tag name="KSO_WM_UNIT_INDEX" val="1"/>
-  <p:tag name="KSO_WM_UNIT_ID" val="custom20202614_9*a*1"/>
-  <p:tag name="KSO_WM_TEMPLATE_CATEGORY" val="custom"/>
-  <p:tag name="KSO_WM_TEMPLATE_INDEX" val="20202614"/>
-  <p:tag name="KSO_WM_UNIT_LAYERLEVEL" val="1"/>
-  <p:tag name="KSO_WM_TAG_VERSION" val="1.0"/>
-  <p:tag name="KSO_WM_BEAUTIFY_FLAG" val="#wm#"/>
-  <p:tag name="KSO_WM_UNIT_ISNUMDGMTITLE" val="0"/>
-</p:tagLst>
-</file>
-
-<file path=ppt/tags/tag248.xml><?xml version="1.0" encoding="utf-8"?>
-<p:tagLst xmlns:p="http://schemas.openxmlformats.org/presentationml/2006/main">
-  <p:tag name="KSO_WM_BEAUTIFY_FLAG" val=""/>
-</p:tagLst>
-</file>
-
-<file path=ppt/tags/tag249.xml><?xml version="1.0" encoding="utf-8"?>
-<p:tagLst xmlns:p="http://schemas.openxmlformats.org/presentationml/2006/main">
-  <p:tag name="KSO_WM_BEAUTIFY_FLAG" val=""/>
-</p:tagLst>
-</file>
-
-<file path=ppt/tags/tag25.xml><?xml version="1.0" encoding="utf-8"?>
-<p:tagLst xmlns:p="http://schemas.openxmlformats.org/presentationml/2006/main">
-  <p:tag name="KSO_WM_UNIT_HIGHLIGHT" val="0"/>
-  <p:tag name="KSO_WM_UNIT_COMPATIBLE" val="0"/>
-  <p:tag name="KSO_WM_UNIT_DIAGRAM_ISNUMVISUAL" val="0"/>
-  <p:tag name="KSO_WM_UNIT_DIAGRAM_ISREFERUNIT" val="0"/>
-  <p:tag name="KSO_WM_UNIT_ID" val="_4**"/>
-  <p:tag name="KSO_WM_UNIT_LAYERLEVEL" val="1"/>
-  <p:tag name="KSO_WM_TAG_VERSION" val="1.0"/>
-  <p:tag name="KSO_WM_BEAUTIFY_FLAG" val="#wm#"/>
-</p:tagLst>
-</file>
-
-<file path=ppt/tags/tag250.xml><?xml version="1.0" encoding="utf-8"?>
-<p:tagLst xmlns:p="http://schemas.openxmlformats.org/presentationml/2006/main">
-  <p:tag name="KSO_WM_BEAUTIFY_FLAG" val=""/>
-</p:tagLst>
-</file>
-
-<file path=ppt/tags/tag251.xml><?xml version="1.0" encoding="utf-8"?>
-<p:tagLst xmlns:p="http://schemas.openxmlformats.org/presentationml/2006/main">
-  <p:tag name="KSO_WM_BEAUTIFY_FLAG" val="#wm#"/>
-  <p:tag name="KSO_WM_TEMPLATE_CATEGORY" val="custom"/>
-  <p:tag name="KSO_WM_TEMPLATE_INDEX" val="20202614"/>
-  <p:tag name="KSO_WM_SPECIAL_SOURCE" val="bdnull"/>
-</p:tagLst>
-</file>
-
-<file path=ppt/tags/tag252.xml><?xml version="1.0" encoding="utf-8"?>
-<p:tagLst xmlns:p="http://schemas.openxmlformats.org/presentationml/2006/main">
-  <p:tag name="KSO_WM_UNIT_ISCONTENTSTITLE" val="0"/>
-  <p:tag name="KSO_WM_UNIT_PRESET_TEXT" val="单击此处添加标题"/>
-  <p:tag name="KSO_WM_UNIT_NOCLEAR" val="0"/>
-  <p:tag name="KSO_WM_UNIT_VALUE" val="26"/>
-  <p:tag name="KSO_WM_UNIT_HIGHLIGHT" val="0"/>
-  <p:tag name="KSO_WM_UNIT_COMPATIBLE" val="0"/>
-  <p:tag name="KSO_WM_UNIT_DIAGRAM_ISNUMVISUAL" val="0"/>
-  <p:tag name="KSO_WM_UNIT_DIAGRAM_ISREFERUNIT" val="0"/>
-  <p:tag name="KSO_WM_UNIT_TYPE" val="a"/>
-  <p:tag name="KSO_WM_UNIT_INDEX" val="1"/>
-  <p:tag name="KSO_WM_UNIT_ID" val="custom20202614_9*a*1"/>
-  <p:tag name="KSO_WM_TEMPLATE_CATEGORY" val="custom"/>
-  <p:tag name="KSO_WM_TEMPLATE_INDEX" val="20202614"/>
-  <p:tag name="KSO_WM_UNIT_LAYERLEVEL" val="1"/>
-  <p:tag name="KSO_WM_TAG_VERSION" val="1.0"/>
-  <p:tag name="KSO_WM_BEAUTIFY_FLAG" val="#wm#"/>
-  <p:tag name="KSO_WM_UNIT_ISNUMDGMTITLE" val="0"/>
-</p:tagLst>
-</file>
-
-<file path=ppt/tags/tag253.xml><?xml version="1.0" encoding="utf-8"?>
-<p:tagLst xmlns:p="http://schemas.openxmlformats.org/presentationml/2006/main">
-  <p:tag name="KSO_WM_BEAUTIFY_FLAG" val=""/>
-</p:tagLst>
-</file>
-
-<file path=ppt/tags/tag254.xml><?xml version="1.0" encoding="utf-8"?>
-<p:tagLst xmlns:p="http://schemas.openxmlformats.org/presentationml/2006/main">
-  <p:tag name="KSO_WM_BEAUTIFY_FLAG" val="#wm#"/>
-  <p:tag name="KSO_WM_TEMPLATE_CATEGORY" val="custom"/>
-  <p:tag name="KSO_WM_TEMPLATE_INDEX" val="20202614"/>
-  <p:tag name="KSO_WM_SPECIAL_SOURCE" val="bdnull"/>
-</p:tagLst>
-</file>
-
-<file path=ppt/tags/tag255.xml><?xml version="1.0" encoding="utf-8"?>
-<p:tagLst xmlns:p="http://schemas.openxmlformats.org/presentationml/2006/main">
-  <p:tag name="KSO_WM_UNIT_ISCONTENTSTITLE" val="0"/>
-  <p:tag name="KSO_WM_UNIT_PRESET_TEXT" val="单击此处添加标题"/>
-  <p:tag name="KSO_WM_UNIT_NOCLEAR" val="0"/>
-  <p:tag name="KSO_WM_UNIT_VALUE" val="26"/>
-  <p:tag name="KSO_WM_UNIT_HIGHLIGHT" val="0"/>
-  <p:tag name="KSO_WM_UNIT_COMPATIBLE" val="0"/>
-  <p:tag name="KSO_WM_UNIT_DIAGRAM_ISNUMVISUAL" val="0"/>
-  <p:tag name="KSO_WM_UNIT_DIAGRAM_ISREFERUNIT" val="0"/>
-  <p:tag name="KSO_WM_UNIT_TYPE" val="a"/>
-  <p:tag name="KSO_WM_UNIT_INDEX" val="1"/>
-  <p:tag name="KSO_WM_UNIT_ID" val="custom20202614_9*a*1"/>
-  <p:tag name="KSO_WM_TEMPLATE_CATEGORY" val="custom"/>
-  <p:tag name="KSO_WM_TEMPLATE_INDEX" val="20202614"/>
-  <p:tag name="KSO_WM_UNIT_LAYERLEVEL" val="1"/>
-  <p:tag name="KSO_WM_TAG_VERSION" val="1.0"/>
-  <p:tag name="KSO_WM_BEAUTIFY_FLAG" val="#wm#"/>
-  <p:tag name="KSO_WM_UNIT_ISNUMDGMTITLE" val="0"/>
-</p:tagLst>
-</file>
-
-<file path=ppt/tags/tag256.xml><?xml version="1.0" encoding="utf-8"?>
-<p:tagLst xmlns:p="http://schemas.openxmlformats.org/presentationml/2006/main">
-  <p:tag name="KSO_WM_BEAUTIFY_FLAG" val=""/>
-</p:tagLst>
-</file>
-
-<file path=ppt/tags/tag257.xml><?xml version="1.0" encoding="utf-8"?>
-<p:tagLst xmlns:p="http://schemas.openxmlformats.org/presentationml/2006/main">
-  <p:tag name="KSO_WM_BEAUTIFY_FLAG" val="#wm#"/>
-  <p:tag name="KSO_WM_TEMPLATE_CATEGORY" val="custom"/>
-  <p:tag name="KSO_WM_TEMPLATE_INDEX" val="20202614"/>
-  <p:tag name="KSO_WM_SPECIAL_SOURCE" val="bdnull"/>
-</p:tagLst>
-</file>
-
-<file path=ppt/tags/tag258.xml><?xml version="1.0" encoding="utf-8"?>
-<p:tagLst xmlns:p="http://schemas.openxmlformats.org/presentationml/2006/main">
-  <p:tag name="KSO_WM_UNIT_HIGHLIGHT" val="0"/>
-  <p:tag name="KSO_WM_UNIT_COMPATIBLE" val="0"/>
-  <p:tag name="KSO_WM_UNIT_DIAGRAM_ISNUMVISUAL" val="0"/>
-  <p:tag name="KSO_WM_UNIT_DIAGRAM_ISREFERUNIT" val="0"/>
-  <p:tag name="KSO_WM_UNIT_ID" val="custom20202614_7*i*1"/>
-  <p:tag name="KSO_WM_TEMPLATE_CATEGORY" val="custom"/>
-  <p:tag name="KSO_WM_TEMPLATE_INDEX" val="20202614"/>
-  <p:tag name="KSO_WM_UNIT_LAYERLEVEL" val="1"/>
-  <p:tag name="KSO_WM_TAG_VERSION" val="1.0"/>
-  <p:tag name="KSO_WM_BEAUTIFY_FLAG" val="#wm#"/>
-  <p:tag name="KSO_WM_UNIT_TYPE" val="i"/>
-  <p:tag name="KSO_WM_UNIT_INDEX" val="1"/>
-</p:tagLst>
-</file>
-
-<file path=ppt/tags/tag259.xml><?xml version="1.0" encoding="utf-8"?>
-<p:tagLst xmlns:p="http://schemas.openxmlformats.org/presentationml/2006/main">
-  <p:tag name="KSO_WM_UNIT_HIGHLIGHT" val="0"/>
-  <p:tag name="KSO_WM_UNIT_COMPATIBLE" val="0"/>
-  <p:tag name="KSO_WM_UNIT_DIAGRAM_ISNUMVISUAL" val="0"/>
-  <p:tag name="KSO_WM_UNIT_DIAGRAM_ISREFERUNIT" val="0"/>
-  <p:tag name="KSO_WM_UNIT_ID" val="custom20202614_7*i*2"/>
-  <p:tag name="KSO_WM_TEMPLATE_CATEGORY" val="custom"/>
-  <p:tag name="KSO_WM_TEMPLATE_INDEX" val="20202614"/>
-  <p:tag name="KSO_WM_UNIT_LAYERLEVEL" val="1"/>
-  <p:tag name="KSO_WM_TAG_VERSION" val="1.0"/>
-  <p:tag name="KSO_WM_BEAUTIFY_FLAG" val="#wm#"/>
-  <p:tag name="KSO_WM_UNIT_TYPE" val="i"/>
-  <p:tag name="KSO_WM_UNIT_INDEX" val="2"/>
-</p:tagLst>
-</file>
-
-<file path=ppt/tags/tag26.xml><?xml version="1.0" encoding="utf-8"?>
-<p:tagLst xmlns:p="http://schemas.openxmlformats.org/presentationml/2006/main">
-  <p:tag name="KSO_WM_UNIT_HIGHLIGHT" val="0"/>
-  <p:tag name="KSO_WM_UNIT_COMPATIBLE" val="0"/>
-  <p:tag name="KSO_WM_UNIT_DIAGRAM_ISNUMVISUAL" val="0"/>
-  <p:tag name="KSO_WM_UNIT_DIAGRAM_ISREFERUNIT" val="0"/>
-  <p:tag name="KSO_WM_UNIT_ID" val="_4**"/>
-  <p:tag name="KSO_WM_UNIT_LAYERLEVEL" val="1"/>
-  <p:tag name="KSO_WM_TAG_VERSION" val="1.0"/>
-  <p:tag name="KSO_WM_BEAUTIFY_FLAG" val="#wm#"/>
-</p:tagLst>
-</file>
-
-<file path=ppt/tags/tag260.xml><?xml version="1.0" encoding="utf-8"?>
-<p:tagLst xmlns:p="http://schemas.openxmlformats.org/presentationml/2006/main">
-  <p:tag name="KSO_WM_UNIT_HIGHLIGHT" val="0"/>
-  <p:tag name="KSO_WM_UNIT_COMPATIBLE" val="0"/>
-  <p:tag name="KSO_WM_UNIT_DIAGRAM_ISNUMVISUAL" val="0"/>
-  <p:tag name="KSO_WM_UNIT_DIAGRAM_ISREFERUNIT" val="0"/>
-  <p:tag name="KSO_WM_UNIT_ID" val="custom20202614_7*e*1"/>
-  <p:tag name="KSO_WM_TEMPLATE_CATEGORY" val="custom"/>
-  <p:tag name="KSO_WM_TEMPLATE_INDEX" val="20202614"/>
-  <p:tag name="KSO_WM_UNIT_LAYERLEVEL" val="1"/>
-  <p:tag name="KSO_WM_TAG_VERSION" val="1.0"/>
-  <p:tag name="KSO_WM_BEAUTIFY_FLAG" val="#wm#"/>
-  <p:tag name="KSO_WM_UNIT_NOCLEAR" val="0"/>
-  <p:tag name="KSO_WM_UNIT_VALUE" val="3"/>
-  <p:tag name="KSO_WM_UNIT_TYPE" val="e"/>
-  <p:tag name="KSO_WM_UNIT_INDEX" val="1"/>
-  <p:tag name="KSO_WM_UNIT_PRESET_TEXT" val="01"/>
-</p:tagLst>
-</file>
-
-<file path=ppt/tags/tag261.xml><?xml version="1.0" encoding="utf-8"?>
-<p:tagLst xmlns:p="http://schemas.openxmlformats.org/presentationml/2006/main">
-  <p:tag name="KSO_WM_UNIT_HIGHLIGHT" val="0"/>
-  <p:tag name="KSO_WM_UNIT_COMPATIBLE" val="0"/>
-  <p:tag name="KSO_WM_UNIT_DIAGRAM_ISNUMVISUAL" val="0"/>
-  <p:tag name="KSO_WM_UNIT_DIAGRAM_ISREFERUNIT" val="0"/>
-  <p:tag name="KSO_WM_UNIT_ID" val="custom20202614_7*a*1"/>
-  <p:tag name="KSO_WM_TEMPLATE_CATEGORY" val="custom"/>
-  <p:tag name="KSO_WM_TEMPLATE_INDEX" val="20202614"/>
-  <p:tag name="KSO_WM_UNIT_LAYERLEVEL" val="1"/>
-  <p:tag name="KSO_WM_TAG_VERSION" val="1.0"/>
-  <p:tag name="KSO_WM_BEAUTIFY_FLAG" val="#wm#"/>
-  <p:tag name="KSO_WM_UNIT_ISCONTENTSTITLE" val="0"/>
-  <p:tag name="KSO_WM_UNIT_PRESET_TEXT" val="单击此处添加标题"/>
-  <p:tag name="KSO_WM_UNIT_NOCLEAR" val="0"/>
-  <p:tag name="KSO_WM_UNIT_VALUE" val="10"/>
-  <p:tag name="KSO_WM_UNIT_TYPE" val="a"/>
-  <p:tag name="KSO_WM_UNIT_INDEX" val="1"/>
-  <p:tag name="KSO_WM_UNIT_ISNUMDGMTITLE" val="0"/>
-</p:tagLst>
-</file>
-
-<file path=ppt/tags/tag262.xml><?xml version="1.0" encoding="utf-8"?>
-<p:tagLst xmlns:p="http://schemas.openxmlformats.org/presentationml/2006/main">
-  <p:tag name="KSO_WM_SLIDE_ID" val="custom20202614_7"/>
-  <p:tag name="KSO_WM_TEMPLATE_SUBCATEGORY" val="0"/>
-  <p:tag name="KSO_WM_TEMPLATE_MASTER_TYPE" val="1"/>
-  <p:tag name="KSO_WM_TEMPLATE_COLOR_TYPE" val="1"/>
-  <p:tag name="KSO_WM_SLIDE_ITEM_CNT" val="0"/>
-  <p:tag name="KSO_WM_SLIDE_INDEX" val="7"/>
-  <p:tag name="KSO_WM_TAG_VERSION" val="1.0"/>
-  <p:tag name="KSO_WM_BEAUTIFY_FLAG" val="#wm#"/>
-  <p:tag name="KSO_WM_TEMPLATE_CATEGORY" val="custom"/>
-  <p:tag name="KSO_WM_TEMPLATE_INDEX" val="20202614"/>
-  <p:tag name="KSO_WM_SLIDE_LAYOUT" val="a_b_e"/>
-  <p:tag name="KSO_WM_SLIDE_LAYOUT_CNT" val="1_1_1"/>
-  <p:tag name="KSO_WM_SLIDE_TYPE" val="sectionTitle"/>
-  <p:tag name="KSO_WM_SLIDE_SUBTYPE" val="pureTxt"/>
-  <p:tag name="KSO_WM_SPECIAL_SOURCE" val="bdnull"/>
-</p:tagLst>
-</file>
-
-<file path=ppt/tags/tag263.xml><?xml version="1.0" encoding="utf-8"?>
-<p:tagLst xmlns:p="http://schemas.openxmlformats.org/presentationml/2006/main">
-  <p:tag name="KSO_WM_UNIT_ISCONTENTSTITLE" val="0"/>
-  <p:tag name="KSO_WM_UNIT_PRESET_TEXT" val="单击此处添加标题"/>
-  <p:tag name="KSO_WM_UNIT_NOCLEAR" val="0"/>
-  <p:tag name="KSO_WM_UNIT_VALUE" val="26"/>
-  <p:tag name="KSO_WM_UNIT_HIGHLIGHT" val="0"/>
-  <p:tag name="KSO_WM_UNIT_COMPATIBLE" val="0"/>
-  <p:tag name="KSO_WM_UNIT_DIAGRAM_ISNUMVISUAL" val="0"/>
-  <p:tag name="KSO_WM_UNIT_DIAGRAM_ISREFERUNIT" val="0"/>
-  <p:tag name="KSO_WM_UNIT_TYPE" val="a"/>
-  <p:tag name="KSO_WM_UNIT_INDEX" val="1"/>
-  <p:tag name="KSO_WM_UNIT_ID" val="custom20202614_9*a*1"/>
-  <p:tag name="KSO_WM_TEMPLATE_CATEGORY" val="custom"/>
-  <p:tag name="KSO_WM_TEMPLATE_INDEX" val="20202614"/>
-  <p:tag name="KSO_WM_UNIT_LAYERLEVEL" val="1"/>
-  <p:tag name="KSO_WM_TAG_VERSION" val="1.0"/>
-  <p:tag name="KSO_WM_BEAUTIFY_FLAG" val="#wm#"/>
-  <p:tag name="KSO_WM_UNIT_ISNUMDGMTITLE" val="0"/>
-</p:tagLst>
-</file>
-
-<file path=ppt/tags/tag264.xml><?xml version="1.0" encoding="utf-8"?>
-<p:tagLst xmlns:p="http://schemas.openxmlformats.org/presentationml/2006/main">
-  <p:tag name="KSO_WM_BEAUTIFY_FLAG" val="#wm#"/>
-  <p:tag name="KSO_WM_TEMPLATE_CATEGORY" val="custom"/>
-  <p:tag name="KSO_WM_TEMPLATE_INDEX" val="20202614"/>
-  <p:tag name="KSO_WM_SPECIAL_SOURCE" val="bdnull"/>
-</p:tagLst>
-</file>
-
-<file path=ppt/tags/tag265.xml><?xml version="1.0" encoding="utf-8"?>
-<p:tagLst xmlns:p="http://schemas.openxmlformats.org/presentationml/2006/main">
-  <p:tag name="KSO_WM_UNIT_ISCONTENTSTITLE" val="0"/>
-  <p:tag name="KSO_WM_UNIT_PRESET_TEXT" val="单击此处添加标题"/>
-  <p:tag name="KSO_WM_UNIT_NOCLEAR" val="0"/>
-  <p:tag name="KSO_WM_UNIT_VALUE" val="26"/>
-  <p:tag name="KSO_WM_UNIT_HIGHLIGHT" val="0"/>
-  <p:tag name="KSO_WM_UNIT_COMPATIBLE" val="0"/>
-  <p:tag name="KSO_WM_UNIT_DIAGRAM_ISNUMVISUAL" val="0"/>
-  <p:tag name="KSO_WM_UNIT_DIAGRAM_ISREFERUNIT" val="0"/>
-  <p:tag name="KSO_WM_UNIT_TYPE" val="a"/>
-  <p:tag name="KSO_WM_UNIT_INDEX" val="1"/>
-  <p:tag name="KSO_WM_UNIT_ID" val="custom20202614_9*a*1"/>
-  <p:tag name="KSO_WM_TEMPLATE_CATEGORY" val="custom"/>
-  <p:tag name="KSO_WM_TEMPLATE_INDEX" val="20202614"/>
-  <p:tag name="KSO_WM_UNIT_LAYERLEVEL" val="1"/>
-  <p:tag name="KSO_WM_TAG_VERSION" val="1.0"/>
-  <p:tag name="KSO_WM_BEAUTIFY_FLAG" val="#wm#"/>
-  <p:tag name="KSO_WM_UNIT_ISNUMDGMTITLE" val="0"/>
-</p:tagLst>
-</file>
-
-<file path=ppt/tags/tag266.xml><?xml version="1.0" encoding="utf-8"?>
-<p:tagLst xmlns:p="http://schemas.openxmlformats.org/presentationml/2006/main">
-  <p:tag name="KSO_WM_BEAUTIFY_FLAG" val="#wm#"/>
-  <p:tag name="KSO_WM_TEMPLATE_CATEGORY" val="custom"/>
-  <p:tag name="KSO_WM_TEMPLATE_INDEX" val="20202614"/>
-  <p:tag name="KSO_WM_SPECIAL_SOURCE" val="bdnull"/>
-</p:tagLst>
-</file>
-
-<file path=ppt/tags/tag267.xml><?xml version="1.0" encoding="utf-8"?>
-<p:tagLst xmlns:p="http://schemas.openxmlformats.org/presentationml/2006/main">
-  <p:tag name="KSO_WM_UNIT_ISCONTENTSTITLE" val="0"/>
-  <p:tag name="KSO_WM_UNIT_PRESET_TEXT" val="单击此处添加标题"/>
-  <p:tag name="KSO_WM_UNIT_NOCLEAR" val="0"/>
-  <p:tag name="KSO_WM_UNIT_VALUE" val="26"/>
-  <p:tag name="KSO_WM_UNIT_HIGHLIGHT" val="0"/>
-  <p:tag name="KSO_WM_UNIT_COMPATIBLE" val="0"/>
-  <p:tag name="KSO_WM_UNIT_DIAGRAM_ISNUMVISUAL" val="0"/>
-  <p:tag name="KSO_WM_UNIT_DIAGRAM_ISREFERUNIT" val="0"/>
-  <p:tag name="KSO_WM_UNIT_TYPE" val="a"/>
-  <p:tag name="KSO_WM_UNIT_INDEX" val="1"/>
-  <p:tag name="KSO_WM_UNIT_ID" val="custom20202614_9*a*1"/>
-  <p:tag name="KSO_WM_TEMPLATE_CATEGORY" val="custom"/>
-  <p:tag name="KSO_WM_TEMPLATE_INDEX" val="20202614"/>
-  <p:tag name="KSO_WM_UNIT_LAYERLEVEL" val="1"/>
-  <p:tag name="KSO_WM_TAG_VERSION" val="1.0"/>
-  <p:tag name="KSO_WM_BEAUTIFY_FLAG" val="#wm#"/>
-  <p:tag name="KSO_WM_UNIT_ISNUMDGMTITLE" val="0"/>
-</p:tagLst>
-</file>
-
 <file path=ppt/tags/tag268.xml><?xml version="1.0" encoding="utf-8"?>
-<p:tagLst xmlns:p="http://schemas.openxmlformats.org/presentationml/2006/main">
-  <p:tag name="KSO_WM_BEAUTIFY_FLAG" val="#wm#"/>
-  <p:tag name="KSO_WM_TEMPLATE_CATEGORY" val="custom"/>
-  <p:tag name="KSO_WM_TEMPLATE_INDEX" val="20202614"/>
-  <p:tag name="KSO_WM_SPECIAL_SOURCE" val="bdnull"/>
-</p:tagLst>
-</file>
-
-<file path=ppt/tags/tag269.xml><?xml version="1.0" encoding="utf-8"?>
-<p:tagLst xmlns:p="http://schemas.openxmlformats.org/presentationml/2006/main">
-  <p:tag name="KSO_WM_UNIT_ISCONTENTSTITLE" val="0"/>
-  <p:tag name="KSO_WM_UNIT_PRESET_TEXT" val="单击此处添加标题"/>
-  <p:tag name="KSO_WM_UNIT_NOCLEAR" val="0"/>
-  <p:tag name="KSO_WM_UNIT_VALUE" val="26"/>
-  <p:tag name="KSO_WM_UNIT_HIGHLIGHT" val="0"/>
-  <p:tag name="KSO_WM_UNIT_COMPATIBLE" val="0"/>
-  <p:tag name="KSO_WM_UNIT_DIAGRAM_ISNUMVISUAL" val="0"/>
-  <p:tag name="KSO_WM_UNIT_DIAGRAM_ISREFERUNIT" val="0"/>
-  <p:tag name="KSO_WM_UNIT_TYPE" val="a"/>
-  <p:tag name="KSO_WM_UNIT_INDEX" val="1"/>
-  <p:tag name="KSO_WM_UNIT_ID" val="custom20202614_9*a*1"/>
-  <p:tag name="KSO_WM_TEMPLATE_CATEGORY" val="custom"/>
-  <p:tag name="KSO_WM_TEMPLATE_INDEX" val="20202614"/>
-  <p:tag name="KSO_WM_UNIT_LAYERLEVEL" val="1"/>
-  <p:tag name="KSO_WM_TAG_VERSION" val="1.0"/>
-  <p:tag name="KSO_WM_BEAUTIFY_FLAG" val="#wm#"/>
-  <p:tag name="KSO_WM_UNIT_ISNUMDGMTITLE" val="0"/>
-</p:tagLst>
-</file>
-
-<file path=ppt/tags/tag27.xml><?xml version="1.0" encoding="utf-8"?>
-<p:tagLst xmlns:p="http://schemas.openxmlformats.org/presentationml/2006/main">
-  <p:tag name="KSO_WM_UNIT_HIGHLIGHT" val="0"/>
-  <p:tag name="KSO_WM_UNIT_COMPATIBLE" val="0"/>
-  <p:tag name="KSO_WM_UNIT_DIAGRAM_ISNUMVISUAL" val="0"/>
-  <p:tag name="KSO_WM_UNIT_DIAGRAM_ISREFERUNIT" val="0"/>
-  <p:tag name="KSO_WM_UNIT_ID" val="_4**"/>
-  <p:tag name="KSO_WM_UNIT_LAYERLEVEL" val="1"/>
-  <p:tag name="KSO_WM_TAG_VERSION" val="1.0"/>
-  <p:tag name="KSO_WM_BEAUTIFY_FLAG" val="#wm#"/>
-</p:tagLst>
-</file>
-
-<file path=ppt/tags/tag270.xml><?xml version="1.0" encoding="utf-8"?>
-<p:tagLst xmlns:p="http://schemas.openxmlformats.org/presentationml/2006/main">
-  <p:tag name="KSO_WM_BEAUTIFY_FLAG" val="#wm#"/>
-  <p:tag name="KSO_WM_TEMPLATE_CATEGORY" val="custom"/>
-  <p:tag name="KSO_WM_TEMPLATE_INDEX" val="20202614"/>
-  <p:tag name="KSO_WM_SPECIAL_SOURCE" val="bdnull"/>
-</p:tagLst>
-</file>
-
-<file path=ppt/tags/tag271.xml><?xml version="1.0" encoding="utf-8"?>
-<p:tagLst xmlns:p="http://schemas.openxmlformats.org/presentationml/2006/main">
-  <p:tag name="KSO_WM_UNIT_ISCONTENTSTITLE" val="0"/>
-  <p:tag name="KSO_WM_UNIT_PRESET_TEXT" val="单击此处添加标题"/>
-  <p:tag name="KSO_WM_UNIT_NOCLEAR" val="0"/>
-  <p:tag name="KSO_WM_UNIT_VALUE" val="26"/>
-  <p:tag name="KSO_WM_UNIT_HIGHLIGHT" val="0"/>
-  <p:tag name="KSO_WM_UNIT_COMPATIBLE" val="0"/>
-  <p:tag name="KSO_WM_UNIT_DIAGRAM_ISNUMVISUAL" val="0"/>
-  <p:tag name="KSO_WM_UNIT_DIAGRAM_ISREFERUNIT" val="0"/>
-  <p:tag name="KSO_WM_UNIT_TYPE" val="a"/>
-  <p:tag name="KSO_WM_UNIT_INDEX" val="1"/>
-  <p:tag name="KSO_WM_UNIT_ID" val="custom20202614_9*a*1"/>
-  <p:tag name="KSO_WM_TEMPLATE_CATEGORY" val="custom"/>
-  <p:tag name="KSO_WM_TEMPLATE_INDEX" val="20202614"/>
-  <p:tag name="KSO_WM_UNIT_LAYERLEVEL" val="1"/>
-  <p:tag name="KSO_WM_TAG_VERSION" val="1.0"/>
-  <p:tag name="KSO_WM_BEAUTIFY_FLAG" val="#wm#"/>
-  <p:tag name="KSO_WM_UNIT_ISNUMDGMTITLE" val="0"/>
-</p:tagLst>
-</file>
-
-<file path=ppt/tags/tag272.xml><?xml version="1.0" encoding="utf-8"?>
-<p:tagLst xmlns:p="http://schemas.openxmlformats.org/presentationml/2006/main">
-  <p:tag name="KSO_WM_BEAUTIFY_FLAG" val="#wm#"/>
-  <p:tag name="KSO_WM_TEMPLATE_CATEGORY" val="custom"/>
-  <p:tag name="KSO_WM_TEMPLATE_INDEX" val="20202614"/>
-  <p:tag name="KSO_WM_SPECIAL_SOURCE" val="bdnull"/>
-</p:tagLst>
-</file>
-
-<file path=ppt/tags/tag273.xml><?xml version="1.0" encoding="utf-8"?>
 <p:tagLst xmlns:p="http://schemas.openxmlformats.org/presentationml/2006/main">
   <p:tag name="KSO_WM_UNIT_HIGHLIGHT" val="0"/>
   <p:tag name="KSO_WM_UNIT_COMPATIBLE" val="0"/>
@@ -21127,7 +21645,7 @@
 </p:tagLst>
 </file>
 
-<file path=ppt/tags/tag274.xml><?xml version="1.0" encoding="utf-8"?>
+<file path=ppt/tags/tag269.xml><?xml version="1.0" encoding="utf-8"?>
 <p:tagLst xmlns:p="http://schemas.openxmlformats.org/presentationml/2006/main">
   <p:tag name="KSO_WM_SLIDE_ID" val="custom20202614_15"/>
   <p:tag name="KSO_WM_TEMPLATE_SUBCATEGORY" val="0"/>
@@ -21147,9 +21665,22 @@
 </p:tagLst>
 </file>
 
-<file path=ppt/tags/tag275.xml><?xml version="1.0" encoding="utf-8"?>
-<p:tagLst xmlns:p="http://schemas.openxmlformats.org/presentationml/2006/main">
-  <p:tag name="COMMONDATA" val="eyJoZGlkIjoiNjIyZDZmMTJhZDFjMjZlNTIzZjc5MWExZTQ1ZmMyMWUifQ=="/>
+<file path=ppt/tags/tag27.xml><?xml version="1.0" encoding="utf-8"?>
+<p:tagLst xmlns:p="http://schemas.openxmlformats.org/presentationml/2006/main">
+  <p:tag name="KSO_WM_UNIT_HIGHLIGHT" val="0"/>
+  <p:tag name="KSO_WM_UNIT_COMPATIBLE" val="0"/>
+  <p:tag name="KSO_WM_UNIT_DIAGRAM_ISNUMVISUAL" val="0"/>
+  <p:tag name="KSO_WM_UNIT_DIAGRAM_ISREFERUNIT" val="0"/>
+  <p:tag name="KSO_WM_UNIT_ID" val="_4**"/>
+  <p:tag name="KSO_WM_UNIT_LAYERLEVEL" val="1"/>
+  <p:tag name="KSO_WM_TAG_VERSION" val="1.0"/>
+  <p:tag name="KSO_WM_BEAUTIFY_FLAG" val="#wm#"/>
+</p:tagLst>
+</file>
+
+<file path=ppt/tags/tag270.xml><?xml version="1.0" encoding="utf-8"?>
+<p:tagLst xmlns:p="http://schemas.openxmlformats.org/presentationml/2006/main">
+  <p:tag name="COMMONDATA" val="eyJoZGlkIjoiYjczZDc5ZDYyNDgxZjdkMjc5ZmUzNTlkN2UxM2I2MTcifQ=="/>
   <p:tag name="KSO_WPP_MARK_KEY" val="057ef2ee-09f2-46d2-99e0-92674cd40550"/>
 </p:tagLst>
 </file>
@@ -23150,4 +23681,263 @@
     </a:ext>
   </a:extLst>
 </a:theme>
+</file>
+
+<file path=ppt/theme/theme5.xml><?xml version="1.0" encoding="utf-8"?>
+<a:theme xmlns:a="http://schemas.openxmlformats.org/drawingml/2006/main" name="Office 主题">
+  <a:themeElements>
+    <a:clrScheme name="Office">
+      <a:dk1>
+        <a:sysClr val="windowText" lastClr="000000"/>
+      </a:dk1>
+      <a:lt1>
+        <a:sysClr val="window" lastClr="FFFFFF"/>
+      </a:lt1>
+      <a:dk2>
+        <a:srgbClr val="44546A"/>
+      </a:dk2>
+      <a:lt2>
+        <a:srgbClr val="E7E6E6"/>
+      </a:lt2>
+      <a:accent1>
+        <a:srgbClr val="5B9BD5"/>
+      </a:accent1>
+      <a:accent2>
+        <a:srgbClr val="ED7D31"/>
+      </a:accent2>
+      <a:accent3>
+        <a:srgbClr val="A5A5A5"/>
+      </a:accent3>
+      <a:accent4>
+        <a:srgbClr val="FFC000"/>
+      </a:accent4>
+      <a:accent5>
+        <a:srgbClr val="4472C4"/>
+      </a:accent5>
+      <a:accent6>
+        <a:srgbClr val="70AD47"/>
+      </a:accent6>
+      <a:hlink>
+        <a:srgbClr val="0563C1"/>
+      </a:hlink>
+      <a:folHlink>
+        <a:srgbClr val="954F72"/>
+      </a:folHlink>
+    </a:clrScheme>
+    <a:fontScheme name="Office">
+      <a:majorFont>
+        <a:latin typeface="Calibri Light"/>
+        <a:ea typeface=""/>
+        <a:cs typeface=""/>
+        <a:font script="Jpan" typeface="ＭＳ Ｐゴシック"/>
+        <a:font script="Hang" typeface="맑은 고딕"/>
+        <a:font script="Hans" typeface="宋体"/>
+        <a:font script="Hant" typeface="新細明體"/>
+        <a:font script="Arab" typeface="Times New Roman"/>
+        <a:font script="Hebr" typeface="Times New Roman"/>
+        <a:font script="Thai" typeface="Angsana New"/>
+        <a:font script="Ethi" typeface="Nyala"/>
+        <a:font script="Beng" typeface="Vrinda"/>
+        <a:font script="Gujr" typeface="Shruti"/>
+        <a:font script="Khmr" typeface="MoolBoran"/>
+        <a:font script="Knda" typeface="Tunga"/>
+        <a:font script="Guru" typeface="Raavi"/>
+        <a:font script="Cans" typeface="Euphemia"/>
+        <a:font script="Cher" typeface="Plantagenet Cherokee"/>
+        <a:font script="Yiii" typeface="Microsoft Yi Baiti"/>
+        <a:font script="Tibt" typeface="Microsoft Himalaya"/>
+        <a:font script="Thaa" typeface="MV Boli"/>
+        <a:font script="Deva" typeface="Mangal"/>
+        <a:font script="Telu" typeface="Gautami"/>
+        <a:font script="Taml" typeface="Latha"/>
+        <a:font script="Syrc" typeface="Estrangelo Edessa"/>
+        <a:font script="Orya" typeface="Kalinga"/>
+        <a:font script="Mlym" typeface="Kartika"/>
+        <a:font script="Laoo" typeface="DokChampa"/>
+        <a:font script="Sinh" typeface="Iskoola Pota"/>
+        <a:font script="Mong" typeface="Mongolian Baiti"/>
+        <a:font script="Viet" typeface="Times New Roman"/>
+        <a:font script="Uigh" typeface="Microsoft Uighur"/>
+        <a:font script="Geor" typeface="Sylfaen"/>
+      </a:majorFont>
+      <a:minorFont>
+        <a:latin typeface="Calibri"/>
+        <a:ea typeface=""/>
+        <a:cs typeface=""/>
+        <a:font script="Jpan" typeface="ＭＳ Ｐゴシック"/>
+        <a:font script="Hang" typeface="맑은 고딕"/>
+        <a:font script="Hans" typeface="宋体"/>
+        <a:font script="Hant" typeface="新細明體"/>
+        <a:font script="Arab" typeface="Arial"/>
+        <a:font script="Hebr" typeface="Arial"/>
+        <a:font script="Thai" typeface="Cordia New"/>
+        <a:font script="Ethi" typeface="Nyala"/>
+        <a:font script="Beng" typeface="Vrinda"/>
+        <a:font script="Gujr" typeface="Shruti"/>
+        <a:font script="Khmr" typeface="DaunPenh"/>
+        <a:font script="Knda" typeface="Tunga"/>
+        <a:font script="Guru" typeface="Raavi"/>
+        <a:font script="Cans" typeface="Euphemia"/>
+        <a:font script="Cher" typeface="Plantagenet Cherokee"/>
+        <a:font script="Yiii" typeface="Microsoft Yi Baiti"/>
+        <a:font script="Tibt" typeface="Microsoft Himalaya"/>
+        <a:font script="Thaa" typeface="MV Boli"/>
+        <a:font script="Deva" typeface="Mangal"/>
+        <a:font script="Telu" typeface="Gautami"/>
+        <a:font script="Taml" typeface="Latha"/>
+        <a:font script="Syrc" typeface="Estrangelo Edessa"/>
+        <a:font script="Orya" typeface="Kalinga"/>
+        <a:font script="Mlym" typeface="Kartika"/>
+        <a:font script="Laoo" typeface="DokChampa"/>
+        <a:font script="Sinh" typeface="Iskoola Pota"/>
+        <a:font script="Mong" typeface="Mongolian Baiti"/>
+        <a:font script="Viet" typeface="Arial"/>
+        <a:font script="Uigh" typeface="Microsoft Uighur"/>
+        <a:font script="Geor" typeface="Sylfaen"/>
+      </a:minorFont>
+    </a:fontScheme>
+    <a:fmtScheme name="Office">
+      <a:fillStyleLst>
+        <a:solidFill>
+          <a:schemeClr val="phClr"/>
+        </a:solidFill>
+        <a:gradFill rotWithShape="1">
+          <a:gsLst>
+            <a:gs pos="0">
+              <a:schemeClr val="phClr">
+                <a:lumMod val="110000"/>
+                <a:satMod val="105000"/>
+                <a:tint val="67000"/>
+              </a:schemeClr>
+            </a:gs>
+            <a:gs pos="50000">
+              <a:schemeClr val="phClr">
+                <a:lumMod val="105000"/>
+                <a:satMod val="103000"/>
+                <a:tint val="73000"/>
+              </a:schemeClr>
+            </a:gs>
+            <a:gs pos="100000">
+              <a:schemeClr val="phClr">
+                <a:lumMod val="105000"/>
+                <a:satMod val="109000"/>
+                <a:tint val="81000"/>
+              </a:schemeClr>
+            </a:gs>
+          </a:gsLst>
+          <a:lin ang="5400000" scaled="0"/>
+        </a:gradFill>
+        <a:gradFill rotWithShape="1">
+          <a:gsLst>
+            <a:gs pos="0">
+              <a:schemeClr val="phClr">
+                <a:satMod val="103000"/>
+                <a:lumMod val="102000"/>
+                <a:tint val="94000"/>
+              </a:schemeClr>
+            </a:gs>
+            <a:gs pos="50000">
+              <a:schemeClr val="phClr">
+                <a:satMod val="110000"/>
+                <a:lumMod val="100000"/>
+                <a:shade val="100000"/>
+              </a:schemeClr>
+            </a:gs>
+            <a:gs pos="100000">
+              <a:schemeClr val="phClr">
+                <a:lumMod val="99000"/>
+                <a:satMod val="120000"/>
+                <a:shade val="78000"/>
+              </a:schemeClr>
+            </a:gs>
+          </a:gsLst>
+          <a:lin ang="5400000" scaled="0"/>
+        </a:gradFill>
+      </a:fillStyleLst>
+      <a:lnStyleLst>
+        <a:ln w="6350" cap="flat" cmpd="sng" algn="ctr">
+          <a:solidFill>
+            <a:schemeClr val="phClr"/>
+          </a:solidFill>
+          <a:prstDash val="solid"/>
+          <a:miter lim="800000"/>
+        </a:ln>
+        <a:ln w="12700" cap="flat" cmpd="sng" algn="ctr">
+          <a:solidFill>
+            <a:schemeClr val="phClr"/>
+          </a:solidFill>
+          <a:prstDash val="solid"/>
+          <a:miter lim="800000"/>
+        </a:ln>
+        <a:ln w="19050" cap="flat" cmpd="sng" algn="ctr">
+          <a:solidFill>
+            <a:schemeClr val="phClr"/>
+          </a:solidFill>
+          <a:prstDash val="solid"/>
+          <a:miter lim="800000"/>
+        </a:ln>
+      </a:lnStyleLst>
+      <a:effectStyleLst>
+        <a:effectStyle>
+          <a:effectLst/>
+        </a:effectStyle>
+        <a:effectStyle>
+          <a:effectLst/>
+        </a:effectStyle>
+        <a:effectStyle>
+          <a:effectLst>
+            <a:outerShdw blurRad="57150" dist="19050" dir="5400000" algn="ctr" rotWithShape="0">
+              <a:srgbClr val="000000">
+                <a:alpha val="63000"/>
+              </a:srgbClr>
+            </a:outerShdw>
+          </a:effectLst>
+        </a:effectStyle>
+      </a:effectStyleLst>
+      <a:bgFillStyleLst>
+        <a:solidFill>
+          <a:schemeClr val="phClr"/>
+        </a:solidFill>
+        <a:solidFill>
+          <a:schemeClr val="phClr">
+            <a:tint val="95000"/>
+            <a:satMod val="170000"/>
+          </a:schemeClr>
+        </a:solidFill>
+        <a:gradFill rotWithShape="1">
+          <a:gsLst>
+            <a:gs pos="0">
+              <a:schemeClr val="phClr">
+                <a:tint val="93000"/>
+                <a:satMod val="150000"/>
+                <a:shade val="98000"/>
+                <a:lumMod val="102000"/>
+              </a:schemeClr>
+            </a:gs>
+            <a:gs pos="50000">
+              <a:schemeClr val="phClr">
+                <a:tint val="98000"/>
+                <a:satMod val="130000"/>
+                <a:shade val="90000"/>
+                <a:lumMod val="103000"/>
+              </a:schemeClr>
+            </a:gs>
+            <a:gs pos="100000">
+              <a:schemeClr val="phClr">
+                <a:shade val="63000"/>
+                <a:satMod val="120000"/>
+              </a:schemeClr>
+            </a:gs>
+          </a:gsLst>
+          <a:lin ang="5400000" scaled="0"/>
+        </a:gradFill>
+      </a:bgFillStyleLst>
+    </a:fmtScheme>
+  </a:themeElements>
+  <a:extLst>
+    <a:ext uri="{05A4C25C-085E-4340-85A3-A5531E510DB2}">
+      <thm15:themeFamily xmlns:thm15="http://schemas.microsoft.com/office/thememl/2012/main" name="Office Theme" id="{62F939B6-93AF-4DB8-9C6B-D6C7DFDC589F}" vid="{4A3C46E8-61CC-4603-A589-7422A47A8E4A}"/>
+    </a:ext>
+  </a:extLst>
+</a:theme>
 </file>